--- a/Presentations/Second Intermediate Presentation/Presentation.pptx
+++ b/Presentations/Second Intermediate Presentation/Presentation.pptx
@@ -5022,7 +5022,7 @@
             </a:r>
             <a:r>
               <a:rPr lang="nl-BE" dirty="0"/>
-              <a:t>How can creative constraints, such as syllable count and rhyming be effectively enforced in the generation process of pre-trained autoregressive language models like GPT, to create correct and funny parody lyrics </a:t>
+              <a:t>Enforcing creative constraints in autoregressive language models during generation for musical parodies</a:t>
             </a:r>
             <a:endParaRPr lang="en-US" dirty="0"/>
           </a:p>
@@ -7221,7 +7221,7 @@
                     <a:lstStyle/>
                     <a:p>
                       <a:r>
-                        <a:rPr lang="nl-BE" sz="900" b="1" cap="none" spc="0">
+                        <a:rPr lang="nl-BE" sz="900" b="1" cap="none" spc="0" dirty="0">
                           <a:solidFill>
                             <a:schemeClr val="bg1"/>
                           </a:solidFill>
@@ -15779,7 +15779,21 @@
             <a:pPr lvl="1"/>
             <a:r>
               <a:rPr lang="nl-BE" dirty="0"/>
-              <a:t>Hoe leggen we regels op en welke zijn de beste modellen</a:t>
+              <a:t>Beperkt vorig onderzoek </a:t>
+            </a:r>
+          </a:p>
+          <a:p>
+            <a:pPr lvl="2"/>
+            <a:r>
+              <a:rPr lang="nl-BE" dirty="0"/>
+              <a:t>Vooral op oude modellen</a:t>
+            </a:r>
+          </a:p>
+          <a:p>
+            <a:pPr lvl="1"/>
+            <a:r>
+              <a:rPr lang="nl-BE" dirty="0"/>
+              <a:t>Constraints toepassen op generieke manier tijdens generatie</a:t>
             </a:r>
           </a:p>
           <a:p>
@@ -15800,7 +15814,7 @@
             <a:pPr lvl="2"/>
             <a:r>
               <a:rPr lang="nl-BE" dirty="0"/>
-              <a:t>Zachte constraints (halfrijm, pos-tag gelijkenis)</a:t>
+              <a:t>Zachte constraints ((half)rijm, pos-tag gelijkenis)</a:t>
             </a:r>
           </a:p>
           <a:p>
@@ -15923,7 +15937,7 @@
             </a:r>
             <a:r>
               <a:rPr lang="nl-BE" sz="2800" dirty="0"/>
-              <a:t>Autoregressieve Modellen voor Parodie Lyrics</a:t>
+              <a:t>Creatieve constraints voor autoregressieve modellen toegepast op parodieën </a:t>
             </a:r>
             <a:endParaRPr lang="nl-BE" dirty="0"/>
           </a:p>

--- a/Presentations/Second Intermediate Presentation/Presentation.pptx
+++ b/Presentations/Second Intermediate Presentation/Presentation.pptx
@@ -6,10 +6,10 @@
     <p:sldMasterId id="2147483694" r:id="rId2"/>
   </p:sldMasterIdLst>
   <p:notesMasterIdLst>
-    <p:notesMasterId r:id="rId13"/>
+    <p:notesMasterId r:id="rId19"/>
   </p:notesMasterIdLst>
   <p:handoutMasterIdLst>
-    <p:handoutMasterId r:id="rId14"/>
+    <p:handoutMasterId r:id="rId20"/>
   </p:handoutMasterIdLst>
   <p:sldIdLst>
     <p:sldId id="261" r:id="rId3"/>
@@ -20,8 +20,14 @@
     <p:sldId id="264" r:id="rId8"/>
     <p:sldId id="270" r:id="rId9"/>
     <p:sldId id="271" r:id="rId10"/>
-    <p:sldId id="265" r:id="rId11"/>
-    <p:sldId id="266" r:id="rId12"/>
+    <p:sldId id="272" r:id="rId11"/>
+    <p:sldId id="273" r:id="rId12"/>
+    <p:sldId id="275" r:id="rId13"/>
+    <p:sldId id="274" r:id="rId14"/>
+    <p:sldId id="276" r:id="rId15"/>
+    <p:sldId id="277" r:id="rId16"/>
+    <p:sldId id="265" r:id="rId17"/>
+    <p:sldId id="266" r:id="rId18"/>
   </p:sldIdLst>
   <p:sldSz cx="12192000" cy="6858000"/>
   <p:notesSz cx="6858000" cy="9144000"/>
@@ -5129,6 +5135,2683 @@
       </p:grpSpPr>
       <p:sp>
         <p:nvSpPr>
+          <p:cNvPr id="2" name="Tijdelijke aanduiding voor inhoud 1">
+            <a:extLst>
+              <a:ext uri="{FF2B5EF4-FFF2-40B4-BE49-F238E27FC236}">
+                <a16:creationId xmlns:a16="http://schemas.microsoft.com/office/drawing/2014/main" id="{5D957F36-45E6-9225-91FC-50E3511DB37C}"/>
+              </a:ext>
+            </a:extLst>
+          </p:cNvPr>
+          <p:cNvSpPr>
+            <a:spLocks noGrp="1"/>
+          </p:cNvSpPr>
+          <p:nvPr>
+            <p:ph idx="1"/>
+          </p:nvPr>
+        </p:nvSpPr>
+        <p:spPr/>
+        <p:txBody>
+          <a:bodyPr/>
+          <a:lstStyle/>
+          <a:p>
+            <a:r>
+              <a:rPr lang="nl-NL" dirty="0"/>
+              <a:t>Lijn per lijn generen</a:t>
+            </a:r>
+          </a:p>
+          <a:p>
+            <a:r>
+              <a:rPr lang="nl-NL" dirty="0"/>
+              <a:t>Prompt:</a:t>
+            </a:r>
+          </a:p>
+          <a:p>
+            <a:pPr lvl="1"/>
+            <a:r>
+              <a:rPr lang="nl-NL" dirty="0"/>
+              <a:t>Context + nieuw onderwerp + al gegenereerde parodie + de volgende lijn</a:t>
+            </a:r>
+          </a:p>
+          <a:p>
+            <a:r>
+              <a:rPr lang="nl-NL" dirty="0" err="1"/>
+              <a:t>Constraint</a:t>
+            </a:r>
+            <a:r>
+              <a:rPr lang="nl-NL" dirty="0"/>
+              <a:t>:</a:t>
+            </a:r>
+          </a:p>
+          <a:p>
+            <a:pPr lvl="1"/>
+            <a:r>
+              <a:rPr lang="nl-NL" dirty="0" err="1"/>
+              <a:t>Logits</a:t>
+            </a:r>
+            <a:r>
+              <a:rPr lang="nl-NL" dirty="0"/>
+              <a:t> worden niet aangepast</a:t>
+            </a:r>
+          </a:p>
+          <a:p>
+            <a:pPr lvl="1"/>
+            <a:r>
+              <a:rPr lang="nl-NL" dirty="0"/>
+              <a:t>Beam score aangepast:</a:t>
+            </a:r>
+          </a:p>
+          <a:p>
+            <a:pPr lvl="2"/>
+            <a:r>
+              <a:rPr lang="nl-NL" dirty="0"/>
+              <a:t># lettergrepen van de </a:t>
+            </a:r>
+            <a:r>
+              <a:rPr lang="nl-NL" dirty="0" err="1"/>
+              <a:t>beam</a:t>
+            </a:r>
+            <a:r>
+              <a:rPr lang="nl-NL" dirty="0"/>
+              <a:t> == het gevraagde </a:t>
+            </a:r>
+            <a:r>
+              <a:rPr lang="nl-NL" dirty="0">
+                <a:sym typeface="Wingdings" pitchFamily="2" charset="2"/>
+              </a:rPr>
+              <a:t> score/10</a:t>
+            </a:r>
+          </a:p>
+          <a:p>
+            <a:pPr lvl="2"/>
+            <a:r>
+              <a:rPr lang="nl-NL" dirty="0">
+                <a:sym typeface="Wingdings" pitchFamily="2" charset="2"/>
+              </a:rPr>
+              <a:t># lettergrepen van de </a:t>
+            </a:r>
+            <a:r>
+              <a:rPr lang="nl-NL" dirty="0" err="1">
+                <a:sym typeface="Wingdings" pitchFamily="2" charset="2"/>
+              </a:rPr>
+              <a:t>beam</a:t>
+            </a:r>
+            <a:r>
+              <a:rPr lang="nl-NL" dirty="0">
+                <a:sym typeface="Wingdings" pitchFamily="2" charset="2"/>
+              </a:rPr>
+              <a:t> &gt; het gevraagde  score*10</a:t>
+            </a:r>
+          </a:p>
+          <a:p>
+            <a:pPr lvl="1"/>
+            <a:r>
+              <a:rPr lang="nl-NL" dirty="0">
+                <a:sym typeface="Wingdings" pitchFamily="2" charset="2"/>
+              </a:rPr>
+              <a:t>Generatie stopt als één van de </a:t>
+            </a:r>
+            <a:r>
+              <a:rPr lang="nl-NL" dirty="0" err="1">
+                <a:sym typeface="Wingdings" pitchFamily="2" charset="2"/>
+              </a:rPr>
+              <a:t>beams</a:t>
+            </a:r>
+            <a:r>
+              <a:rPr lang="nl-NL" dirty="0">
+                <a:sym typeface="Wingdings" pitchFamily="2" charset="2"/>
+              </a:rPr>
+              <a:t> het gevraagde # lettergrepen heeft</a:t>
+            </a:r>
+            <a:endParaRPr lang="nl-NL" dirty="0"/>
+          </a:p>
+          <a:p>
+            <a:pPr lvl="1"/>
+            <a:endParaRPr lang="nl-NL" dirty="0"/>
+          </a:p>
+          <a:p>
+            <a:endParaRPr lang="nl-NL" dirty="0"/>
+          </a:p>
+        </p:txBody>
+      </p:sp>
+      <p:sp>
+        <p:nvSpPr>
+          <p:cNvPr id="3" name="Tijdelijke aanduiding voor voettekst 2">
+            <a:extLst>
+              <a:ext uri="{FF2B5EF4-FFF2-40B4-BE49-F238E27FC236}">
+                <a16:creationId xmlns:a16="http://schemas.microsoft.com/office/drawing/2014/main" id="{622AE155-BA44-632D-7929-B935A78B28FE}"/>
+              </a:ext>
+            </a:extLst>
+          </p:cNvPr>
+          <p:cNvSpPr>
+            <a:spLocks noGrp="1"/>
+          </p:cNvSpPr>
+          <p:nvPr>
+            <p:ph type="ftr" sz="quarter" idx="11"/>
+          </p:nvPr>
+        </p:nvSpPr>
+        <p:spPr/>
+        <p:txBody>
+          <a:bodyPr/>
+          <a:lstStyle/>
+          <a:p>
+            <a:r>
+              <a:rPr lang="nl-NL"/>
+              <a:t>Computerwetenschappen - DTAI</a:t>
+            </a:r>
+            <a:endParaRPr lang="nl-NL" dirty="0"/>
+          </a:p>
+        </p:txBody>
+      </p:sp>
+      <p:sp>
+        <p:nvSpPr>
+          <p:cNvPr id="4" name="Tijdelijke aanduiding voor dianummer 3">
+            <a:extLst>
+              <a:ext uri="{FF2B5EF4-FFF2-40B4-BE49-F238E27FC236}">
+                <a16:creationId xmlns:a16="http://schemas.microsoft.com/office/drawing/2014/main" id="{C9E4B0DC-9E9A-589C-0F49-7E62AD83B3D9}"/>
+              </a:ext>
+            </a:extLst>
+          </p:cNvPr>
+          <p:cNvSpPr>
+            <a:spLocks noGrp="1"/>
+          </p:cNvSpPr>
+          <p:nvPr>
+            <p:ph type="sldNum" sz="quarter" idx="12"/>
+          </p:nvPr>
+        </p:nvSpPr>
+        <p:spPr/>
+        <p:txBody>
+          <a:bodyPr/>
+          <a:lstStyle/>
+          <a:p>
+            <a:fld id="{0A297500-7527-634B-90F4-69D0994C32B4}" type="slidenum">
+              <a:rPr lang="nl-NL" smtClean="0"/>
+              <a:t>10</a:t>
+            </a:fld>
+            <a:endParaRPr lang="nl-NL" dirty="0"/>
+          </a:p>
+        </p:txBody>
+      </p:sp>
+      <p:sp>
+        <p:nvSpPr>
+          <p:cNvPr id="5" name="Titel 4">
+            <a:extLst>
+              <a:ext uri="{FF2B5EF4-FFF2-40B4-BE49-F238E27FC236}">
+                <a16:creationId xmlns:a16="http://schemas.microsoft.com/office/drawing/2014/main" id="{C59A1A93-DA15-6CCA-3099-EA5C0AE16C6B}"/>
+              </a:ext>
+            </a:extLst>
+          </p:cNvPr>
+          <p:cNvSpPr>
+            <a:spLocks noGrp="1"/>
+          </p:cNvSpPr>
+          <p:nvPr>
+            <p:ph type="title"/>
+          </p:nvPr>
+        </p:nvSpPr>
+        <p:spPr/>
+        <p:txBody>
+          <a:bodyPr>
+            <a:normAutofit fontScale="90000"/>
+          </a:bodyPr>
+          <a:lstStyle/>
+          <a:p>
+            <a:r>
+              <a:rPr lang="nl-NL" b="1" dirty="0"/>
+              <a:t>Huidig onderzoek: </a:t>
+            </a:r>
+            <a:r>
+              <a:rPr lang="nl-NL" dirty="0" err="1"/>
+              <a:t>Syllable</a:t>
+            </a:r>
+            <a:r>
+              <a:rPr lang="nl-NL" dirty="0"/>
+              <a:t> </a:t>
+            </a:r>
+            <a:r>
+              <a:rPr lang="nl-NL" dirty="0" err="1"/>
+              <a:t>Constraint</a:t>
+            </a:r>
+            <a:r>
+              <a:rPr lang="nl-NL" dirty="0"/>
+              <a:t> | Oplossing 1</a:t>
+            </a:r>
+            <a:endParaRPr lang="en-US" dirty="0"/>
+          </a:p>
+        </p:txBody>
+      </p:sp>
+    </p:spTree>
+    <p:extLst>
+      <p:ext uri="{BB962C8B-B14F-4D97-AF65-F5344CB8AC3E}">
+        <p14:creationId xmlns:p14="http://schemas.microsoft.com/office/powerpoint/2010/main" val="4246468099"/>
+      </p:ext>
+    </p:extLst>
+  </p:cSld>
+  <p:clrMapOvr>
+    <a:masterClrMapping/>
+  </p:clrMapOvr>
+</p:sld>
+</file>
+
+<file path=ppt/slides/slide11.xml><?xml version="1.0" encoding="utf-8"?>
+<p:sld xmlns:a="http://schemas.openxmlformats.org/drawingml/2006/main" xmlns:r="http://schemas.openxmlformats.org/officeDocument/2006/relationships" xmlns:p="http://schemas.openxmlformats.org/presentationml/2006/main">
+  <p:cSld>
+    <p:spTree>
+      <p:nvGrpSpPr>
+        <p:cNvPr id="1" name=""/>
+        <p:cNvGrpSpPr/>
+        <p:nvPr/>
+      </p:nvGrpSpPr>
+      <p:grpSpPr>
+        <a:xfrm>
+          <a:off x="0" y="0"/>
+          <a:ext cx="0" cy="0"/>
+          <a:chOff x="0" y="0"/>
+          <a:chExt cx="0" cy="0"/>
+        </a:xfrm>
+      </p:grpSpPr>
+      <p:sp>
+        <p:nvSpPr>
+          <p:cNvPr id="2" name="Tijdelijke aanduiding voor tekst 1">
+            <a:extLst>
+              <a:ext uri="{FF2B5EF4-FFF2-40B4-BE49-F238E27FC236}">
+                <a16:creationId xmlns:a16="http://schemas.microsoft.com/office/drawing/2014/main" id="{826263D6-814D-E57A-AB89-B2ABCA69F3C1}"/>
+              </a:ext>
+            </a:extLst>
+          </p:cNvPr>
+          <p:cNvSpPr>
+            <a:spLocks noGrp="1"/>
+          </p:cNvSpPr>
+          <p:nvPr>
+            <p:ph type="body" idx="1"/>
+          </p:nvPr>
+        </p:nvSpPr>
+        <p:spPr/>
+        <p:txBody>
+          <a:bodyPr/>
+          <a:lstStyle/>
+          <a:p>
+            <a:r>
+              <a:rPr lang="en-US" dirty="0" err="1"/>
+              <a:t>Origineel</a:t>
+            </a:r>
+            <a:endParaRPr lang="en-US" dirty="0"/>
+          </a:p>
+        </p:txBody>
+      </p:sp>
+      <p:sp>
+        <p:nvSpPr>
+          <p:cNvPr id="3" name="Tijdelijke aanduiding voor inhoud 2">
+            <a:extLst>
+              <a:ext uri="{FF2B5EF4-FFF2-40B4-BE49-F238E27FC236}">
+                <a16:creationId xmlns:a16="http://schemas.microsoft.com/office/drawing/2014/main" id="{4B5594B7-B2F6-ECDD-D41B-2D5DAC365C51}"/>
+              </a:ext>
+            </a:extLst>
+          </p:cNvPr>
+          <p:cNvSpPr>
+            <a:spLocks noGrp="1"/>
+          </p:cNvSpPr>
+          <p:nvPr>
+            <p:ph sz="half" idx="2"/>
+          </p:nvPr>
+        </p:nvSpPr>
+        <p:spPr>
+          <a:solidFill>
+            <a:schemeClr val="tx2">
+              <a:lumMod val="20000"/>
+              <a:lumOff val="80000"/>
+            </a:schemeClr>
+          </a:solidFill>
+          <a:ln w="9525">
+            <a:solidFill>
+              <a:schemeClr val="accent1"/>
+            </a:solidFill>
+          </a:ln>
+        </p:spPr>
+        <p:txBody>
+          <a:bodyPr>
+            <a:normAutofit fontScale="55000" lnSpcReduction="20000"/>
+          </a:bodyPr>
+          <a:lstStyle/>
+          <a:p>
+            <a:pPr marL="0" indent="0">
+              <a:lnSpc>
+                <a:spcPct val="120000"/>
+              </a:lnSpc>
+              <a:buNone/>
+            </a:pPr>
+            <a:r>
+              <a:rPr lang="en-US" dirty="0"/>
+              <a:t>…</a:t>
+            </a:r>
+            <a:br>
+              <a:rPr lang="en-US" dirty="0"/>
+            </a:br>
+            <a:r>
+              <a:rPr lang="en-US" dirty="0"/>
+              <a:t>[Post-Chorus]</a:t>
+            </a:r>
+            <a:br>
+              <a:rPr lang="en-US" dirty="0"/>
+            </a:br>
+            <a:r>
+              <a:rPr lang="en-US" dirty="0"/>
+              <a:t>Uh-huh</a:t>
+            </a:r>
+            <a:br>
+              <a:rPr lang="en-US" dirty="0"/>
+            </a:br>
+            <a:r>
+              <a:rPr lang="en-US" dirty="0"/>
+              <a:t>(Is it? Is it? Is it?)</a:t>
+            </a:r>
+            <a:br>
+              <a:rPr lang="en-US" dirty="0"/>
+            </a:br>
+            <a:r>
+              <a:rPr lang="en-US" dirty="0"/>
+              <a:t>Uh-huh</a:t>
+            </a:r>
+            <a:br>
+              <a:rPr lang="en-US" dirty="0"/>
+            </a:br>
+            <a:r>
+              <a:rPr lang="en-US" dirty="0"/>
+              <a:t>(Is it? Is it?)</a:t>
+            </a:r>
+          </a:p>
+          <a:p>
+            <a:pPr marL="0" indent="0">
+              <a:lnSpc>
+                <a:spcPct val="120000"/>
+              </a:lnSpc>
+              <a:buNone/>
+            </a:pPr>
+            <a:r>
+              <a:rPr lang="en-US" dirty="0"/>
+              <a:t>[Bridge]</a:t>
+            </a:r>
+            <a:br>
+              <a:rPr lang="en-US" dirty="0"/>
+            </a:br>
+            <a:r>
+              <a:rPr lang="en-US" dirty="0"/>
+              <a:t>Think I didn't see you?</a:t>
+            </a:r>
+            <a:br>
+              <a:rPr lang="en-US" dirty="0"/>
+            </a:br>
+            <a:r>
+              <a:rPr lang="en-US" dirty="0"/>
+              <a:t>There were </a:t>
+            </a:r>
+            <a:r>
+              <a:rPr lang="en-US" dirty="0" err="1"/>
+              <a:t>flashin</a:t>
+            </a:r>
+            <a:r>
+              <a:rPr lang="en-US" dirty="0"/>
+              <a:t>' lights</a:t>
+            </a:r>
+            <a:br>
+              <a:rPr lang="en-US" dirty="0"/>
+            </a:br>
+            <a:r>
+              <a:rPr lang="en-US" dirty="0"/>
+              <a:t>At least I had the decency</a:t>
+            </a:r>
+            <a:br>
+              <a:rPr lang="en-US" dirty="0"/>
+            </a:br>
+            <a:r>
+              <a:rPr lang="en-US" dirty="0"/>
+              <a:t>To keep my nights out of sight</a:t>
+            </a:r>
+            <a:br>
+              <a:rPr lang="en-US" dirty="0"/>
+            </a:br>
+            <a:r>
+              <a:rPr lang="en-US" dirty="0"/>
+              <a:t>Only rumors 'bout my hips and thighs</a:t>
+            </a:r>
+            <a:br>
+              <a:rPr lang="en-US" dirty="0"/>
+            </a:br>
+            <a:r>
+              <a:rPr lang="en-US" dirty="0"/>
+              <a:t>And my whispered sighs</a:t>
+            </a:r>
+            <a:br>
+              <a:rPr lang="en-US" dirty="0"/>
+            </a:br>
+            <a:r>
+              <a:rPr lang="en-US" dirty="0"/>
+              <a:t>Oh, Lord, I think about </a:t>
+            </a:r>
+            <a:r>
+              <a:rPr lang="en-US" dirty="0" err="1"/>
+              <a:t>jumpin</a:t>
+            </a:r>
+            <a:r>
+              <a:rPr lang="en-US" dirty="0"/>
+              <a:t>’</a:t>
+            </a:r>
+            <a:br>
+              <a:rPr lang="en-US" dirty="0"/>
+            </a:br>
+            <a:r>
+              <a:rPr lang="en-US" dirty="0"/>
+              <a:t>Off of very tall somethings</a:t>
+            </a:r>
+            <a:br>
+              <a:rPr lang="en-US" dirty="0"/>
+            </a:br>
+            <a:r>
+              <a:rPr lang="en-US" dirty="0"/>
+              <a:t>Just to see you come </a:t>
+            </a:r>
+            <a:r>
+              <a:rPr lang="en-US" dirty="0" err="1"/>
+              <a:t>runnin</a:t>
+            </a:r>
+            <a:r>
+              <a:rPr lang="en-US" dirty="0"/>
+              <a:t>' (</a:t>
+            </a:r>
+            <a:r>
+              <a:rPr lang="en-US" dirty="0" err="1"/>
+              <a:t>Runnin</a:t>
+            </a:r>
+            <a:r>
+              <a:rPr lang="en-US" dirty="0"/>
+              <a:t>’)</a:t>
+            </a:r>
+            <a:br>
+              <a:rPr lang="en-US" dirty="0"/>
+            </a:br>
+            <a:r>
+              <a:rPr lang="en-US" dirty="0"/>
+              <a:t>And say the one thing I've been wanting, but no</a:t>
+            </a:r>
+            <a:br>
+              <a:rPr lang="en-US" dirty="0"/>
+            </a:br>
+            <a:r>
+              <a:rPr lang="en-US" dirty="0"/>
+              <a:t>… </a:t>
+            </a:r>
+          </a:p>
+        </p:txBody>
+      </p:sp>
+      <p:sp>
+        <p:nvSpPr>
+          <p:cNvPr id="4" name="Tijdelijke aanduiding voor tekst 3">
+            <a:extLst>
+              <a:ext uri="{FF2B5EF4-FFF2-40B4-BE49-F238E27FC236}">
+                <a16:creationId xmlns:a16="http://schemas.microsoft.com/office/drawing/2014/main" id="{D07E70A0-97C6-CF6B-BA23-341C986B3BE2}"/>
+              </a:ext>
+            </a:extLst>
+          </p:cNvPr>
+          <p:cNvSpPr>
+            <a:spLocks noGrp="1"/>
+          </p:cNvSpPr>
+          <p:nvPr>
+            <p:ph type="body" sz="quarter" idx="3"/>
+          </p:nvPr>
+        </p:nvSpPr>
+        <p:spPr/>
+        <p:txBody>
+          <a:bodyPr/>
+          <a:lstStyle/>
+          <a:p>
+            <a:r>
+              <a:rPr lang="en-US" dirty="0" err="1"/>
+              <a:t>Oplossing</a:t>
+            </a:r>
+            <a:r>
+              <a:rPr lang="en-US" dirty="0"/>
+              <a:t> 1 | GPT-2 | 3 beams </a:t>
+            </a:r>
+          </a:p>
+        </p:txBody>
+      </p:sp>
+      <p:sp>
+        <p:nvSpPr>
+          <p:cNvPr id="6" name="Tijdelijke aanduiding voor voettekst 5">
+            <a:extLst>
+              <a:ext uri="{FF2B5EF4-FFF2-40B4-BE49-F238E27FC236}">
+                <a16:creationId xmlns:a16="http://schemas.microsoft.com/office/drawing/2014/main" id="{D694271A-79A7-D778-681E-8AC09F0FEEFE}"/>
+              </a:ext>
+            </a:extLst>
+          </p:cNvPr>
+          <p:cNvSpPr>
+            <a:spLocks noGrp="1"/>
+          </p:cNvSpPr>
+          <p:nvPr>
+            <p:ph type="ftr" sz="quarter" idx="11"/>
+          </p:nvPr>
+        </p:nvSpPr>
+        <p:spPr/>
+        <p:txBody>
+          <a:bodyPr/>
+          <a:lstStyle/>
+          <a:p>
+            <a:r>
+              <a:rPr lang="nl-NL"/>
+              <a:t>Computerwetenschappen - DTAI</a:t>
+            </a:r>
+            <a:endParaRPr lang="nl-NL" dirty="0"/>
+          </a:p>
+        </p:txBody>
+      </p:sp>
+      <p:sp>
+        <p:nvSpPr>
+          <p:cNvPr id="7" name="Tijdelijke aanduiding voor dianummer 6">
+            <a:extLst>
+              <a:ext uri="{FF2B5EF4-FFF2-40B4-BE49-F238E27FC236}">
+                <a16:creationId xmlns:a16="http://schemas.microsoft.com/office/drawing/2014/main" id="{34201561-A237-2CA1-0D6A-DEA701500839}"/>
+              </a:ext>
+            </a:extLst>
+          </p:cNvPr>
+          <p:cNvSpPr>
+            <a:spLocks noGrp="1"/>
+          </p:cNvSpPr>
+          <p:nvPr>
+            <p:ph type="sldNum" sz="quarter" idx="12"/>
+          </p:nvPr>
+        </p:nvSpPr>
+        <p:spPr/>
+        <p:txBody>
+          <a:bodyPr/>
+          <a:lstStyle/>
+          <a:p>
+            <a:fld id="{0A297500-7527-634B-90F4-69D0994C32B4}" type="slidenum">
+              <a:rPr lang="nl-NL" smtClean="0"/>
+              <a:t>11</a:t>
+            </a:fld>
+            <a:endParaRPr lang="nl-NL" dirty="0"/>
+          </a:p>
+        </p:txBody>
+      </p:sp>
+      <p:sp>
+        <p:nvSpPr>
+          <p:cNvPr id="8" name="Titel 7">
+            <a:extLst>
+              <a:ext uri="{FF2B5EF4-FFF2-40B4-BE49-F238E27FC236}">
+                <a16:creationId xmlns:a16="http://schemas.microsoft.com/office/drawing/2014/main" id="{046D607A-9B3D-58B0-3525-5F6CCE507F7F}"/>
+              </a:ext>
+            </a:extLst>
+          </p:cNvPr>
+          <p:cNvSpPr>
+            <a:spLocks noGrp="1"/>
+          </p:cNvSpPr>
+          <p:nvPr>
+            <p:ph type="title"/>
+          </p:nvPr>
+        </p:nvSpPr>
+        <p:spPr/>
+        <p:txBody>
+          <a:bodyPr>
+            <a:normAutofit fontScale="90000"/>
+          </a:bodyPr>
+          <a:lstStyle/>
+          <a:p>
+            <a:r>
+              <a:rPr lang="nl-NL" b="1" dirty="0"/>
+              <a:t>Huidig onderzoek: </a:t>
+            </a:r>
+            <a:r>
+              <a:rPr lang="nl-NL" dirty="0" err="1"/>
+              <a:t>Syllable</a:t>
+            </a:r>
+            <a:r>
+              <a:rPr lang="nl-NL" dirty="0"/>
+              <a:t> </a:t>
+            </a:r>
+            <a:r>
+              <a:rPr lang="nl-NL" dirty="0" err="1"/>
+              <a:t>Constraint</a:t>
+            </a:r>
+            <a:r>
+              <a:rPr lang="nl-NL" dirty="0"/>
+              <a:t> | Oplossing 1</a:t>
+            </a:r>
+            <a:endParaRPr lang="en-US" dirty="0"/>
+          </a:p>
+        </p:txBody>
+      </p:sp>
+      <p:sp>
+        <p:nvSpPr>
+          <p:cNvPr id="11" name="Tijdelijke aanduiding voor inhoud 2">
+            <a:extLst>
+              <a:ext uri="{FF2B5EF4-FFF2-40B4-BE49-F238E27FC236}">
+                <a16:creationId xmlns:a16="http://schemas.microsoft.com/office/drawing/2014/main" id="{40F85C12-A3E7-46ED-F685-C8F0C7874057}"/>
+              </a:ext>
+            </a:extLst>
+          </p:cNvPr>
+          <p:cNvSpPr txBox="1">
+            <a:spLocks/>
+          </p:cNvSpPr>
+          <p:nvPr/>
+        </p:nvSpPr>
+        <p:spPr>
+          <a:xfrm>
+            <a:off x="6194427" y="2263816"/>
+            <a:ext cx="5421575" cy="3837658"/>
+          </a:xfrm>
+          <a:prstGeom prst="rect">
+            <a:avLst/>
+          </a:prstGeom>
+          <a:solidFill>
+            <a:schemeClr val="accent6">
+              <a:lumMod val="20000"/>
+              <a:lumOff val="80000"/>
+            </a:schemeClr>
+          </a:solidFill>
+          <a:ln w="9525">
+            <a:solidFill>
+              <a:schemeClr val="accent1"/>
+            </a:solidFill>
+          </a:ln>
+        </p:spPr>
+        <p:txBody>
+          <a:bodyPr vert="horz" lIns="91440" tIns="45720" rIns="91440" bIns="45720" rtlCol="0">
+            <a:normAutofit fontScale="55000" lnSpcReduction="20000"/>
+          </a:bodyPr>
+          <a:lstStyle>
+            <a:lvl1pPr marL="228600" indent="-228600" algn="l" defTabSz="914400" rtl="0" eaLnBrk="1" latinLnBrk="0" hangingPunct="1">
+              <a:lnSpc>
+                <a:spcPct val="100000"/>
+              </a:lnSpc>
+              <a:spcBef>
+                <a:spcPts val="1000"/>
+              </a:spcBef>
+              <a:buFont typeface="Arial"/>
+              <a:buChar char="•"/>
+              <a:defRPr sz="2400" kern="1200" baseline="0">
+                <a:solidFill>
+                  <a:schemeClr val="tx1"/>
+                </a:solidFill>
+                <a:latin typeface="Arial" charset="0"/>
+                <a:ea typeface="+mn-ea"/>
+                <a:cs typeface="+mn-cs"/>
+              </a:defRPr>
+            </a:lvl1pPr>
+            <a:lvl2pPr marL="685800" indent="-228600" algn="l" defTabSz="914400" rtl="0" eaLnBrk="1" latinLnBrk="0" hangingPunct="1">
+              <a:lnSpc>
+                <a:spcPct val="100000"/>
+              </a:lnSpc>
+              <a:spcBef>
+                <a:spcPts val="500"/>
+              </a:spcBef>
+              <a:buFont typeface="Arial"/>
+              <a:buChar char="•"/>
+              <a:defRPr sz="2400" kern="1200" baseline="0">
+                <a:solidFill>
+                  <a:schemeClr val="tx1"/>
+                </a:solidFill>
+                <a:latin typeface="Arial" charset="0"/>
+                <a:ea typeface="+mn-ea"/>
+                <a:cs typeface="+mn-cs"/>
+              </a:defRPr>
+            </a:lvl2pPr>
+            <a:lvl3pPr marL="1143000" indent="-228600" algn="l" defTabSz="914400" rtl="0" eaLnBrk="1" latinLnBrk="0" hangingPunct="1">
+              <a:lnSpc>
+                <a:spcPct val="100000"/>
+              </a:lnSpc>
+              <a:spcBef>
+                <a:spcPts val="500"/>
+              </a:spcBef>
+              <a:buFont typeface="Arial"/>
+              <a:buChar char="•"/>
+              <a:defRPr sz="2000" kern="1200" baseline="0">
+                <a:solidFill>
+                  <a:schemeClr val="tx1"/>
+                </a:solidFill>
+                <a:latin typeface="Arial" charset="0"/>
+                <a:ea typeface="+mn-ea"/>
+                <a:cs typeface="+mn-cs"/>
+              </a:defRPr>
+            </a:lvl3pPr>
+            <a:lvl4pPr marL="1600200" indent="-228600" algn="l" defTabSz="914400" rtl="0" eaLnBrk="1" latinLnBrk="0" hangingPunct="1">
+              <a:lnSpc>
+                <a:spcPct val="100000"/>
+              </a:lnSpc>
+              <a:spcBef>
+                <a:spcPts val="500"/>
+              </a:spcBef>
+              <a:buFont typeface="Arial"/>
+              <a:buChar char="•"/>
+              <a:defRPr sz="1800" kern="1200" baseline="0">
+                <a:solidFill>
+                  <a:schemeClr val="tx1"/>
+                </a:solidFill>
+                <a:latin typeface="Arial" charset="0"/>
+                <a:ea typeface="+mn-ea"/>
+                <a:cs typeface="+mn-cs"/>
+              </a:defRPr>
+            </a:lvl4pPr>
+            <a:lvl5pPr marL="2057400" indent="-228600" algn="l" defTabSz="914400" rtl="0" eaLnBrk="1" latinLnBrk="0" hangingPunct="1">
+              <a:lnSpc>
+                <a:spcPct val="100000"/>
+              </a:lnSpc>
+              <a:spcBef>
+                <a:spcPts val="500"/>
+              </a:spcBef>
+              <a:buFont typeface="Arial"/>
+              <a:buChar char="•"/>
+              <a:defRPr sz="1800" kern="1200" baseline="0">
+                <a:solidFill>
+                  <a:schemeClr val="tx1"/>
+                </a:solidFill>
+                <a:latin typeface="Arial" charset="0"/>
+                <a:ea typeface="+mn-ea"/>
+                <a:cs typeface="+mn-cs"/>
+              </a:defRPr>
+            </a:lvl5pPr>
+            <a:lvl6pPr marL="2514600" indent="-228600" algn="l" defTabSz="914400" rtl="0" eaLnBrk="1" latinLnBrk="0" hangingPunct="1">
+              <a:lnSpc>
+                <a:spcPct val="90000"/>
+              </a:lnSpc>
+              <a:spcBef>
+                <a:spcPts val="500"/>
+              </a:spcBef>
+              <a:buFont typeface="Arial"/>
+              <a:buChar char="•"/>
+              <a:defRPr sz="1800" kern="1200">
+                <a:solidFill>
+                  <a:schemeClr val="tx1"/>
+                </a:solidFill>
+                <a:latin typeface="+mn-lt"/>
+                <a:ea typeface="+mn-ea"/>
+                <a:cs typeface="+mn-cs"/>
+              </a:defRPr>
+            </a:lvl6pPr>
+            <a:lvl7pPr marL="2971800" indent="-228600" algn="l" defTabSz="914400" rtl="0" eaLnBrk="1" latinLnBrk="0" hangingPunct="1">
+              <a:lnSpc>
+                <a:spcPct val="90000"/>
+              </a:lnSpc>
+              <a:spcBef>
+                <a:spcPts val="500"/>
+              </a:spcBef>
+              <a:buFont typeface="Arial"/>
+              <a:buChar char="•"/>
+              <a:defRPr sz="1800" kern="1200">
+                <a:solidFill>
+                  <a:schemeClr val="tx1"/>
+                </a:solidFill>
+                <a:latin typeface="+mn-lt"/>
+                <a:ea typeface="+mn-ea"/>
+                <a:cs typeface="+mn-cs"/>
+              </a:defRPr>
+            </a:lvl7pPr>
+            <a:lvl8pPr marL="3429000" indent="-228600" algn="l" defTabSz="914400" rtl="0" eaLnBrk="1" latinLnBrk="0" hangingPunct="1">
+              <a:lnSpc>
+                <a:spcPct val="90000"/>
+              </a:lnSpc>
+              <a:spcBef>
+                <a:spcPts val="500"/>
+              </a:spcBef>
+              <a:buFont typeface="Arial"/>
+              <a:buChar char="•"/>
+              <a:defRPr sz="1800" kern="1200">
+                <a:solidFill>
+                  <a:schemeClr val="tx1"/>
+                </a:solidFill>
+                <a:latin typeface="+mn-lt"/>
+                <a:ea typeface="+mn-ea"/>
+                <a:cs typeface="+mn-cs"/>
+              </a:defRPr>
+            </a:lvl8pPr>
+            <a:lvl9pPr marL="3886200" indent="-228600" algn="l" defTabSz="914400" rtl="0" eaLnBrk="1" latinLnBrk="0" hangingPunct="1">
+              <a:lnSpc>
+                <a:spcPct val="90000"/>
+              </a:lnSpc>
+              <a:spcBef>
+                <a:spcPts val="500"/>
+              </a:spcBef>
+              <a:buFont typeface="Arial"/>
+              <a:buChar char="•"/>
+              <a:defRPr sz="1800" kern="1200">
+                <a:solidFill>
+                  <a:schemeClr val="tx1"/>
+                </a:solidFill>
+                <a:latin typeface="+mn-lt"/>
+                <a:ea typeface="+mn-ea"/>
+                <a:cs typeface="+mn-cs"/>
+              </a:defRPr>
+            </a:lvl9pPr>
+          </a:lstStyle>
+          <a:p>
+            <a:pPr marL="0" indent="0">
+              <a:lnSpc>
+                <a:spcPct val="120000"/>
+              </a:lnSpc>
+              <a:buFont typeface="Arial"/>
+              <a:buNone/>
+            </a:pPr>
+            <a:r>
+              <a:rPr lang="en-US" dirty="0"/>
+              <a:t>…</a:t>
+            </a:r>
+            <a:br>
+              <a:rPr lang="en-US" dirty="0"/>
+            </a:br>
+            <a:r>
+              <a:rPr lang="en-US" dirty="0"/>
+              <a:t>[Post-Chorus]</a:t>
+            </a:r>
+            <a:br>
+              <a:rPr lang="en-US" dirty="0"/>
+            </a:br>
+            <a:r>
+              <a:rPr lang="en-US" dirty="0"/>
+              <a:t>Yeah I</a:t>
+            </a:r>
+            <a:br>
+              <a:rPr lang="en-US" dirty="0"/>
+            </a:br>
+            <a:r>
+              <a:rPr lang="en-US" dirty="0"/>
+              <a:t>Are you sure you </a:t>
+            </a:r>
+            <a:r>
+              <a:rPr lang="en-US" dirty="0" err="1"/>
+              <a:t>wanna</a:t>
+            </a:r>
+            <a:br>
+              <a:rPr lang="en-US" dirty="0"/>
+            </a:br>
+            <a:r>
+              <a:rPr lang="en-US" dirty="0"/>
+              <a:t>Uh-uh</a:t>
+            </a:r>
+            <a:br>
+              <a:rPr lang="en-US" dirty="0"/>
+            </a:br>
+            <a:r>
+              <a:rPr lang="en-US" dirty="0"/>
+              <a:t>Well I guess it</a:t>
+            </a:r>
+          </a:p>
+          <a:p>
+            <a:pPr marL="0" indent="0">
+              <a:lnSpc>
+                <a:spcPct val="120000"/>
+              </a:lnSpc>
+              <a:buFont typeface="Arial"/>
+              <a:buNone/>
+            </a:pPr>
+            <a:r>
+              <a:rPr lang="en-US" dirty="0"/>
+              <a:t>[Bridge]</a:t>
+            </a:r>
+            <a:br>
+              <a:rPr lang="en-US" dirty="0"/>
+            </a:br>
+            <a:r>
+              <a:rPr lang="en-US" dirty="0"/>
+              <a:t>Think I don´t know who </a:t>
+            </a:r>
+            <a:br>
+              <a:rPr lang="en-US" dirty="0"/>
+            </a:br>
+            <a:r>
+              <a:rPr lang="en-US" dirty="0"/>
+              <a:t>They're all flashing and</a:t>
+            </a:r>
+            <a:br>
+              <a:rPr lang="en-US" dirty="0"/>
+            </a:br>
+            <a:r>
+              <a:rPr lang="en-US" dirty="0"/>
+              <a:t>All I want is to see you cry</a:t>
+            </a:r>
+            <a:br>
+              <a:rPr lang="en-US" dirty="0"/>
+            </a:br>
+            <a:r>
+              <a:rPr lang="en-US" dirty="0"/>
+              <a:t>For you to keep me from seeing</a:t>
+            </a:r>
+            <a:br>
+              <a:rPr lang="en-US" dirty="0"/>
+            </a:br>
+            <a:r>
+              <a:rPr lang="en-US" dirty="0"/>
+              <a:t>Whoa whoa what are you talking about</a:t>
+            </a:r>
+            <a:br>
+              <a:rPr lang="en-US" dirty="0"/>
+            </a:br>
+            <a:r>
+              <a:rPr lang="en-US" dirty="0"/>
+              <a:t>Pineapple should be off</a:t>
+            </a:r>
+            <a:br>
+              <a:rPr lang="en-US" dirty="0"/>
+            </a:br>
+            <a:r>
+              <a:rPr lang="en-US" dirty="0"/>
+              <a:t>Ooh yeah I love you so much I</a:t>
+            </a:r>
+            <a:br>
+              <a:rPr lang="en-US" dirty="0"/>
+            </a:br>
+            <a:r>
+              <a:rPr lang="en-US" dirty="0"/>
+              <a:t>On the roof of my head and</a:t>
+            </a:r>
+            <a:br>
+              <a:rPr lang="en-US" dirty="0"/>
+            </a:br>
+            <a:r>
+              <a:rPr lang="en-US" dirty="0"/>
+              <a:t>Hey I </a:t>
+            </a:r>
+            <a:r>
+              <a:rPr lang="en-US" dirty="0" err="1"/>
+              <a:t>wanna</a:t>
+            </a:r>
+            <a:r>
+              <a:rPr lang="en-US" dirty="0"/>
+              <a:t> see your face (Come run</a:t>
+            </a:r>
+            <a:br>
+              <a:rPr lang="en-US" dirty="0"/>
+            </a:br>
+            <a:r>
+              <a:rPr lang="en-US" dirty="0"/>
+              <a:t>Parody is an art form that uses a</a:t>
+            </a:r>
+            <a:br>
+              <a:rPr lang="en-US" dirty="0"/>
+            </a:br>
+            <a:r>
+              <a:rPr lang="en-US" dirty="0"/>
+              <a:t>… </a:t>
+            </a:r>
+          </a:p>
+        </p:txBody>
+      </p:sp>
+    </p:spTree>
+    <p:extLst>
+      <p:ext uri="{BB962C8B-B14F-4D97-AF65-F5344CB8AC3E}">
+        <p14:creationId xmlns:p14="http://schemas.microsoft.com/office/powerpoint/2010/main" val="3205543681"/>
+      </p:ext>
+    </p:extLst>
+  </p:cSld>
+  <p:clrMapOvr>
+    <a:masterClrMapping/>
+  </p:clrMapOvr>
+</p:sld>
+</file>
+
+<file path=ppt/slides/slide12.xml><?xml version="1.0" encoding="utf-8"?>
+<p:sld xmlns:a="http://schemas.openxmlformats.org/drawingml/2006/main" xmlns:r="http://schemas.openxmlformats.org/officeDocument/2006/relationships" xmlns:p="http://schemas.openxmlformats.org/presentationml/2006/main">
+  <p:cSld>
+    <p:spTree>
+      <p:nvGrpSpPr>
+        <p:cNvPr id="1" name=""/>
+        <p:cNvGrpSpPr/>
+        <p:nvPr/>
+      </p:nvGrpSpPr>
+      <p:grpSpPr>
+        <a:xfrm>
+          <a:off x="0" y="0"/>
+          <a:ext cx="0" cy="0"/>
+          <a:chOff x="0" y="0"/>
+          <a:chExt cx="0" cy="0"/>
+        </a:xfrm>
+      </p:grpSpPr>
+      <p:sp>
+        <p:nvSpPr>
+          <p:cNvPr id="2" name="Tijdelijke aanduiding voor inhoud 1">
+            <a:extLst>
+              <a:ext uri="{FF2B5EF4-FFF2-40B4-BE49-F238E27FC236}">
+                <a16:creationId xmlns:a16="http://schemas.microsoft.com/office/drawing/2014/main" id="{8D288603-303F-0724-CCF3-141C085F2330}"/>
+              </a:ext>
+            </a:extLst>
+          </p:cNvPr>
+          <p:cNvSpPr>
+            <a:spLocks noGrp="1"/>
+          </p:cNvSpPr>
+          <p:nvPr>
+            <p:ph idx="1"/>
+          </p:nvPr>
+        </p:nvSpPr>
+        <p:spPr/>
+        <p:txBody>
+          <a:bodyPr/>
+          <a:lstStyle/>
+          <a:p>
+            <a:r>
+              <a:rPr lang="nl-NL" dirty="0"/>
+              <a:t>Tekst in één keer generen</a:t>
+            </a:r>
+          </a:p>
+          <a:p>
+            <a:r>
+              <a:rPr lang="nl-NL" dirty="0"/>
+              <a:t>Gebruikt meer memory</a:t>
+            </a:r>
+          </a:p>
+          <a:p>
+            <a:r>
+              <a:rPr lang="nl-NL" dirty="0"/>
+              <a:t>Prompt:</a:t>
+            </a:r>
+          </a:p>
+          <a:p>
+            <a:pPr lvl="1"/>
+            <a:r>
+              <a:rPr lang="nl-NL" dirty="0"/>
+              <a:t>Context + nieuw onderwerp + (originele tekst)</a:t>
+            </a:r>
+          </a:p>
+          <a:p>
+            <a:r>
+              <a:rPr lang="nl-NL" dirty="0" err="1"/>
+              <a:t>Constraint</a:t>
+            </a:r>
+            <a:r>
+              <a:rPr lang="nl-NL" dirty="0"/>
+              <a:t>:</a:t>
+            </a:r>
+          </a:p>
+          <a:p>
+            <a:pPr lvl="1"/>
+            <a:r>
+              <a:rPr lang="nl-NL" dirty="0"/>
+              <a:t>Als de huidige lijn &gt;= # lettergrepen heeft </a:t>
+            </a:r>
+            <a:r>
+              <a:rPr lang="nl-NL" dirty="0">
+                <a:sym typeface="Wingdings" pitchFamily="2" charset="2"/>
+              </a:rPr>
+              <a:t> ‘\n’ token geforceerd</a:t>
+            </a:r>
+            <a:endParaRPr lang="nl-NL" dirty="0"/>
+          </a:p>
+          <a:p>
+            <a:pPr lvl="1"/>
+            <a:r>
+              <a:rPr lang="nl-NL" dirty="0"/>
+              <a:t>Beam score aangepast:</a:t>
+            </a:r>
+          </a:p>
+          <a:p>
+            <a:pPr lvl="2"/>
+            <a:r>
+              <a:rPr lang="nl-NL" dirty="0">
+                <a:sym typeface="Wingdings" pitchFamily="2" charset="2"/>
+              </a:rPr>
+              <a:t># lettergrepen van de </a:t>
+            </a:r>
+            <a:r>
+              <a:rPr lang="nl-NL" dirty="0" err="1">
+                <a:sym typeface="Wingdings" pitchFamily="2" charset="2"/>
+              </a:rPr>
+              <a:t>beam</a:t>
+            </a:r>
+            <a:r>
+              <a:rPr lang="nl-NL" dirty="0">
+                <a:sym typeface="Wingdings" pitchFamily="2" charset="2"/>
+              </a:rPr>
+              <a:t> &gt; het gevraagde  score + score*0.1</a:t>
+            </a:r>
+          </a:p>
+          <a:p>
+            <a:pPr lvl="1"/>
+            <a:r>
+              <a:rPr lang="nl-NL" dirty="0">
+                <a:sym typeface="Wingdings" pitchFamily="2" charset="2"/>
+              </a:rPr>
+              <a:t>Generatie stopt als alle lijnen met het gevraagde # lettergrepen gegenereerd zijn</a:t>
+            </a:r>
+            <a:endParaRPr lang="nl-NL" dirty="0"/>
+          </a:p>
+          <a:p>
+            <a:pPr lvl="1"/>
+            <a:endParaRPr lang="nl-NL" dirty="0"/>
+          </a:p>
+          <a:p>
+            <a:endParaRPr lang="nl-NL" dirty="0"/>
+          </a:p>
+          <a:p>
+            <a:endParaRPr lang="en-US" dirty="0"/>
+          </a:p>
+        </p:txBody>
+      </p:sp>
+      <p:sp>
+        <p:nvSpPr>
+          <p:cNvPr id="3" name="Tijdelijke aanduiding voor voettekst 2">
+            <a:extLst>
+              <a:ext uri="{FF2B5EF4-FFF2-40B4-BE49-F238E27FC236}">
+                <a16:creationId xmlns:a16="http://schemas.microsoft.com/office/drawing/2014/main" id="{0D2E83D0-98F2-725C-37AD-F7A9F59D168B}"/>
+              </a:ext>
+            </a:extLst>
+          </p:cNvPr>
+          <p:cNvSpPr>
+            <a:spLocks noGrp="1"/>
+          </p:cNvSpPr>
+          <p:nvPr>
+            <p:ph type="ftr" sz="quarter" idx="11"/>
+          </p:nvPr>
+        </p:nvSpPr>
+        <p:spPr/>
+        <p:txBody>
+          <a:bodyPr/>
+          <a:lstStyle/>
+          <a:p>
+            <a:r>
+              <a:rPr lang="nl-NL"/>
+              <a:t>Computerwetenschappen - DTAI</a:t>
+            </a:r>
+            <a:endParaRPr lang="nl-NL" dirty="0"/>
+          </a:p>
+        </p:txBody>
+      </p:sp>
+      <p:sp>
+        <p:nvSpPr>
+          <p:cNvPr id="4" name="Tijdelijke aanduiding voor dianummer 3">
+            <a:extLst>
+              <a:ext uri="{FF2B5EF4-FFF2-40B4-BE49-F238E27FC236}">
+                <a16:creationId xmlns:a16="http://schemas.microsoft.com/office/drawing/2014/main" id="{9E1256A1-BFBE-9BE1-93E4-20ACD8C4DD25}"/>
+              </a:ext>
+            </a:extLst>
+          </p:cNvPr>
+          <p:cNvSpPr>
+            <a:spLocks noGrp="1"/>
+          </p:cNvSpPr>
+          <p:nvPr>
+            <p:ph type="sldNum" sz="quarter" idx="12"/>
+          </p:nvPr>
+        </p:nvSpPr>
+        <p:spPr/>
+        <p:txBody>
+          <a:bodyPr/>
+          <a:lstStyle/>
+          <a:p>
+            <a:fld id="{0A297500-7527-634B-90F4-69D0994C32B4}" type="slidenum">
+              <a:rPr lang="nl-NL" smtClean="0"/>
+              <a:t>12</a:t>
+            </a:fld>
+            <a:endParaRPr lang="nl-NL" dirty="0"/>
+          </a:p>
+        </p:txBody>
+      </p:sp>
+      <p:sp>
+        <p:nvSpPr>
+          <p:cNvPr id="5" name="Titel 4">
+            <a:extLst>
+              <a:ext uri="{FF2B5EF4-FFF2-40B4-BE49-F238E27FC236}">
+                <a16:creationId xmlns:a16="http://schemas.microsoft.com/office/drawing/2014/main" id="{415854D7-1AE3-F228-A4E5-6F63AEB69F4D}"/>
+              </a:ext>
+            </a:extLst>
+          </p:cNvPr>
+          <p:cNvSpPr>
+            <a:spLocks noGrp="1"/>
+          </p:cNvSpPr>
+          <p:nvPr>
+            <p:ph type="title"/>
+          </p:nvPr>
+        </p:nvSpPr>
+        <p:spPr/>
+        <p:txBody>
+          <a:bodyPr>
+            <a:normAutofit fontScale="90000"/>
+          </a:bodyPr>
+          <a:lstStyle/>
+          <a:p>
+            <a:r>
+              <a:rPr lang="nl-NL" b="1" dirty="0"/>
+              <a:t>Huidig onderzoek: </a:t>
+            </a:r>
+            <a:r>
+              <a:rPr lang="nl-NL" dirty="0" err="1"/>
+              <a:t>Syllable</a:t>
+            </a:r>
+            <a:r>
+              <a:rPr lang="nl-NL" dirty="0"/>
+              <a:t> </a:t>
+            </a:r>
+            <a:r>
+              <a:rPr lang="nl-NL" dirty="0" err="1"/>
+              <a:t>Constraint</a:t>
+            </a:r>
+            <a:r>
+              <a:rPr lang="nl-NL" dirty="0"/>
+              <a:t> | Oplossing 2</a:t>
+            </a:r>
+            <a:endParaRPr lang="en-US" dirty="0"/>
+          </a:p>
+        </p:txBody>
+      </p:sp>
+    </p:spTree>
+    <p:extLst>
+      <p:ext uri="{BB962C8B-B14F-4D97-AF65-F5344CB8AC3E}">
+        <p14:creationId xmlns:p14="http://schemas.microsoft.com/office/powerpoint/2010/main" val="3174511064"/>
+      </p:ext>
+    </p:extLst>
+  </p:cSld>
+  <p:clrMapOvr>
+    <a:masterClrMapping/>
+  </p:clrMapOvr>
+</p:sld>
+</file>
+
+<file path=ppt/slides/slide13.xml><?xml version="1.0" encoding="utf-8"?>
+<p:sld xmlns:a="http://schemas.openxmlformats.org/drawingml/2006/main" xmlns:r="http://schemas.openxmlformats.org/officeDocument/2006/relationships" xmlns:p="http://schemas.openxmlformats.org/presentationml/2006/main">
+  <p:cSld>
+    <p:spTree>
+      <p:nvGrpSpPr>
+        <p:cNvPr id="1" name=""/>
+        <p:cNvGrpSpPr/>
+        <p:nvPr/>
+      </p:nvGrpSpPr>
+      <p:grpSpPr>
+        <a:xfrm>
+          <a:off x="0" y="0"/>
+          <a:ext cx="0" cy="0"/>
+          <a:chOff x="0" y="0"/>
+          <a:chExt cx="0" cy="0"/>
+        </a:xfrm>
+      </p:grpSpPr>
+      <p:sp>
+        <p:nvSpPr>
+          <p:cNvPr id="2" name="Tijdelijke aanduiding voor tekst 1">
+            <a:extLst>
+              <a:ext uri="{FF2B5EF4-FFF2-40B4-BE49-F238E27FC236}">
+                <a16:creationId xmlns:a16="http://schemas.microsoft.com/office/drawing/2014/main" id="{826263D6-814D-E57A-AB89-B2ABCA69F3C1}"/>
+              </a:ext>
+            </a:extLst>
+          </p:cNvPr>
+          <p:cNvSpPr>
+            <a:spLocks noGrp="1"/>
+          </p:cNvSpPr>
+          <p:nvPr>
+            <p:ph type="body" idx="1"/>
+          </p:nvPr>
+        </p:nvSpPr>
+        <p:spPr/>
+        <p:txBody>
+          <a:bodyPr/>
+          <a:lstStyle/>
+          <a:p>
+            <a:r>
+              <a:rPr lang="en-US" dirty="0" err="1"/>
+              <a:t>Origineel</a:t>
+            </a:r>
+            <a:endParaRPr lang="en-US" dirty="0"/>
+          </a:p>
+        </p:txBody>
+      </p:sp>
+      <p:sp>
+        <p:nvSpPr>
+          <p:cNvPr id="3" name="Tijdelijke aanduiding voor inhoud 2">
+            <a:extLst>
+              <a:ext uri="{FF2B5EF4-FFF2-40B4-BE49-F238E27FC236}">
+                <a16:creationId xmlns:a16="http://schemas.microsoft.com/office/drawing/2014/main" id="{4B5594B7-B2F6-ECDD-D41B-2D5DAC365C51}"/>
+              </a:ext>
+            </a:extLst>
+          </p:cNvPr>
+          <p:cNvSpPr>
+            <a:spLocks noGrp="1"/>
+          </p:cNvSpPr>
+          <p:nvPr>
+            <p:ph sz="half" idx="2"/>
+          </p:nvPr>
+        </p:nvSpPr>
+        <p:spPr>
+          <a:solidFill>
+            <a:schemeClr val="tx2">
+              <a:lumMod val="20000"/>
+              <a:lumOff val="80000"/>
+            </a:schemeClr>
+          </a:solidFill>
+          <a:ln w="9525">
+            <a:solidFill>
+              <a:schemeClr val="accent1"/>
+            </a:solidFill>
+          </a:ln>
+        </p:spPr>
+        <p:txBody>
+          <a:bodyPr>
+            <a:normAutofit fontScale="55000" lnSpcReduction="20000"/>
+          </a:bodyPr>
+          <a:lstStyle/>
+          <a:p>
+            <a:pPr marL="0" indent="0">
+              <a:lnSpc>
+                <a:spcPct val="120000"/>
+              </a:lnSpc>
+              <a:buNone/>
+            </a:pPr>
+            <a:r>
+              <a:rPr lang="en-US" dirty="0"/>
+              <a:t>…</a:t>
+            </a:r>
+            <a:br>
+              <a:rPr lang="en-US" dirty="0"/>
+            </a:br>
+            <a:r>
+              <a:rPr lang="en-US" dirty="0"/>
+              <a:t>[Post-Chorus]</a:t>
+            </a:r>
+            <a:br>
+              <a:rPr lang="en-US" dirty="0"/>
+            </a:br>
+            <a:r>
+              <a:rPr lang="en-US" dirty="0"/>
+              <a:t>Uh-huh</a:t>
+            </a:r>
+            <a:br>
+              <a:rPr lang="en-US" dirty="0"/>
+            </a:br>
+            <a:r>
+              <a:rPr lang="en-US" dirty="0"/>
+              <a:t>(Is it? Is it? Is it?)</a:t>
+            </a:r>
+            <a:br>
+              <a:rPr lang="en-US" dirty="0"/>
+            </a:br>
+            <a:r>
+              <a:rPr lang="en-US" dirty="0"/>
+              <a:t>Uh-huh</a:t>
+            </a:r>
+            <a:br>
+              <a:rPr lang="en-US" dirty="0"/>
+            </a:br>
+            <a:r>
+              <a:rPr lang="en-US" dirty="0"/>
+              <a:t>(Is it? Is it?)</a:t>
+            </a:r>
+          </a:p>
+          <a:p>
+            <a:pPr marL="0" indent="0">
+              <a:lnSpc>
+                <a:spcPct val="120000"/>
+              </a:lnSpc>
+              <a:buNone/>
+            </a:pPr>
+            <a:r>
+              <a:rPr lang="en-US" dirty="0"/>
+              <a:t>[Bridge]</a:t>
+            </a:r>
+            <a:br>
+              <a:rPr lang="en-US" dirty="0"/>
+            </a:br>
+            <a:r>
+              <a:rPr lang="en-US" dirty="0"/>
+              <a:t>Think I didn't see you?</a:t>
+            </a:r>
+            <a:br>
+              <a:rPr lang="en-US" dirty="0"/>
+            </a:br>
+            <a:r>
+              <a:rPr lang="en-US" dirty="0"/>
+              <a:t>There were </a:t>
+            </a:r>
+            <a:r>
+              <a:rPr lang="en-US" dirty="0" err="1"/>
+              <a:t>flashin</a:t>
+            </a:r>
+            <a:r>
+              <a:rPr lang="en-US" dirty="0"/>
+              <a:t>' lights</a:t>
+            </a:r>
+            <a:br>
+              <a:rPr lang="en-US" dirty="0"/>
+            </a:br>
+            <a:r>
+              <a:rPr lang="en-US" dirty="0"/>
+              <a:t>At least I had the decency</a:t>
+            </a:r>
+            <a:br>
+              <a:rPr lang="en-US" dirty="0"/>
+            </a:br>
+            <a:r>
+              <a:rPr lang="en-US" dirty="0"/>
+              <a:t>To keep my nights out of sight</a:t>
+            </a:r>
+            <a:br>
+              <a:rPr lang="en-US" dirty="0"/>
+            </a:br>
+            <a:r>
+              <a:rPr lang="en-US" dirty="0"/>
+              <a:t>Only rumors 'bout my hips and thighs</a:t>
+            </a:r>
+            <a:br>
+              <a:rPr lang="en-US" dirty="0"/>
+            </a:br>
+            <a:r>
+              <a:rPr lang="en-US" dirty="0"/>
+              <a:t>And my whispered sighs</a:t>
+            </a:r>
+            <a:br>
+              <a:rPr lang="en-US" dirty="0"/>
+            </a:br>
+            <a:r>
+              <a:rPr lang="en-US" dirty="0"/>
+              <a:t>Oh, Lord, I think about </a:t>
+            </a:r>
+            <a:r>
+              <a:rPr lang="en-US" dirty="0" err="1"/>
+              <a:t>jumpin</a:t>
+            </a:r>
+            <a:r>
+              <a:rPr lang="en-US" dirty="0"/>
+              <a:t>’</a:t>
+            </a:r>
+            <a:br>
+              <a:rPr lang="en-US" dirty="0"/>
+            </a:br>
+            <a:r>
+              <a:rPr lang="en-US" dirty="0"/>
+              <a:t>Off of very tall somethings</a:t>
+            </a:r>
+            <a:br>
+              <a:rPr lang="en-US" dirty="0"/>
+            </a:br>
+            <a:r>
+              <a:rPr lang="en-US" dirty="0"/>
+              <a:t>Just to see you come </a:t>
+            </a:r>
+            <a:r>
+              <a:rPr lang="en-US" dirty="0" err="1"/>
+              <a:t>runnin</a:t>
+            </a:r>
+            <a:r>
+              <a:rPr lang="en-US" dirty="0"/>
+              <a:t>' (</a:t>
+            </a:r>
+            <a:r>
+              <a:rPr lang="en-US" dirty="0" err="1"/>
+              <a:t>Runnin</a:t>
+            </a:r>
+            <a:r>
+              <a:rPr lang="en-US" dirty="0"/>
+              <a:t>’)</a:t>
+            </a:r>
+            <a:br>
+              <a:rPr lang="en-US" dirty="0"/>
+            </a:br>
+            <a:r>
+              <a:rPr lang="en-US" dirty="0"/>
+              <a:t>And say the one thing I've been wanting, but no</a:t>
+            </a:r>
+            <a:br>
+              <a:rPr lang="en-US" dirty="0"/>
+            </a:br>
+            <a:r>
+              <a:rPr lang="en-US" dirty="0"/>
+              <a:t>… </a:t>
+            </a:r>
+          </a:p>
+        </p:txBody>
+      </p:sp>
+      <p:sp>
+        <p:nvSpPr>
+          <p:cNvPr id="4" name="Tijdelijke aanduiding voor tekst 3">
+            <a:extLst>
+              <a:ext uri="{FF2B5EF4-FFF2-40B4-BE49-F238E27FC236}">
+                <a16:creationId xmlns:a16="http://schemas.microsoft.com/office/drawing/2014/main" id="{D07E70A0-97C6-CF6B-BA23-341C986B3BE2}"/>
+              </a:ext>
+            </a:extLst>
+          </p:cNvPr>
+          <p:cNvSpPr>
+            <a:spLocks noGrp="1"/>
+          </p:cNvSpPr>
+          <p:nvPr>
+            <p:ph type="body" sz="quarter" idx="3"/>
+          </p:nvPr>
+        </p:nvSpPr>
+        <p:spPr/>
+        <p:txBody>
+          <a:bodyPr/>
+          <a:lstStyle/>
+          <a:p>
+            <a:r>
+              <a:rPr lang="en-US" dirty="0" err="1"/>
+              <a:t>Oplossing</a:t>
+            </a:r>
+            <a:r>
+              <a:rPr lang="en-US" dirty="0"/>
+              <a:t> 2 | GPT-2 | 2 beams </a:t>
+            </a:r>
+          </a:p>
+        </p:txBody>
+      </p:sp>
+      <p:sp>
+        <p:nvSpPr>
+          <p:cNvPr id="6" name="Tijdelijke aanduiding voor voettekst 5">
+            <a:extLst>
+              <a:ext uri="{FF2B5EF4-FFF2-40B4-BE49-F238E27FC236}">
+                <a16:creationId xmlns:a16="http://schemas.microsoft.com/office/drawing/2014/main" id="{D694271A-79A7-D778-681E-8AC09F0FEEFE}"/>
+              </a:ext>
+            </a:extLst>
+          </p:cNvPr>
+          <p:cNvSpPr>
+            <a:spLocks noGrp="1"/>
+          </p:cNvSpPr>
+          <p:nvPr>
+            <p:ph type="ftr" sz="quarter" idx="11"/>
+          </p:nvPr>
+        </p:nvSpPr>
+        <p:spPr/>
+        <p:txBody>
+          <a:bodyPr/>
+          <a:lstStyle/>
+          <a:p>
+            <a:r>
+              <a:rPr lang="nl-NL"/>
+              <a:t>Computerwetenschappen - DTAI</a:t>
+            </a:r>
+            <a:endParaRPr lang="nl-NL" dirty="0"/>
+          </a:p>
+        </p:txBody>
+      </p:sp>
+      <p:sp>
+        <p:nvSpPr>
+          <p:cNvPr id="7" name="Tijdelijke aanduiding voor dianummer 6">
+            <a:extLst>
+              <a:ext uri="{FF2B5EF4-FFF2-40B4-BE49-F238E27FC236}">
+                <a16:creationId xmlns:a16="http://schemas.microsoft.com/office/drawing/2014/main" id="{34201561-A237-2CA1-0D6A-DEA701500839}"/>
+              </a:ext>
+            </a:extLst>
+          </p:cNvPr>
+          <p:cNvSpPr>
+            <a:spLocks noGrp="1"/>
+          </p:cNvSpPr>
+          <p:nvPr>
+            <p:ph type="sldNum" sz="quarter" idx="12"/>
+          </p:nvPr>
+        </p:nvSpPr>
+        <p:spPr/>
+        <p:txBody>
+          <a:bodyPr/>
+          <a:lstStyle/>
+          <a:p>
+            <a:fld id="{0A297500-7527-634B-90F4-69D0994C32B4}" type="slidenum">
+              <a:rPr lang="nl-NL" smtClean="0"/>
+              <a:t>13</a:t>
+            </a:fld>
+            <a:endParaRPr lang="nl-NL" dirty="0"/>
+          </a:p>
+        </p:txBody>
+      </p:sp>
+      <p:sp>
+        <p:nvSpPr>
+          <p:cNvPr id="8" name="Titel 7">
+            <a:extLst>
+              <a:ext uri="{FF2B5EF4-FFF2-40B4-BE49-F238E27FC236}">
+                <a16:creationId xmlns:a16="http://schemas.microsoft.com/office/drawing/2014/main" id="{046D607A-9B3D-58B0-3525-5F6CCE507F7F}"/>
+              </a:ext>
+            </a:extLst>
+          </p:cNvPr>
+          <p:cNvSpPr>
+            <a:spLocks noGrp="1"/>
+          </p:cNvSpPr>
+          <p:nvPr>
+            <p:ph type="title"/>
+          </p:nvPr>
+        </p:nvSpPr>
+        <p:spPr/>
+        <p:txBody>
+          <a:bodyPr>
+            <a:normAutofit fontScale="90000"/>
+          </a:bodyPr>
+          <a:lstStyle/>
+          <a:p>
+            <a:r>
+              <a:rPr lang="nl-NL" b="1" dirty="0"/>
+              <a:t>Huidig onderzoek: </a:t>
+            </a:r>
+            <a:r>
+              <a:rPr lang="nl-NL" dirty="0" err="1"/>
+              <a:t>Syllable</a:t>
+            </a:r>
+            <a:r>
+              <a:rPr lang="nl-NL" dirty="0"/>
+              <a:t> </a:t>
+            </a:r>
+            <a:r>
+              <a:rPr lang="nl-NL" dirty="0" err="1"/>
+              <a:t>Constraint</a:t>
+            </a:r>
+            <a:r>
+              <a:rPr lang="nl-NL" dirty="0"/>
+              <a:t> | Oplossing 2</a:t>
+            </a:r>
+            <a:endParaRPr lang="en-US" dirty="0"/>
+          </a:p>
+        </p:txBody>
+      </p:sp>
+      <p:sp>
+        <p:nvSpPr>
+          <p:cNvPr id="11" name="Tijdelijke aanduiding voor inhoud 2">
+            <a:extLst>
+              <a:ext uri="{FF2B5EF4-FFF2-40B4-BE49-F238E27FC236}">
+                <a16:creationId xmlns:a16="http://schemas.microsoft.com/office/drawing/2014/main" id="{40F85C12-A3E7-46ED-F685-C8F0C7874057}"/>
+              </a:ext>
+            </a:extLst>
+          </p:cNvPr>
+          <p:cNvSpPr txBox="1">
+            <a:spLocks/>
+          </p:cNvSpPr>
+          <p:nvPr/>
+        </p:nvSpPr>
+        <p:spPr>
+          <a:xfrm>
+            <a:off x="6194427" y="2263816"/>
+            <a:ext cx="5421575" cy="3837658"/>
+          </a:xfrm>
+          <a:prstGeom prst="rect">
+            <a:avLst/>
+          </a:prstGeom>
+          <a:solidFill>
+            <a:schemeClr val="accent6">
+              <a:lumMod val="20000"/>
+              <a:lumOff val="80000"/>
+            </a:schemeClr>
+          </a:solidFill>
+          <a:ln w="9525">
+            <a:solidFill>
+              <a:schemeClr val="accent1"/>
+            </a:solidFill>
+          </a:ln>
+        </p:spPr>
+        <p:txBody>
+          <a:bodyPr vert="horz" lIns="91440" tIns="45720" rIns="91440" bIns="45720" rtlCol="0">
+            <a:normAutofit fontScale="55000" lnSpcReduction="20000"/>
+          </a:bodyPr>
+          <a:lstStyle>
+            <a:lvl1pPr marL="228600" indent="-228600" algn="l" defTabSz="914400" rtl="0" eaLnBrk="1" latinLnBrk="0" hangingPunct="1">
+              <a:lnSpc>
+                <a:spcPct val="100000"/>
+              </a:lnSpc>
+              <a:spcBef>
+                <a:spcPts val="1000"/>
+              </a:spcBef>
+              <a:buFont typeface="Arial"/>
+              <a:buChar char="•"/>
+              <a:defRPr sz="2400" kern="1200" baseline="0">
+                <a:solidFill>
+                  <a:schemeClr val="tx1"/>
+                </a:solidFill>
+                <a:latin typeface="Arial" charset="0"/>
+                <a:ea typeface="+mn-ea"/>
+                <a:cs typeface="+mn-cs"/>
+              </a:defRPr>
+            </a:lvl1pPr>
+            <a:lvl2pPr marL="685800" indent="-228600" algn="l" defTabSz="914400" rtl="0" eaLnBrk="1" latinLnBrk="0" hangingPunct="1">
+              <a:lnSpc>
+                <a:spcPct val="100000"/>
+              </a:lnSpc>
+              <a:spcBef>
+                <a:spcPts val="500"/>
+              </a:spcBef>
+              <a:buFont typeface="Arial"/>
+              <a:buChar char="•"/>
+              <a:defRPr sz="2400" kern="1200" baseline="0">
+                <a:solidFill>
+                  <a:schemeClr val="tx1"/>
+                </a:solidFill>
+                <a:latin typeface="Arial" charset="0"/>
+                <a:ea typeface="+mn-ea"/>
+                <a:cs typeface="+mn-cs"/>
+              </a:defRPr>
+            </a:lvl2pPr>
+            <a:lvl3pPr marL="1143000" indent="-228600" algn="l" defTabSz="914400" rtl="0" eaLnBrk="1" latinLnBrk="0" hangingPunct="1">
+              <a:lnSpc>
+                <a:spcPct val="100000"/>
+              </a:lnSpc>
+              <a:spcBef>
+                <a:spcPts val="500"/>
+              </a:spcBef>
+              <a:buFont typeface="Arial"/>
+              <a:buChar char="•"/>
+              <a:defRPr sz="2000" kern="1200" baseline="0">
+                <a:solidFill>
+                  <a:schemeClr val="tx1"/>
+                </a:solidFill>
+                <a:latin typeface="Arial" charset="0"/>
+                <a:ea typeface="+mn-ea"/>
+                <a:cs typeface="+mn-cs"/>
+              </a:defRPr>
+            </a:lvl3pPr>
+            <a:lvl4pPr marL="1600200" indent="-228600" algn="l" defTabSz="914400" rtl="0" eaLnBrk="1" latinLnBrk="0" hangingPunct="1">
+              <a:lnSpc>
+                <a:spcPct val="100000"/>
+              </a:lnSpc>
+              <a:spcBef>
+                <a:spcPts val="500"/>
+              </a:spcBef>
+              <a:buFont typeface="Arial"/>
+              <a:buChar char="•"/>
+              <a:defRPr sz="1800" kern="1200" baseline="0">
+                <a:solidFill>
+                  <a:schemeClr val="tx1"/>
+                </a:solidFill>
+                <a:latin typeface="Arial" charset="0"/>
+                <a:ea typeface="+mn-ea"/>
+                <a:cs typeface="+mn-cs"/>
+              </a:defRPr>
+            </a:lvl4pPr>
+            <a:lvl5pPr marL="2057400" indent="-228600" algn="l" defTabSz="914400" rtl="0" eaLnBrk="1" latinLnBrk="0" hangingPunct="1">
+              <a:lnSpc>
+                <a:spcPct val="100000"/>
+              </a:lnSpc>
+              <a:spcBef>
+                <a:spcPts val="500"/>
+              </a:spcBef>
+              <a:buFont typeface="Arial"/>
+              <a:buChar char="•"/>
+              <a:defRPr sz="1800" kern="1200" baseline="0">
+                <a:solidFill>
+                  <a:schemeClr val="tx1"/>
+                </a:solidFill>
+                <a:latin typeface="Arial" charset="0"/>
+                <a:ea typeface="+mn-ea"/>
+                <a:cs typeface="+mn-cs"/>
+              </a:defRPr>
+            </a:lvl5pPr>
+            <a:lvl6pPr marL="2514600" indent="-228600" algn="l" defTabSz="914400" rtl="0" eaLnBrk="1" latinLnBrk="0" hangingPunct="1">
+              <a:lnSpc>
+                <a:spcPct val="90000"/>
+              </a:lnSpc>
+              <a:spcBef>
+                <a:spcPts val="500"/>
+              </a:spcBef>
+              <a:buFont typeface="Arial"/>
+              <a:buChar char="•"/>
+              <a:defRPr sz="1800" kern="1200">
+                <a:solidFill>
+                  <a:schemeClr val="tx1"/>
+                </a:solidFill>
+                <a:latin typeface="+mn-lt"/>
+                <a:ea typeface="+mn-ea"/>
+                <a:cs typeface="+mn-cs"/>
+              </a:defRPr>
+            </a:lvl6pPr>
+            <a:lvl7pPr marL="2971800" indent="-228600" algn="l" defTabSz="914400" rtl="0" eaLnBrk="1" latinLnBrk="0" hangingPunct="1">
+              <a:lnSpc>
+                <a:spcPct val="90000"/>
+              </a:lnSpc>
+              <a:spcBef>
+                <a:spcPts val="500"/>
+              </a:spcBef>
+              <a:buFont typeface="Arial"/>
+              <a:buChar char="•"/>
+              <a:defRPr sz="1800" kern="1200">
+                <a:solidFill>
+                  <a:schemeClr val="tx1"/>
+                </a:solidFill>
+                <a:latin typeface="+mn-lt"/>
+                <a:ea typeface="+mn-ea"/>
+                <a:cs typeface="+mn-cs"/>
+              </a:defRPr>
+            </a:lvl7pPr>
+            <a:lvl8pPr marL="3429000" indent="-228600" algn="l" defTabSz="914400" rtl="0" eaLnBrk="1" latinLnBrk="0" hangingPunct="1">
+              <a:lnSpc>
+                <a:spcPct val="90000"/>
+              </a:lnSpc>
+              <a:spcBef>
+                <a:spcPts val="500"/>
+              </a:spcBef>
+              <a:buFont typeface="Arial"/>
+              <a:buChar char="•"/>
+              <a:defRPr sz="1800" kern="1200">
+                <a:solidFill>
+                  <a:schemeClr val="tx1"/>
+                </a:solidFill>
+                <a:latin typeface="+mn-lt"/>
+                <a:ea typeface="+mn-ea"/>
+                <a:cs typeface="+mn-cs"/>
+              </a:defRPr>
+            </a:lvl8pPr>
+            <a:lvl9pPr marL="3886200" indent="-228600" algn="l" defTabSz="914400" rtl="0" eaLnBrk="1" latinLnBrk="0" hangingPunct="1">
+              <a:lnSpc>
+                <a:spcPct val="90000"/>
+              </a:lnSpc>
+              <a:spcBef>
+                <a:spcPts val="500"/>
+              </a:spcBef>
+              <a:buFont typeface="Arial"/>
+              <a:buChar char="•"/>
+              <a:defRPr sz="1800" kern="1200">
+                <a:solidFill>
+                  <a:schemeClr val="tx1"/>
+                </a:solidFill>
+                <a:latin typeface="+mn-lt"/>
+                <a:ea typeface="+mn-ea"/>
+                <a:cs typeface="+mn-cs"/>
+              </a:defRPr>
+            </a:lvl9pPr>
+          </a:lstStyle>
+          <a:p>
+            <a:pPr marL="0" indent="0">
+              <a:lnSpc>
+                <a:spcPct val="120000"/>
+              </a:lnSpc>
+              <a:buFont typeface="Arial"/>
+              <a:buNone/>
+            </a:pPr>
+            <a:br>
+              <a:rPr lang="en-US" dirty="0"/>
+            </a:br>
+            <a:r>
+              <a:rPr lang="en-US" dirty="0"/>
+              <a:t>[Post-Chorus]</a:t>
+            </a:r>
+            <a:br>
+              <a:rPr lang="en-US" dirty="0"/>
+            </a:br>
+            <a:r>
+              <a:rPr lang="en-US" dirty="0"/>
+              <a:t>I've got</a:t>
+            </a:r>
+            <a:br>
+              <a:rPr lang="en-US" dirty="0"/>
+            </a:br>
+            <a:r>
+              <a:rPr lang="en-US" dirty="0"/>
+              <a:t>a lot to say to you</a:t>
+            </a:r>
+            <a:br>
+              <a:rPr lang="en-US" dirty="0"/>
+            </a:br>
+            <a:r>
+              <a:rPr lang="en-US" dirty="0"/>
+              <a:t>But I</a:t>
+            </a:r>
+            <a:br>
+              <a:rPr lang="en-US" dirty="0"/>
+            </a:br>
+            <a:r>
+              <a:rPr lang="en-US" dirty="0"/>
+              <a:t>can't say it</a:t>
+            </a:r>
+          </a:p>
+          <a:p>
+            <a:pPr marL="0" indent="0">
+              <a:lnSpc>
+                <a:spcPct val="120000"/>
+              </a:lnSpc>
+              <a:buFont typeface="Arial"/>
+              <a:buNone/>
+            </a:pPr>
+            <a:r>
+              <a:rPr lang="en-US" dirty="0"/>
+              <a:t>[Bridge]</a:t>
+            </a:r>
+            <a:br>
+              <a:rPr lang="en-US" dirty="0"/>
+            </a:br>
+            <a:r>
+              <a:rPr lang="en-US" dirty="0"/>
+              <a:t>Because I don't know</a:t>
+            </a:r>
+            <a:br>
+              <a:rPr lang="en-US" dirty="0"/>
+            </a:br>
+            <a:r>
+              <a:rPr lang="en-US" dirty="0"/>
+              <a:t>What you're </a:t>
+            </a:r>
+            <a:r>
+              <a:rPr lang="en-US" dirty="0" err="1"/>
+              <a:t>thinkin</a:t>
+            </a:r>
+            <a:r>
+              <a:rPr lang="en-US" dirty="0"/>
+              <a:t>', but</a:t>
+            </a:r>
+            <a:br>
+              <a:rPr lang="en-US" dirty="0"/>
+            </a:br>
+            <a:r>
+              <a:rPr lang="en-US" dirty="0"/>
+              <a:t>It's not like I'm </a:t>
+            </a:r>
+            <a:r>
+              <a:rPr lang="en-US" dirty="0" err="1"/>
+              <a:t>talkin</a:t>
+            </a:r>
+            <a:r>
+              <a:rPr lang="en-US" dirty="0"/>
+              <a:t>'. I can</a:t>
+            </a:r>
+            <a:br>
+              <a:rPr lang="en-US" dirty="0"/>
+            </a:br>
+            <a:r>
+              <a:rPr lang="en-US" dirty="0"/>
+              <a:t>tell you that I love you and</a:t>
+            </a:r>
+            <a:br>
+              <a:rPr lang="en-US" dirty="0"/>
+            </a:br>
+            <a:r>
+              <a:rPr lang="en-US" dirty="0"/>
+              <a:t>You're my best friend but I just can’t</a:t>
+            </a:r>
+            <a:br>
+              <a:rPr lang="en-US" dirty="0"/>
+            </a:br>
+            <a:r>
+              <a:rPr lang="en-US" dirty="0"/>
+              <a:t>Say it because I</a:t>
+            </a:r>
+            <a:br>
+              <a:rPr lang="en-US" dirty="0"/>
+            </a:br>
+            <a:r>
+              <a:rPr lang="en-US" dirty="0"/>
+              <a:t>don't want to hurt your feelings</a:t>
+            </a:r>
+            <a:br>
+              <a:rPr lang="en-US" dirty="0"/>
+            </a:br>
+            <a:r>
+              <a:rPr lang="en-US" dirty="0"/>
+              <a:t>Or make you feel bad for me</a:t>
+            </a:r>
+            <a:br>
+              <a:rPr lang="en-US" dirty="0"/>
+            </a:br>
+            <a:r>
+              <a:rPr lang="en-US" dirty="0"/>
+              <a:t>So I'll just tell you what I really</a:t>
+            </a:r>
+            <a:br>
+              <a:rPr lang="en-US" dirty="0"/>
+            </a:br>
+            <a:r>
+              <a:rPr lang="en-US" dirty="0"/>
+              <a:t>Want to do to make it up to </a:t>
+            </a:r>
+            <a:r>
+              <a:rPr lang="en-US" dirty="0" err="1"/>
+              <a:t>ya</a:t>
+            </a:r>
+            <a:r>
+              <a:rPr lang="en-US" dirty="0"/>
+              <a:t> (I want</a:t>
+            </a:r>
+          </a:p>
+        </p:txBody>
+      </p:sp>
+    </p:spTree>
+    <p:extLst>
+      <p:ext uri="{BB962C8B-B14F-4D97-AF65-F5344CB8AC3E}">
+        <p14:creationId xmlns:p14="http://schemas.microsoft.com/office/powerpoint/2010/main" val="597342398"/>
+      </p:ext>
+    </p:extLst>
+  </p:cSld>
+  <p:clrMapOvr>
+    <a:masterClrMapping/>
+  </p:clrMapOvr>
+</p:sld>
+</file>
+
+<file path=ppt/slides/slide14.xml><?xml version="1.0" encoding="utf-8"?>
+<p:sld xmlns:a="http://schemas.openxmlformats.org/drawingml/2006/main" xmlns:r="http://schemas.openxmlformats.org/officeDocument/2006/relationships" xmlns:p="http://schemas.openxmlformats.org/presentationml/2006/main">
+  <p:cSld>
+    <p:spTree>
+      <p:nvGrpSpPr>
+        <p:cNvPr id="1" name=""/>
+        <p:cNvGrpSpPr/>
+        <p:nvPr/>
+      </p:nvGrpSpPr>
+      <p:grpSpPr>
+        <a:xfrm>
+          <a:off x="0" y="0"/>
+          <a:ext cx="0" cy="0"/>
+          <a:chOff x="0" y="0"/>
+          <a:chExt cx="0" cy="0"/>
+        </a:xfrm>
+      </p:grpSpPr>
+      <p:sp>
+        <p:nvSpPr>
+          <p:cNvPr id="2" name="Tijdelijke aanduiding voor inhoud 1">
+            <a:extLst>
+              <a:ext uri="{FF2B5EF4-FFF2-40B4-BE49-F238E27FC236}">
+                <a16:creationId xmlns:a16="http://schemas.microsoft.com/office/drawing/2014/main" id="{9372DB2E-EA25-5B36-4E6C-183340ECB92A}"/>
+              </a:ext>
+            </a:extLst>
+          </p:cNvPr>
+          <p:cNvSpPr>
+            <a:spLocks noGrp="1"/>
+          </p:cNvSpPr>
+          <p:nvPr>
+            <p:ph idx="1"/>
+          </p:nvPr>
+        </p:nvSpPr>
+        <p:spPr/>
+        <p:txBody>
+          <a:bodyPr/>
+          <a:lstStyle/>
+          <a:p>
+            <a:r>
+              <a:rPr lang="nl-NL" dirty="0"/>
+              <a:t>Oplossing 1: </a:t>
+            </a:r>
+          </a:p>
+          <a:p>
+            <a:pPr lvl="1"/>
+            <a:r>
+              <a:rPr lang="nl-NL" dirty="0"/>
+              <a:t>53/58 lijnen </a:t>
+            </a:r>
+            <a:r>
+              <a:rPr lang="nl-NL" dirty="0">
+                <a:sym typeface="Wingdings" pitchFamily="2" charset="2"/>
+              </a:rPr>
+              <a:t> correct # lettergrepen, andere hadden één te veel/weinig</a:t>
+            </a:r>
+          </a:p>
+          <a:p>
+            <a:pPr lvl="2"/>
+            <a:r>
+              <a:rPr lang="nl-NL" dirty="0">
+                <a:sym typeface="Wingdings" pitchFamily="2" charset="2"/>
+              </a:rPr>
+              <a:t>= 0.09 lettergreep gemiddeld verschil</a:t>
+            </a:r>
+          </a:p>
+          <a:p>
+            <a:pPr lvl="1"/>
+            <a:r>
+              <a:rPr lang="nl-NL" dirty="0">
+                <a:sym typeface="Wingdings" pitchFamily="2" charset="2"/>
+              </a:rPr>
+              <a:t>Onderwerp van parodie weinig aangeraakt</a:t>
+            </a:r>
+          </a:p>
+          <a:p>
+            <a:pPr lvl="1"/>
+            <a:r>
+              <a:rPr lang="nl-NL" dirty="0"/>
+              <a:t>Vaak niet complete verse</a:t>
+            </a:r>
+          </a:p>
+          <a:p>
+            <a:r>
+              <a:rPr lang="nl-NL" dirty="0"/>
+              <a:t>Oplossing 2:</a:t>
+            </a:r>
+          </a:p>
+          <a:p>
+            <a:pPr lvl="1"/>
+            <a:r>
+              <a:rPr lang="nl-NL" dirty="0"/>
+              <a:t>14/14 lijnen </a:t>
+            </a:r>
+            <a:r>
+              <a:rPr lang="nl-NL" dirty="0">
+                <a:sym typeface="Wingdings" pitchFamily="2" charset="2"/>
+              </a:rPr>
+              <a:t> correct # lettergrepen</a:t>
+            </a:r>
+          </a:p>
+          <a:p>
+            <a:pPr lvl="1"/>
+            <a:r>
+              <a:rPr lang="nl-NL" dirty="0">
+                <a:sym typeface="Wingdings" pitchFamily="2" charset="2"/>
+              </a:rPr>
+              <a:t>Onderwerp niet aangehaald</a:t>
+            </a:r>
+          </a:p>
+          <a:p>
+            <a:pPr lvl="1"/>
+            <a:r>
+              <a:rPr lang="nl-NL" dirty="0">
+                <a:sym typeface="Wingdings" pitchFamily="2" charset="2"/>
+              </a:rPr>
+              <a:t>Veel groter memory gebruik</a:t>
+            </a:r>
+          </a:p>
+        </p:txBody>
+      </p:sp>
+      <p:sp>
+        <p:nvSpPr>
+          <p:cNvPr id="3" name="Tijdelijke aanduiding voor voettekst 2">
+            <a:extLst>
+              <a:ext uri="{FF2B5EF4-FFF2-40B4-BE49-F238E27FC236}">
+                <a16:creationId xmlns:a16="http://schemas.microsoft.com/office/drawing/2014/main" id="{C0F4F8FE-47FC-A3C5-75C6-6AE81BD4F124}"/>
+              </a:ext>
+            </a:extLst>
+          </p:cNvPr>
+          <p:cNvSpPr>
+            <a:spLocks noGrp="1"/>
+          </p:cNvSpPr>
+          <p:nvPr>
+            <p:ph type="ftr" sz="quarter" idx="11"/>
+          </p:nvPr>
+        </p:nvSpPr>
+        <p:spPr/>
+        <p:txBody>
+          <a:bodyPr/>
+          <a:lstStyle/>
+          <a:p>
+            <a:r>
+              <a:rPr lang="nl-NL"/>
+              <a:t>Computerwetenschappen - DTAI</a:t>
+            </a:r>
+            <a:endParaRPr lang="nl-NL" dirty="0"/>
+          </a:p>
+        </p:txBody>
+      </p:sp>
+      <p:sp>
+        <p:nvSpPr>
+          <p:cNvPr id="4" name="Tijdelijke aanduiding voor dianummer 3">
+            <a:extLst>
+              <a:ext uri="{FF2B5EF4-FFF2-40B4-BE49-F238E27FC236}">
+                <a16:creationId xmlns:a16="http://schemas.microsoft.com/office/drawing/2014/main" id="{EA50CBBC-3470-588F-CB5A-56287533C523}"/>
+              </a:ext>
+            </a:extLst>
+          </p:cNvPr>
+          <p:cNvSpPr>
+            <a:spLocks noGrp="1"/>
+          </p:cNvSpPr>
+          <p:nvPr>
+            <p:ph type="sldNum" sz="quarter" idx="12"/>
+          </p:nvPr>
+        </p:nvSpPr>
+        <p:spPr/>
+        <p:txBody>
+          <a:bodyPr/>
+          <a:lstStyle/>
+          <a:p>
+            <a:fld id="{0A297500-7527-634B-90F4-69D0994C32B4}" type="slidenum">
+              <a:rPr lang="nl-NL" smtClean="0"/>
+              <a:t>14</a:t>
+            </a:fld>
+            <a:endParaRPr lang="nl-NL" dirty="0"/>
+          </a:p>
+        </p:txBody>
+      </p:sp>
+      <p:sp>
+        <p:nvSpPr>
+          <p:cNvPr id="5" name="Titel 4">
+            <a:extLst>
+              <a:ext uri="{FF2B5EF4-FFF2-40B4-BE49-F238E27FC236}">
+                <a16:creationId xmlns:a16="http://schemas.microsoft.com/office/drawing/2014/main" id="{9C39ED6A-D22B-E591-4BD8-56E830AD2BD1}"/>
+              </a:ext>
+            </a:extLst>
+          </p:cNvPr>
+          <p:cNvSpPr>
+            <a:spLocks noGrp="1"/>
+          </p:cNvSpPr>
+          <p:nvPr>
+            <p:ph type="title"/>
+          </p:nvPr>
+        </p:nvSpPr>
+        <p:spPr/>
+        <p:txBody>
+          <a:bodyPr>
+            <a:normAutofit fontScale="90000"/>
+          </a:bodyPr>
+          <a:lstStyle/>
+          <a:p>
+            <a:r>
+              <a:rPr lang="nl-NL" b="1" dirty="0"/>
+              <a:t>Huidig onderzoek: </a:t>
+            </a:r>
+            <a:r>
+              <a:rPr lang="nl-NL" dirty="0" err="1"/>
+              <a:t>Syllable</a:t>
+            </a:r>
+            <a:r>
+              <a:rPr lang="nl-NL" dirty="0"/>
+              <a:t> </a:t>
+            </a:r>
+            <a:r>
+              <a:rPr lang="nl-NL" dirty="0" err="1"/>
+              <a:t>Constraint</a:t>
+            </a:r>
+            <a:r>
+              <a:rPr lang="nl-NL" dirty="0"/>
+              <a:t> | Discussie</a:t>
+            </a:r>
+            <a:endParaRPr lang="en-US" dirty="0"/>
+          </a:p>
+        </p:txBody>
+      </p:sp>
+    </p:spTree>
+    <p:extLst>
+      <p:ext uri="{BB962C8B-B14F-4D97-AF65-F5344CB8AC3E}">
+        <p14:creationId xmlns:p14="http://schemas.microsoft.com/office/powerpoint/2010/main" val="1891570257"/>
+      </p:ext>
+    </p:extLst>
+  </p:cSld>
+  <p:clrMapOvr>
+    <a:masterClrMapping/>
+  </p:clrMapOvr>
+</p:sld>
+</file>
+
+<file path=ppt/slides/slide15.xml><?xml version="1.0" encoding="utf-8"?>
+<p:sld xmlns:a="http://schemas.openxmlformats.org/drawingml/2006/main" xmlns:r="http://schemas.openxmlformats.org/officeDocument/2006/relationships" xmlns:p="http://schemas.openxmlformats.org/presentationml/2006/main">
+  <p:cSld>
+    <p:spTree>
+      <p:nvGrpSpPr>
+        <p:cNvPr id="1" name=""/>
+        <p:cNvGrpSpPr/>
+        <p:nvPr/>
+      </p:nvGrpSpPr>
+      <p:grpSpPr>
+        <a:xfrm>
+          <a:off x="0" y="0"/>
+          <a:ext cx="0" cy="0"/>
+          <a:chOff x="0" y="0"/>
+          <a:chExt cx="0" cy="0"/>
+        </a:xfrm>
+      </p:grpSpPr>
+      <p:sp>
+        <p:nvSpPr>
+          <p:cNvPr id="2" name="Tijdelijke aanduiding voor voettekst 1">
+            <a:extLst>
+              <a:ext uri="{FF2B5EF4-FFF2-40B4-BE49-F238E27FC236}">
+                <a16:creationId xmlns:a16="http://schemas.microsoft.com/office/drawing/2014/main" id="{0FF7A986-C092-BFE7-596C-1051E75E8DC4}"/>
+              </a:ext>
+            </a:extLst>
+          </p:cNvPr>
+          <p:cNvSpPr>
+            <a:spLocks noGrp="1"/>
+          </p:cNvSpPr>
+          <p:nvPr>
+            <p:ph type="ftr" sz="quarter" idx="11"/>
+          </p:nvPr>
+        </p:nvSpPr>
+        <p:spPr/>
+        <p:txBody>
+          <a:bodyPr/>
+          <a:lstStyle/>
+          <a:p>
+            <a:r>
+              <a:rPr lang="nl-NL"/>
+              <a:t>Computerwetenschappen - DTAI</a:t>
+            </a:r>
+          </a:p>
+        </p:txBody>
+      </p:sp>
+      <p:sp>
+        <p:nvSpPr>
+          <p:cNvPr id="3" name="Tijdelijke aanduiding voor dianummer 2">
+            <a:extLst>
+              <a:ext uri="{FF2B5EF4-FFF2-40B4-BE49-F238E27FC236}">
+                <a16:creationId xmlns:a16="http://schemas.microsoft.com/office/drawing/2014/main" id="{3AEAB7DB-BFCA-8E16-331A-DFF48B8F272A}"/>
+              </a:ext>
+            </a:extLst>
+          </p:cNvPr>
+          <p:cNvSpPr>
+            <a:spLocks noGrp="1"/>
+          </p:cNvSpPr>
+          <p:nvPr>
+            <p:ph type="sldNum" sz="quarter" idx="12"/>
+          </p:nvPr>
+        </p:nvSpPr>
+        <p:spPr/>
+        <p:txBody>
+          <a:bodyPr/>
+          <a:lstStyle/>
+          <a:p>
+            <a:fld id="{0A297500-7527-634B-90F4-69D0994C32B4}" type="slidenum">
+              <a:rPr lang="nl-NL" smtClean="0"/>
+              <a:t>15</a:t>
+            </a:fld>
+            <a:endParaRPr lang="nl-NL"/>
+          </a:p>
+        </p:txBody>
+      </p:sp>
+      <p:sp>
+        <p:nvSpPr>
+          <p:cNvPr id="4" name="Tijdelijke aanduiding voor inhoud 3">
+            <a:extLst>
+              <a:ext uri="{FF2B5EF4-FFF2-40B4-BE49-F238E27FC236}">
+                <a16:creationId xmlns:a16="http://schemas.microsoft.com/office/drawing/2014/main" id="{261B1904-7BC3-9542-2E79-497F5C35544C}"/>
+              </a:ext>
+            </a:extLst>
+          </p:cNvPr>
+          <p:cNvSpPr>
+            <a:spLocks noGrp="1"/>
+          </p:cNvSpPr>
+          <p:nvPr>
+            <p:ph idx="1"/>
+          </p:nvPr>
+        </p:nvSpPr>
+        <p:spPr/>
+        <p:txBody>
+          <a:bodyPr>
+            <a:normAutofit fontScale="92500"/>
+          </a:bodyPr>
+          <a:lstStyle/>
+          <a:p>
+            <a:r>
+              <a:rPr lang="nl-BE" sz="1800" b="1" dirty="0"/>
+              <a:t>January:</a:t>
+            </a:r>
+            <a:endParaRPr lang="nl-BE" sz="1800" dirty="0"/>
+          </a:p>
+          <a:p>
+            <a:pPr lvl="1">
+              <a:buFont typeface="Arial" panose="020B0604020202020204" pitchFamily="34" charset="0"/>
+              <a:buChar char="•"/>
+            </a:pPr>
+            <a:r>
+              <a:rPr lang="nl-BE" sz="1800" dirty="0"/>
+              <a:t>Introduction + Literature Review written</a:t>
+            </a:r>
+          </a:p>
+          <a:p>
+            <a:pPr lvl="1">
+              <a:buFont typeface="Arial" panose="020B0604020202020204" pitchFamily="34" charset="0"/>
+              <a:buChar char="•"/>
+            </a:pPr>
+            <a:r>
+              <a:rPr lang="nl-BE" sz="1800" dirty="0"/>
+              <a:t>Test the different Open Source models (also chat vs non-chat verison)</a:t>
+            </a:r>
+          </a:p>
+          <a:p>
+            <a:pPr lvl="1">
+              <a:buFont typeface="Arial" panose="020B0604020202020204" pitchFamily="34" charset="0"/>
+              <a:buChar char="•"/>
+            </a:pPr>
+            <a:r>
+              <a:rPr lang="nl-BE" sz="1800" dirty="0"/>
+              <a:t>Look into mathematical sides of the constraints</a:t>
+            </a:r>
+          </a:p>
+          <a:p>
+            <a:pPr lvl="1">
+              <a:buFont typeface="Arial" panose="020B0604020202020204" pitchFamily="34" charset="0"/>
+              <a:buChar char="•"/>
+            </a:pPr>
+            <a:r>
+              <a:rPr lang="nl-BE" sz="1800" dirty="0"/>
+              <a:t>Improve syllable constraint</a:t>
+            </a:r>
+          </a:p>
+          <a:p>
+            <a:pPr lvl="1">
+              <a:buFont typeface="Arial" panose="020B0604020202020204" pitchFamily="34" charset="0"/>
+              <a:buChar char="•"/>
+            </a:pPr>
+            <a:r>
+              <a:rPr lang="nl-BE" sz="1800" dirty="0"/>
+              <a:t>Look into Rhyming Constraint</a:t>
+            </a:r>
+          </a:p>
+          <a:p>
+            <a:r>
+              <a:rPr lang="nl-BE" sz="1800" b="1" dirty="0"/>
+              <a:t>February:</a:t>
+            </a:r>
+            <a:endParaRPr lang="nl-BE" sz="1800" dirty="0"/>
+          </a:p>
+          <a:p>
+            <a:pPr lvl="1">
+              <a:buFont typeface="Arial" panose="020B0604020202020204" pitchFamily="34" charset="0"/>
+              <a:buChar char="•"/>
+            </a:pPr>
+            <a:r>
+              <a:rPr lang="nl-BE" sz="1800" dirty="0"/>
+              <a:t>Finish Rhyming Constraint</a:t>
+            </a:r>
+          </a:p>
+          <a:p>
+            <a:pPr lvl="1">
+              <a:buFont typeface="Arial" panose="020B0604020202020204" pitchFamily="34" charset="0"/>
+              <a:buChar char="•"/>
+            </a:pPr>
+            <a:r>
+              <a:rPr lang="nl-BE" sz="1800" dirty="0"/>
+              <a:t>Enforce POS-tag</a:t>
+            </a:r>
+          </a:p>
+          <a:p>
+            <a:pPr lvl="1">
+              <a:buFont typeface="Arial" panose="020B0604020202020204" pitchFamily="34" charset="0"/>
+              <a:buChar char="•"/>
+            </a:pPr>
+            <a:r>
+              <a:rPr lang="nl-BE" sz="1800" dirty="0"/>
+              <a:t>Start preparing human survey to test the generated parodies from the different models</a:t>
+            </a:r>
+          </a:p>
+          <a:p>
+            <a:pPr lvl="1">
+              <a:buFont typeface="Arial" panose="020B0604020202020204" pitchFamily="34" charset="0"/>
+              <a:buChar char="•"/>
+            </a:pPr>
+            <a:r>
+              <a:rPr lang="nl-BE" sz="1800" dirty="0"/>
+              <a:t>Train some of the best models with lyrics, parodies and humor text</a:t>
+            </a:r>
+          </a:p>
+          <a:p>
+            <a:pPr lvl="1"/>
+            <a:endParaRPr lang="nl-NL" sz="1800" dirty="0"/>
+          </a:p>
+          <a:p>
+            <a:pPr lvl="1"/>
+            <a:endParaRPr lang="nl-NL" sz="1800" dirty="0"/>
+          </a:p>
+        </p:txBody>
+      </p:sp>
+      <p:sp>
+        <p:nvSpPr>
+          <p:cNvPr id="5" name="Tijdelijke aanduiding voor inhoud 4">
+            <a:extLst>
+              <a:ext uri="{FF2B5EF4-FFF2-40B4-BE49-F238E27FC236}">
+                <a16:creationId xmlns:a16="http://schemas.microsoft.com/office/drawing/2014/main" id="{3A3EA626-5665-AB09-A59C-C86A0175DEDC}"/>
+              </a:ext>
+            </a:extLst>
+          </p:cNvPr>
+          <p:cNvSpPr>
+            <a:spLocks noGrp="1"/>
+          </p:cNvSpPr>
+          <p:nvPr>
+            <p:ph sz="quarter" idx="13"/>
+          </p:nvPr>
+        </p:nvSpPr>
+        <p:spPr/>
+        <p:txBody>
+          <a:bodyPr>
+            <a:normAutofit fontScale="92500" lnSpcReduction="20000"/>
+          </a:bodyPr>
+          <a:lstStyle/>
+          <a:p>
+            <a:r>
+              <a:rPr lang="nl-BE" sz="1800" b="1" dirty="0"/>
+              <a:t>March:</a:t>
+            </a:r>
+            <a:endParaRPr lang="nl-BE" sz="1800" dirty="0"/>
+          </a:p>
+          <a:p>
+            <a:pPr lvl="1">
+              <a:buFont typeface="Arial" panose="020B0604020202020204" pitchFamily="34" charset="0"/>
+              <a:buChar char="•"/>
+            </a:pPr>
+            <a:r>
+              <a:rPr lang="nl-BE" sz="1800" dirty="0"/>
+              <a:t>Create stream-lined algorithm and create interface to be able to more easily use it</a:t>
+            </a:r>
+          </a:p>
+          <a:p>
+            <a:pPr lvl="1">
+              <a:buFont typeface="Arial" panose="020B0604020202020204" pitchFamily="34" charset="0"/>
+              <a:buChar char="•"/>
+            </a:pPr>
+            <a:r>
+              <a:rPr lang="nl-BE" sz="1800" dirty="0"/>
+              <a:t>Finish any last experiments that still need to be done</a:t>
+            </a:r>
+          </a:p>
+          <a:p>
+            <a:pPr lvl="1">
+              <a:buFont typeface="Arial" panose="020B0604020202020204" pitchFamily="34" charset="0"/>
+              <a:buChar char="•"/>
+            </a:pPr>
+            <a:r>
+              <a:rPr lang="nl-BE" sz="1800" dirty="0"/>
+              <a:t>Finish and launch survey</a:t>
+            </a:r>
+          </a:p>
+          <a:p>
+            <a:pPr lvl="1">
+              <a:buFont typeface="Arial" panose="020B0604020202020204" pitchFamily="34" charset="0"/>
+              <a:buChar char="•"/>
+            </a:pPr>
+            <a:r>
+              <a:rPr lang="nl-BE" sz="1800" dirty="0"/>
+              <a:t>Prepare Third and final intermediate presentation</a:t>
+            </a:r>
+          </a:p>
+          <a:p>
+            <a:r>
+              <a:rPr lang="nl-BE" sz="1800" b="1" dirty="0"/>
+              <a:t>April:</a:t>
+            </a:r>
+            <a:endParaRPr lang="nl-BE" sz="1800" dirty="0"/>
+          </a:p>
+          <a:p>
+            <a:pPr lvl="1">
+              <a:buFont typeface="Arial" panose="020B0604020202020204" pitchFamily="34" charset="0"/>
+              <a:buChar char="•"/>
+            </a:pPr>
+            <a:r>
+              <a:rPr lang="nl-BE" sz="1800" dirty="0"/>
+              <a:t>Evaluate and process results from survey</a:t>
+            </a:r>
+          </a:p>
+          <a:p>
+            <a:pPr lvl="1">
+              <a:buFont typeface="Arial" panose="020B0604020202020204" pitchFamily="34" charset="0"/>
+              <a:buChar char="•"/>
+            </a:pPr>
+            <a:r>
+              <a:rPr lang="nl-BE" sz="1800" dirty="0"/>
+              <a:t>Finish last experiments</a:t>
+            </a:r>
+          </a:p>
+          <a:p>
+            <a:pPr lvl="1">
+              <a:buFont typeface="Arial" panose="020B0604020202020204" pitchFamily="34" charset="0"/>
+              <a:buChar char="•"/>
+            </a:pPr>
+            <a:r>
+              <a:rPr lang="nl-BE" sz="1800" dirty="0"/>
+              <a:t>Complete final algorithm and clean up code</a:t>
+            </a:r>
+          </a:p>
+          <a:p>
+            <a:pPr lvl="1">
+              <a:buFont typeface="Arial" panose="020B0604020202020204" pitchFamily="34" charset="0"/>
+              <a:buChar char="•"/>
+            </a:pPr>
+            <a:r>
+              <a:rPr lang="nl-BE" sz="1800" dirty="0"/>
+              <a:t>Start writing thesis</a:t>
+            </a:r>
+          </a:p>
+          <a:p>
+            <a:pPr lvl="1">
+              <a:buFont typeface="Arial" panose="020B0604020202020204" pitchFamily="34" charset="0"/>
+              <a:buChar char="•"/>
+            </a:pPr>
+            <a:r>
+              <a:rPr lang="nl-BE" sz="1800" dirty="0"/>
+              <a:t>Make poster about thesis</a:t>
+            </a:r>
+          </a:p>
+          <a:p>
+            <a:r>
+              <a:rPr lang="nl-BE" sz="1800" b="1" dirty="0"/>
+              <a:t>May:</a:t>
+            </a:r>
+            <a:endParaRPr lang="nl-BE" sz="1800" dirty="0"/>
+          </a:p>
+          <a:p>
+            <a:pPr lvl="1">
+              <a:buFont typeface="Arial" panose="020B0604020202020204" pitchFamily="34" charset="0"/>
+              <a:buChar char="•"/>
+            </a:pPr>
+            <a:r>
+              <a:rPr lang="nl-BE" sz="1800" dirty="0"/>
+              <a:t>Full focus on writing and finishing thesis</a:t>
+            </a:r>
+          </a:p>
+        </p:txBody>
+      </p:sp>
+      <p:sp>
+        <p:nvSpPr>
+          <p:cNvPr id="6" name="Titel 5">
+            <a:extLst>
+              <a:ext uri="{FF2B5EF4-FFF2-40B4-BE49-F238E27FC236}">
+                <a16:creationId xmlns:a16="http://schemas.microsoft.com/office/drawing/2014/main" id="{6C21229E-8101-C29D-AE9D-A0A36B5EAEF8}"/>
+              </a:ext>
+            </a:extLst>
+          </p:cNvPr>
+          <p:cNvSpPr>
+            <a:spLocks noGrp="1"/>
+          </p:cNvSpPr>
+          <p:nvPr>
+            <p:ph type="title"/>
+          </p:nvPr>
+        </p:nvSpPr>
+        <p:spPr>
+          <a:xfrm>
+            <a:off x="576000" y="162000"/>
+            <a:ext cx="11041200" cy="1152000"/>
+          </a:xfrm>
+        </p:spPr>
+        <p:txBody>
+          <a:bodyPr/>
+          <a:lstStyle/>
+          <a:p>
+            <a:r>
+              <a:rPr lang="nl-NL" dirty="0"/>
+              <a:t>Planning</a:t>
+            </a:r>
+          </a:p>
+        </p:txBody>
+      </p:sp>
+    </p:spTree>
+    <p:extLst>
+      <p:ext uri="{BB962C8B-B14F-4D97-AF65-F5344CB8AC3E}">
+        <p14:creationId xmlns:p14="http://schemas.microsoft.com/office/powerpoint/2010/main" val="1808906806"/>
+      </p:ext>
+    </p:extLst>
+  </p:cSld>
+  <p:clrMapOvr>
+    <a:masterClrMapping/>
+  </p:clrMapOvr>
+</p:sld>
+</file>
+
+<file path=ppt/slides/slide16.xml><?xml version="1.0" encoding="utf-8"?>
+<p:sld xmlns:a="http://schemas.openxmlformats.org/drawingml/2006/main" xmlns:r="http://schemas.openxmlformats.org/officeDocument/2006/relationships" xmlns:p="http://schemas.openxmlformats.org/presentationml/2006/main">
+  <p:cSld>
+    <p:spTree>
+      <p:nvGrpSpPr>
+        <p:cNvPr id="1" name=""/>
+        <p:cNvGrpSpPr/>
+        <p:nvPr/>
+      </p:nvGrpSpPr>
+      <p:grpSpPr>
+        <a:xfrm>
+          <a:off x="0" y="0"/>
+          <a:ext cx="0" cy="0"/>
+          <a:chOff x="0" y="0"/>
+          <a:chExt cx="0" cy="0"/>
+        </a:xfrm>
+      </p:grpSpPr>
+      <p:sp>
+        <p:nvSpPr>
           <p:cNvPr id="2" name="Tijdelijke aanduiding voor voettekst 1">
             <a:extLst>
               <a:ext uri="{FF2B5EF4-FFF2-40B4-BE49-F238E27FC236}">
@@ -5179,7 +7862,7 @@
           <a:p>
             <a:fld id="{0A297500-7527-634B-90F4-69D0994C32B4}" type="slidenum">
               <a:rPr lang="nl-NL" smtClean="0"/>
-              <a:t>10</a:t>
+              <a:t>16</a:t>
             </a:fld>
             <a:endParaRPr lang="nl-NL" dirty="0"/>
           </a:p>
@@ -14237,7 +16920,7 @@
                     <a:lstStyle/>
                     <a:p>
                       <a:r>
-                        <a:rPr lang="nl-BE" sz="900" b="1" cap="none" spc="0">
+                        <a:rPr lang="nl-BE" sz="900" b="1" cap="none" spc="0" dirty="0">
                           <a:solidFill>
                             <a:schemeClr val="bg1"/>
                           </a:solidFill>
@@ -15932,7 +18615,7 @@
           <a:lstStyle/>
           <a:p>
             <a:r>
-              <a:rPr lang="nl-BE" dirty="0"/>
+              <a:rPr lang="nl-BE" b="1" dirty="0"/>
               <a:t>Mijn onderzoek: </a:t>
             </a:r>
             <a:r>
@@ -16226,20 +18909,24 @@
           <a:lstStyle/>
           <a:p>
             <a:r>
-              <a:rPr lang="en-US" dirty="0" err="1"/>
+              <a:rPr lang="en-US" b="1" dirty="0" err="1"/>
               <a:t>Huidig</a:t>
             </a:r>
             <a:r>
+              <a:rPr lang="en-US" b="1" dirty="0"/>
+              <a:t> </a:t>
+            </a:r>
+            <a:r>
+              <a:rPr lang="en-US" b="1" dirty="0" err="1"/>
+              <a:t>onderzoek</a:t>
+            </a:r>
+            <a:r>
+              <a:rPr lang="en-US" b="1" dirty="0"/>
+              <a:t>: </a:t>
+            </a:r>
+            <a:r>
               <a:rPr lang="en-US" dirty="0"/>
-              <a:t> </a:t>
-            </a:r>
-            <a:r>
-              <a:rPr lang="en-US" dirty="0" err="1"/>
-              <a:t>onderzoek</a:t>
-            </a:r>
-            <a:r>
-              <a:rPr lang="en-US" dirty="0"/>
-              <a:t>: focus op syllable constraint</a:t>
+              <a:t>Focus op syllable constraint</a:t>
             </a:r>
           </a:p>
         </p:txBody>
@@ -16588,20 +19275,24 @@
           <a:lstStyle/>
           <a:p>
             <a:r>
-              <a:rPr lang="en-US" dirty="0" err="1"/>
+              <a:rPr lang="en-US" b="1" dirty="0" err="1"/>
               <a:t>Huidig</a:t>
             </a:r>
             <a:r>
+              <a:rPr lang="en-US" b="1" dirty="0"/>
+              <a:t> </a:t>
+            </a:r>
+            <a:r>
+              <a:rPr lang="en-US" b="1" dirty="0" err="1"/>
+              <a:t>onderzoek</a:t>
+            </a:r>
+            <a:r>
+              <a:rPr lang="en-US" b="1" dirty="0"/>
+              <a:t>: </a:t>
+            </a:r>
+            <a:r>
               <a:rPr lang="en-US" dirty="0"/>
-              <a:t> </a:t>
-            </a:r>
-            <a:r>
-              <a:rPr lang="en-US" dirty="0" err="1"/>
-              <a:t>onderzoek</a:t>
-            </a:r>
-            <a:r>
-              <a:rPr lang="en-US" dirty="0"/>
-              <a:t>: focus op syllable constraint</a:t>
+              <a:t>Focus op syllable constraint</a:t>
             </a:r>
           </a:p>
         </p:txBody>
@@ -16638,10 +19329,165 @@
       </p:grpSpPr>
       <p:sp>
         <p:nvSpPr>
-          <p:cNvPr id="2" name="Tijdelijke aanduiding voor voettekst 1">
+          <p:cNvPr id="2" name="Tijdelijke aanduiding voor inhoud 1">
             <a:extLst>
               <a:ext uri="{FF2B5EF4-FFF2-40B4-BE49-F238E27FC236}">
-                <a16:creationId xmlns:a16="http://schemas.microsoft.com/office/drawing/2014/main" id="{0FF7A986-C092-BFE7-596C-1051E75E8DC4}"/>
+                <a16:creationId xmlns:a16="http://schemas.microsoft.com/office/drawing/2014/main" id="{CF3C8466-5997-42C3-67B7-626B49399CB4}"/>
+              </a:ext>
+            </a:extLst>
+          </p:cNvPr>
+          <p:cNvSpPr>
+            <a:spLocks noGrp="1"/>
+          </p:cNvSpPr>
+          <p:nvPr>
+            <p:ph idx="1"/>
+          </p:nvPr>
+        </p:nvSpPr>
+        <p:spPr/>
+        <p:txBody>
+          <a:bodyPr/>
+          <a:lstStyle/>
+          <a:p>
+            <a:r>
+              <a:rPr lang="nl-NL" dirty="0" err="1"/>
+              <a:t>Transformers</a:t>
+            </a:r>
+            <a:r>
+              <a:rPr lang="nl-NL" dirty="0"/>
+              <a:t> </a:t>
+            </a:r>
+            <a:r>
+              <a:rPr lang="nl-NL" dirty="0" err="1"/>
+              <a:t>library</a:t>
+            </a:r>
+            <a:r>
+              <a:rPr lang="nl-NL" dirty="0"/>
+              <a:t> van </a:t>
+            </a:r>
+            <a:r>
+              <a:rPr lang="nl-NL" dirty="0" err="1"/>
+              <a:t>Hugging</a:t>
+            </a:r>
+            <a:r>
+              <a:rPr lang="nl-NL" dirty="0"/>
+              <a:t> Face (HF)</a:t>
+            </a:r>
+          </a:p>
+          <a:p>
+            <a:pPr lvl="1"/>
+            <a:r>
+              <a:rPr lang="nl-NL" dirty="0"/>
+              <a:t>HF heeft bibliotheek met allerlei open source modellen</a:t>
+            </a:r>
+          </a:p>
+          <a:p>
+            <a:r>
+              <a:rPr lang="nl-NL" dirty="0"/>
+              <a:t>Bevatte al een </a:t>
+            </a:r>
+            <a:r>
+              <a:rPr lang="nl-NL" dirty="0" err="1"/>
+              <a:t>Constraint</a:t>
+            </a:r>
+            <a:r>
+              <a:rPr lang="nl-NL" dirty="0"/>
+              <a:t> class </a:t>
+            </a:r>
+            <a:r>
+              <a:rPr lang="nl-NL" dirty="0">
+                <a:sym typeface="Wingdings" pitchFamily="2" charset="2"/>
+              </a:rPr>
+              <a:t> te weinig flexibiliteit</a:t>
+            </a:r>
+          </a:p>
+          <a:p>
+            <a:r>
+              <a:rPr lang="nl-NL" dirty="0">
+                <a:sym typeface="Wingdings" pitchFamily="2" charset="2"/>
+              </a:rPr>
+              <a:t>Nieuwe </a:t>
+            </a:r>
+            <a:r>
+              <a:rPr lang="nl-NL" dirty="0" err="1">
+                <a:sym typeface="Wingdings" pitchFamily="2" charset="2"/>
+              </a:rPr>
+              <a:t>Constraint</a:t>
+            </a:r>
+            <a:r>
+              <a:rPr lang="nl-NL" dirty="0">
+                <a:sym typeface="Wingdings" pitchFamily="2" charset="2"/>
+              </a:rPr>
+              <a:t> Class gemaakt voor </a:t>
+            </a:r>
+            <a:r>
+              <a:rPr lang="nl-NL" dirty="0" err="1">
+                <a:sym typeface="Wingdings" pitchFamily="2" charset="2"/>
+              </a:rPr>
+              <a:t>beam</a:t>
+            </a:r>
+            <a:r>
+              <a:rPr lang="nl-NL" dirty="0">
+                <a:sym typeface="Wingdings" pitchFamily="2" charset="2"/>
+              </a:rPr>
+              <a:t> search:</a:t>
+            </a:r>
+          </a:p>
+          <a:p>
+            <a:pPr marL="914400" lvl="1" indent="-457200">
+              <a:buFont typeface="+mj-lt"/>
+              <a:buAutoNum type="arabicPeriod"/>
+            </a:pPr>
+            <a:r>
+              <a:rPr lang="nl-NL" dirty="0" err="1">
+                <a:sym typeface="Wingdings" pitchFamily="2" charset="2"/>
+              </a:rPr>
+              <a:t>Logit</a:t>
+            </a:r>
+            <a:r>
+              <a:rPr lang="nl-NL" dirty="0">
+                <a:sym typeface="Wingdings" pitchFamily="2" charset="2"/>
+              </a:rPr>
+              <a:t> score aanpassen</a:t>
+            </a:r>
+          </a:p>
+          <a:p>
+            <a:pPr marL="914400" lvl="1" indent="-457200">
+              <a:buFont typeface="+mj-lt"/>
+              <a:buAutoNum type="arabicPeriod"/>
+            </a:pPr>
+            <a:r>
+              <a:rPr lang="nl-NL" dirty="0"/>
+              <a:t>Beam score aanpassen </a:t>
+            </a:r>
+          </a:p>
+          <a:p>
+            <a:pPr marL="914400" lvl="1" indent="-457200">
+              <a:buFont typeface="+mj-lt"/>
+              <a:buAutoNum type="arabicPeriod"/>
+            </a:pPr>
+            <a:r>
+              <a:rPr lang="nl-NL" dirty="0"/>
+              <a:t>Stop criteria </a:t>
+            </a:r>
+          </a:p>
+          <a:p>
+            <a:pPr marL="914400" lvl="1" indent="-457200">
+              <a:buFont typeface="+mj-lt"/>
+              <a:buAutoNum type="arabicPeriod"/>
+            </a:pPr>
+            <a:endParaRPr lang="nl-NL" dirty="0"/>
+          </a:p>
+          <a:p>
+            <a:endParaRPr lang="nl-NL" dirty="0"/>
+          </a:p>
+        </p:txBody>
+      </p:sp>
+      <p:sp>
+        <p:nvSpPr>
+          <p:cNvPr id="3" name="Tijdelijke aanduiding voor voettekst 2">
+            <a:extLst>
+              <a:ext uri="{FF2B5EF4-FFF2-40B4-BE49-F238E27FC236}">
+                <a16:creationId xmlns:a16="http://schemas.microsoft.com/office/drawing/2014/main" id="{4DD142FA-A8CE-54E6-D309-DAA3BE0F9911}"/>
               </a:ext>
             </a:extLst>
           </p:cNvPr>
@@ -16661,15 +19507,16 @@
               <a:rPr lang="nl-NL"/>
               <a:t>Computerwetenschappen - DTAI</a:t>
             </a:r>
+            <a:endParaRPr lang="nl-NL" dirty="0"/>
           </a:p>
         </p:txBody>
       </p:sp>
       <p:sp>
         <p:nvSpPr>
-          <p:cNvPr id="3" name="Tijdelijke aanduiding voor dianummer 2">
+          <p:cNvPr id="4" name="Tijdelijke aanduiding voor dianummer 3">
             <a:extLst>
               <a:ext uri="{FF2B5EF4-FFF2-40B4-BE49-F238E27FC236}">
-                <a16:creationId xmlns:a16="http://schemas.microsoft.com/office/drawing/2014/main" id="{3AEAB7DB-BFCA-8E16-331A-DFF48B8F272A}"/>
+                <a16:creationId xmlns:a16="http://schemas.microsoft.com/office/drawing/2014/main" id="{12B3B2C7-6A0C-38B5-A78E-FC8F01A91CC6}"/>
               </a:ext>
             </a:extLst>
           </p:cNvPr>
@@ -16689,238 +19536,16 @@
               <a:rPr lang="nl-NL" smtClean="0"/>
               <a:t>9</a:t>
             </a:fld>
-            <a:endParaRPr lang="nl-NL"/>
+            <a:endParaRPr lang="nl-NL" dirty="0"/>
           </a:p>
         </p:txBody>
       </p:sp>
       <p:sp>
         <p:nvSpPr>
-          <p:cNvPr id="4" name="Tijdelijke aanduiding voor inhoud 3">
+          <p:cNvPr id="5" name="Titel 4">
             <a:extLst>
               <a:ext uri="{FF2B5EF4-FFF2-40B4-BE49-F238E27FC236}">
-                <a16:creationId xmlns:a16="http://schemas.microsoft.com/office/drawing/2014/main" id="{261B1904-7BC3-9542-2E79-497F5C35544C}"/>
-              </a:ext>
-            </a:extLst>
-          </p:cNvPr>
-          <p:cNvSpPr>
-            <a:spLocks noGrp="1"/>
-          </p:cNvSpPr>
-          <p:nvPr>
-            <p:ph idx="1"/>
-          </p:nvPr>
-        </p:nvSpPr>
-        <p:spPr/>
-        <p:txBody>
-          <a:bodyPr>
-            <a:normAutofit fontScale="77500" lnSpcReduction="20000"/>
-          </a:bodyPr>
-          <a:lstStyle/>
-          <a:p>
-            <a:r>
-              <a:rPr lang="nl-NL" dirty="0"/>
-              <a:t>November</a:t>
-            </a:r>
-          </a:p>
-          <a:p>
-            <a:pPr lvl="1"/>
-            <a:r>
-              <a:rPr lang="nl-NL" dirty="0"/>
-              <a:t>Eerste implementaties met </a:t>
-            </a:r>
-            <a:r>
-              <a:rPr lang="nl-NL" dirty="0" err="1"/>
-              <a:t>LLM’s</a:t>
-            </a:r>
-            <a:endParaRPr lang="nl-NL" dirty="0"/>
-          </a:p>
-          <a:p>
-            <a:pPr lvl="1"/>
-            <a:r>
-              <a:rPr lang="nl-NL" dirty="0"/>
-              <a:t>WAIY &amp; WAIY+ draaiende krijgen</a:t>
-            </a:r>
-          </a:p>
-          <a:p>
-            <a:pPr lvl="1"/>
-            <a:r>
-              <a:rPr lang="nl-NL" dirty="0"/>
-              <a:t>Datasets maken</a:t>
-            </a:r>
-          </a:p>
-          <a:p>
-            <a:pPr lvl="1"/>
-            <a:r>
-              <a:rPr lang="nl-NL" dirty="0"/>
-              <a:t>Vertrouwd raken met software</a:t>
-            </a:r>
-          </a:p>
-          <a:p>
-            <a:pPr lvl="1"/>
-            <a:r>
-              <a:rPr lang="nl-NL" dirty="0"/>
-              <a:t>Groot deel van Literatuur studie geschreven hebben</a:t>
-            </a:r>
-          </a:p>
-          <a:p>
-            <a:r>
-              <a:rPr lang="nl-NL" dirty="0"/>
-              <a:t>December</a:t>
-            </a:r>
-          </a:p>
-          <a:p>
-            <a:pPr lvl="1"/>
-            <a:r>
-              <a:rPr lang="nl-NL" dirty="0"/>
-              <a:t>Onderzoek verschillende </a:t>
-            </a:r>
-            <a:r>
-              <a:rPr lang="nl-NL" dirty="0" err="1"/>
-              <a:t>constraints</a:t>
-            </a:r>
-            <a:r>
-              <a:rPr lang="nl-NL" dirty="0"/>
-              <a:t> proberen toe te passen</a:t>
-            </a:r>
-          </a:p>
-          <a:p>
-            <a:pPr lvl="1"/>
-            <a:r>
-              <a:rPr lang="nl-NL" dirty="0"/>
-              <a:t>Prototype bouwen</a:t>
-            </a:r>
-          </a:p>
-          <a:p>
-            <a:pPr lvl="1"/>
-            <a:r>
-              <a:rPr lang="nl-NL" dirty="0"/>
-              <a:t>Onderzoek naar beste </a:t>
-            </a:r>
-            <a:r>
-              <a:rPr lang="nl-NL" dirty="0" err="1"/>
-              <a:t>metrics</a:t>
-            </a:r>
-            <a:r>
-              <a:rPr lang="nl-NL" dirty="0"/>
-              <a:t> </a:t>
-            </a:r>
-          </a:p>
-          <a:p>
-            <a:r>
-              <a:rPr lang="nl-NL" dirty="0"/>
-              <a:t>Januari</a:t>
-            </a:r>
-          </a:p>
-          <a:p>
-            <a:pPr lvl="1"/>
-            <a:r>
-              <a:rPr lang="nl-NL" dirty="0"/>
-              <a:t>Evalueren van initiële modellen</a:t>
-            </a:r>
-          </a:p>
-          <a:p>
-            <a:pPr lvl="1"/>
-            <a:r>
-              <a:rPr lang="nl-NL" dirty="0"/>
-              <a:t>Nieuwe modellen maken en trainen</a:t>
-            </a:r>
-          </a:p>
-          <a:p>
-            <a:pPr lvl="1"/>
-            <a:endParaRPr lang="nl-NL" dirty="0"/>
-          </a:p>
-          <a:p>
-            <a:pPr lvl="1"/>
-            <a:endParaRPr lang="nl-NL" dirty="0"/>
-          </a:p>
-        </p:txBody>
-      </p:sp>
-      <p:sp>
-        <p:nvSpPr>
-          <p:cNvPr id="5" name="Tijdelijke aanduiding voor inhoud 4">
-            <a:extLst>
-              <a:ext uri="{FF2B5EF4-FFF2-40B4-BE49-F238E27FC236}">
-                <a16:creationId xmlns:a16="http://schemas.microsoft.com/office/drawing/2014/main" id="{3A3EA626-5665-AB09-A59C-C86A0175DEDC}"/>
-              </a:ext>
-            </a:extLst>
-          </p:cNvPr>
-          <p:cNvSpPr>
-            <a:spLocks noGrp="1"/>
-          </p:cNvSpPr>
-          <p:nvPr>
-            <p:ph sz="quarter" idx="13"/>
-          </p:nvPr>
-        </p:nvSpPr>
-        <p:spPr/>
-        <p:txBody>
-          <a:bodyPr>
-            <a:normAutofit/>
-          </a:bodyPr>
-          <a:lstStyle/>
-          <a:p>
-            <a:r>
-              <a:rPr lang="nl-NL" sz="1900" dirty="0"/>
-              <a:t>Februari</a:t>
-            </a:r>
-          </a:p>
-          <a:p>
-            <a:pPr lvl="1"/>
-            <a:r>
-              <a:rPr lang="nl-NL" sz="1900" dirty="0"/>
-              <a:t>Fine tune van beste modellen</a:t>
-            </a:r>
-          </a:p>
-          <a:p>
-            <a:pPr lvl="1"/>
-            <a:r>
-              <a:rPr lang="nl-NL" sz="1900" dirty="0"/>
-              <a:t>Survey van verschillende modellen voor bereiden</a:t>
-            </a:r>
-          </a:p>
-          <a:p>
-            <a:r>
-              <a:rPr lang="nl-NL" sz="1900" dirty="0"/>
-              <a:t>Maart</a:t>
-            </a:r>
-          </a:p>
-          <a:p>
-            <a:pPr lvl="1"/>
-            <a:r>
-              <a:rPr lang="nl-NL" sz="1900" dirty="0"/>
-              <a:t>Survey lanceren</a:t>
-            </a:r>
-          </a:p>
-          <a:p>
-            <a:pPr lvl="1"/>
-            <a:r>
-              <a:rPr lang="nl-NL" sz="1900" dirty="0"/>
-              <a:t>Een stream line algoritme met interface te maken</a:t>
-            </a:r>
-          </a:p>
-          <a:p>
-            <a:r>
-              <a:rPr lang="nl-NL" sz="1900" dirty="0"/>
-              <a:t>April &amp; Mei</a:t>
-            </a:r>
-          </a:p>
-          <a:p>
-            <a:pPr lvl="1"/>
-            <a:r>
-              <a:rPr lang="nl-NL" sz="1900" dirty="0"/>
-              <a:t>Full focus op het schrijven van de thesis</a:t>
-            </a:r>
-          </a:p>
-          <a:p>
-            <a:pPr lvl="1"/>
-            <a:endParaRPr lang="nl-NL" sz="1900" dirty="0"/>
-          </a:p>
-        </p:txBody>
-      </p:sp>
-      <p:sp>
-        <p:nvSpPr>
-          <p:cNvPr id="6" name="Titel 5">
-            <a:extLst>
-              <a:ext uri="{FF2B5EF4-FFF2-40B4-BE49-F238E27FC236}">
-                <a16:creationId xmlns:a16="http://schemas.microsoft.com/office/drawing/2014/main" id="{6C21229E-8101-C29D-AE9D-A0A36B5EAEF8}"/>
+                <a16:creationId xmlns:a16="http://schemas.microsoft.com/office/drawing/2014/main" id="{0A42AF39-926A-F91A-357F-EE43AF4D40BF}"/>
               </a:ext>
             </a:extLst>
           </p:cNvPr>
@@ -16937,16 +19562,85 @@
           <a:lstStyle/>
           <a:p>
             <a:r>
+              <a:rPr lang="nl-NL" b="1" dirty="0"/>
+              <a:t>Huidig onderzoek: </a:t>
+            </a:r>
+            <a:r>
               <a:rPr lang="nl-NL" dirty="0"/>
-              <a:t>Planning</a:t>
-            </a:r>
+              <a:t>Toevoegen van </a:t>
+            </a:r>
+            <a:r>
+              <a:rPr lang="nl-NL" dirty="0" err="1"/>
+              <a:t>Constraints</a:t>
+            </a:r>
+            <a:endParaRPr lang="nl-NL" dirty="0"/>
           </a:p>
         </p:txBody>
       </p:sp>
+      <p:pic>
+        <p:nvPicPr>
+          <p:cNvPr id="7" name="Afbeelding 6">
+            <a:extLst>
+              <a:ext uri="{FF2B5EF4-FFF2-40B4-BE49-F238E27FC236}">
+                <a16:creationId xmlns:a16="http://schemas.microsoft.com/office/drawing/2014/main" id="{C576BD52-F709-ADE8-2AF5-CC21D2BD4C12}"/>
+              </a:ext>
+            </a:extLst>
+          </p:cNvPr>
+          <p:cNvPicPr>
+            <a:picLocks noChangeAspect="1"/>
+          </p:cNvPicPr>
+          <p:nvPr/>
+        </p:nvPicPr>
+        <p:blipFill>
+          <a:blip r:embed="rId2"/>
+          <a:stretch>
+            <a:fillRect/>
+          </a:stretch>
+        </p:blipFill>
+        <p:spPr>
+          <a:xfrm>
+            <a:off x="9574695" y="1359036"/>
+            <a:ext cx="1818860" cy="1818860"/>
+          </a:xfrm>
+          <a:prstGeom prst="rect">
+            <a:avLst/>
+          </a:prstGeom>
+        </p:spPr>
+      </p:pic>
+      <p:pic>
+        <p:nvPicPr>
+          <p:cNvPr id="9" name="Afbeelding 8">
+            <a:extLst>
+              <a:ext uri="{FF2B5EF4-FFF2-40B4-BE49-F238E27FC236}">
+                <a16:creationId xmlns:a16="http://schemas.microsoft.com/office/drawing/2014/main" id="{DE55566C-9B0F-43E5-9A14-A8FAF0801149}"/>
+              </a:ext>
+            </a:extLst>
+          </p:cNvPr>
+          <p:cNvPicPr>
+            <a:picLocks noChangeAspect="1"/>
+          </p:cNvPicPr>
+          <p:nvPr/>
+        </p:nvPicPr>
+        <p:blipFill>
+          <a:blip r:embed="rId3"/>
+          <a:stretch>
+            <a:fillRect/>
+          </a:stretch>
+        </p:blipFill>
+        <p:spPr>
+          <a:xfrm>
+            <a:off x="6096000" y="3429000"/>
+            <a:ext cx="3309666" cy="2472994"/>
+          </a:xfrm>
+          <a:prstGeom prst="rect">
+            <a:avLst/>
+          </a:prstGeom>
+        </p:spPr>
+      </p:pic>
     </p:spTree>
     <p:extLst>
       <p:ext uri="{BB962C8B-B14F-4D97-AF65-F5344CB8AC3E}">
-        <p14:creationId xmlns:p14="http://schemas.microsoft.com/office/powerpoint/2010/main" val="1808906806"/>
+        <p14:creationId xmlns:p14="http://schemas.microsoft.com/office/powerpoint/2010/main" val="1014333410"/>
       </p:ext>
     </p:extLst>
   </p:cSld>

--- a/Presentations/Second Intermediate Presentation/Presentation.pptx
+++ b/Presentations/Second Intermediate Presentation/Presentation.pptx
@@ -26,8 +26,8 @@
     <p:sldId id="274" r:id="rId14"/>
     <p:sldId id="276" r:id="rId15"/>
     <p:sldId id="277" r:id="rId16"/>
-    <p:sldId id="265" r:id="rId17"/>
-    <p:sldId id="266" r:id="rId18"/>
+    <p:sldId id="278" r:id="rId17"/>
+    <p:sldId id="265" r:id="rId18"/>
   </p:sldIdLst>
   <p:sldSz cx="12192000" cy="6858000"/>
   <p:notesSz cx="6858000" cy="9144000"/>
@@ -5047,7 +5047,7 @@
         <p:spPr>
           <a:xfrm>
             <a:off x="575999" y="5392800"/>
-            <a:ext cx="6096524" cy="1236600"/>
+            <a:ext cx="6749140" cy="1236600"/>
           </a:xfrm>
         </p:spPr>
         <p:txBody>
@@ -5063,7 +5063,7 @@
             </a:pPr>
             <a:r>
               <a:rPr lang="en-US" b="1" dirty="0"/>
-              <a:t>First Intermediate Presentation </a:t>
+              <a:t>Second Intermediate Presentation | 19.12.23</a:t>
             </a:r>
           </a:p>
           <a:p>
@@ -7411,10 +7411,91 @@
       </p:grpSpPr>
       <p:sp>
         <p:nvSpPr>
-          <p:cNvPr id="2" name="Tijdelijke aanduiding voor voettekst 1">
+          <p:cNvPr id="2" name="Tijdelijke aanduiding voor inhoud 1">
             <a:extLst>
               <a:ext uri="{FF2B5EF4-FFF2-40B4-BE49-F238E27FC236}">
-                <a16:creationId xmlns:a16="http://schemas.microsoft.com/office/drawing/2014/main" id="{0FF7A986-C092-BFE7-596C-1051E75E8DC4}"/>
+                <a16:creationId xmlns:a16="http://schemas.microsoft.com/office/drawing/2014/main" id="{C2DD4878-C86C-AD15-837A-E2BE6234C6E7}"/>
+              </a:ext>
+            </a:extLst>
+          </p:cNvPr>
+          <p:cNvSpPr>
+            <a:spLocks noGrp="1"/>
+          </p:cNvSpPr>
+          <p:nvPr>
+            <p:ph idx="1"/>
+          </p:nvPr>
+        </p:nvSpPr>
+        <p:spPr/>
+        <p:txBody>
+          <a:bodyPr/>
+          <a:lstStyle/>
+          <a:p>
+            <a:r>
+              <a:rPr lang="nl-NL" dirty="0"/>
+              <a:t>Half(Rijmen)</a:t>
+            </a:r>
+          </a:p>
+          <a:p>
+            <a:pPr lvl="1"/>
+            <a:r>
+              <a:rPr lang="nl-NL" dirty="0"/>
+              <a:t>Eindrijmen</a:t>
+            </a:r>
+          </a:p>
+          <a:p>
+            <a:pPr lvl="1"/>
+            <a:r>
+              <a:rPr lang="nl-NL" dirty="0"/>
+              <a:t>Rijmschema’s detecteren</a:t>
+            </a:r>
+          </a:p>
+          <a:p>
+            <a:pPr lvl="1"/>
+            <a:r>
+              <a:rPr lang="nl-NL" dirty="0"/>
+              <a:t>Rijmen forceren?</a:t>
+            </a:r>
+          </a:p>
+          <a:p>
+            <a:r>
+              <a:rPr lang="nl-NL" dirty="0"/>
+              <a:t>POS-tag</a:t>
+            </a:r>
+          </a:p>
+          <a:p>
+            <a:pPr lvl="1"/>
+            <a:r>
+              <a:rPr lang="nl-NL" dirty="0"/>
+              <a:t>Elk woord heeft zelfde POS-tag</a:t>
+            </a:r>
+          </a:p>
+          <a:p>
+            <a:r>
+              <a:rPr lang="nl-NL" dirty="0"/>
+              <a:t>Zoek algoritme aanpassen? Beam Search + Backtracking</a:t>
+            </a:r>
+          </a:p>
+          <a:p>
+            <a:r>
+              <a:rPr lang="nl-NL" dirty="0"/>
+              <a:t>Humor</a:t>
+            </a:r>
+          </a:p>
+          <a:p>
+            <a:pPr lvl="1"/>
+            <a:r>
+              <a:rPr lang="nl-NL" dirty="0"/>
+              <a:t>Finetunen van bestaande modellen</a:t>
+            </a:r>
+          </a:p>
+        </p:txBody>
+      </p:sp>
+      <p:sp>
+        <p:nvSpPr>
+          <p:cNvPr id="3" name="Tijdelijke aanduiding voor voettekst 2">
+            <a:extLst>
+              <a:ext uri="{FF2B5EF4-FFF2-40B4-BE49-F238E27FC236}">
+                <a16:creationId xmlns:a16="http://schemas.microsoft.com/office/drawing/2014/main" id="{2218C1C5-F8E7-79F3-BE36-B28578849354}"/>
               </a:ext>
             </a:extLst>
           </p:cNvPr>
@@ -7434,15 +7515,16 @@
               <a:rPr lang="nl-NL"/>
               <a:t>Computerwetenschappen - DTAI</a:t>
             </a:r>
+            <a:endParaRPr lang="nl-NL" dirty="0"/>
           </a:p>
         </p:txBody>
       </p:sp>
       <p:sp>
         <p:nvSpPr>
-          <p:cNvPr id="3" name="Tijdelijke aanduiding voor dianummer 2">
+          <p:cNvPr id="4" name="Tijdelijke aanduiding voor dianummer 3">
             <a:extLst>
               <a:ext uri="{FF2B5EF4-FFF2-40B4-BE49-F238E27FC236}">
-                <a16:creationId xmlns:a16="http://schemas.microsoft.com/office/drawing/2014/main" id="{3AEAB7DB-BFCA-8E16-331A-DFF48B8F272A}"/>
+                <a16:creationId xmlns:a16="http://schemas.microsoft.com/office/drawing/2014/main" id="{25EF9E6C-B6B3-7B90-0D73-DAA470A222F6}"/>
               </a:ext>
             </a:extLst>
           </p:cNvPr>
@@ -7462,297 +7544,16 @@
               <a:rPr lang="nl-NL" smtClean="0"/>
               <a:t>15</a:t>
             </a:fld>
-            <a:endParaRPr lang="nl-NL"/>
+            <a:endParaRPr lang="nl-NL" dirty="0"/>
           </a:p>
         </p:txBody>
       </p:sp>
       <p:sp>
         <p:nvSpPr>
-          <p:cNvPr id="4" name="Tijdelijke aanduiding voor inhoud 3">
+          <p:cNvPr id="5" name="Titel 4">
             <a:extLst>
               <a:ext uri="{FF2B5EF4-FFF2-40B4-BE49-F238E27FC236}">
-                <a16:creationId xmlns:a16="http://schemas.microsoft.com/office/drawing/2014/main" id="{261B1904-7BC3-9542-2E79-497F5C35544C}"/>
-              </a:ext>
-            </a:extLst>
-          </p:cNvPr>
-          <p:cNvSpPr>
-            <a:spLocks noGrp="1"/>
-          </p:cNvSpPr>
-          <p:nvPr>
-            <p:ph idx="1"/>
-          </p:nvPr>
-        </p:nvSpPr>
-        <p:spPr/>
-        <p:txBody>
-          <a:bodyPr>
-            <a:normAutofit fontScale="92500"/>
-          </a:bodyPr>
-          <a:lstStyle/>
-          <a:p>
-            <a:r>
-              <a:rPr lang="nl-BE" sz="1800" b="1" dirty="0"/>
-              <a:t>January:</a:t>
-            </a:r>
-            <a:endParaRPr lang="nl-BE" sz="1800" dirty="0"/>
-          </a:p>
-          <a:p>
-            <a:pPr lvl="1">
-              <a:buFont typeface="Arial" panose="020B0604020202020204" pitchFamily="34" charset="0"/>
-              <a:buChar char="•"/>
-            </a:pPr>
-            <a:r>
-              <a:rPr lang="nl-BE" sz="1800" dirty="0"/>
-              <a:t>Introduction + Literature Review written</a:t>
-            </a:r>
-          </a:p>
-          <a:p>
-            <a:pPr lvl="1">
-              <a:buFont typeface="Arial" panose="020B0604020202020204" pitchFamily="34" charset="0"/>
-              <a:buChar char="•"/>
-            </a:pPr>
-            <a:r>
-              <a:rPr lang="nl-BE" sz="1800" dirty="0"/>
-              <a:t>Test the different Open Source models (also chat vs non-chat verison)</a:t>
-            </a:r>
-          </a:p>
-          <a:p>
-            <a:pPr lvl="1">
-              <a:buFont typeface="Arial" panose="020B0604020202020204" pitchFamily="34" charset="0"/>
-              <a:buChar char="•"/>
-            </a:pPr>
-            <a:r>
-              <a:rPr lang="nl-BE" sz="1800" dirty="0"/>
-              <a:t>Look into mathematical sides of the constraints</a:t>
-            </a:r>
-          </a:p>
-          <a:p>
-            <a:pPr lvl="1">
-              <a:buFont typeface="Arial" panose="020B0604020202020204" pitchFamily="34" charset="0"/>
-              <a:buChar char="•"/>
-            </a:pPr>
-            <a:r>
-              <a:rPr lang="nl-BE" sz="1800" dirty="0"/>
-              <a:t>Improve syllable constraint</a:t>
-            </a:r>
-          </a:p>
-          <a:p>
-            <a:pPr lvl="1">
-              <a:buFont typeface="Arial" panose="020B0604020202020204" pitchFamily="34" charset="0"/>
-              <a:buChar char="•"/>
-            </a:pPr>
-            <a:r>
-              <a:rPr lang="nl-BE" sz="1800" dirty="0"/>
-              <a:t>Look into Rhyming Constraint</a:t>
-            </a:r>
-          </a:p>
-          <a:p>
-            <a:r>
-              <a:rPr lang="nl-BE" sz="1800" b="1" dirty="0"/>
-              <a:t>February:</a:t>
-            </a:r>
-            <a:endParaRPr lang="nl-BE" sz="1800" dirty="0"/>
-          </a:p>
-          <a:p>
-            <a:pPr lvl="1">
-              <a:buFont typeface="Arial" panose="020B0604020202020204" pitchFamily="34" charset="0"/>
-              <a:buChar char="•"/>
-            </a:pPr>
-            <a:r>
-              <a:rPr lang="nl-BE" sz="1800" dirty="0"/>
-              <a:t>Finish Rhyming Constraint</a:t>
-            </a:r>
-          </a:p>
-          <a:p>
-            <a:pPr lvl="1">
-              <a:buFont typeface="Arial" panose="020B0604020202020204" pitchFamily="34" charset="0"/>
-              <a:buChar char="•"/>
-            </a:pPr>
-            <a:r>
-              <a:rPr lang="nl-BE" sz="1800" dirty="0"/>
-              <a:t>Enforce POS-tag</a:t>
-            </a:r>
-          </a:p>
-          <a:p>
-            <a:pPr lvl="1">
-              <a:buFont typeface="Arial" panose="020B0604020202020204" pitchFamily="34" charset="0"/>
-              <a:buChar char="•"/>
-            </a:pPr>
-            <a:r>
-              <a:rPr lang="nl-BE" sz="1800" dirty="0"/>
-              <a:t>Start preparing human survey to test the generated parodies from the different models</a:t>
-            </a:r>
-          </a:p>
-          <a:p>
-            <a:pPr lvl="1">
-              <a:buFont typeface="Arial" panose="020B0604020202020204" pitchFamily="34" charset="0"/>
-              <a:buChar char="•"/>
-            </a:pPr>
-            <a:r>
-              <a:rPr lang="nl-BE" sz="1800" dirty="0"/>
-              <a:t>Train some of the best models with lyrics, parodies and humor text</a:t>
-            </a:r>
-          </a:p>
-          <a:p>
-            <a:pPr lvl="1"/>
-            <a:endParaRPr lang="nl-NL" sz="1800" dirty="0"/>
-          </a:p>
-          <a:p>
-            <a:pPr lvl="1"/>
-            <a:endParaRPr lang="nl-NL" sz="1800" dirty="0"/>
-          </a:p>
-        </p:txBody>
-      </p:sp>
-      <p:sp>
-        <p:nvSpPr>
-          <p:cNvPr id="5" name="Tijdelijke aanduiding voor inhoud 4">
-            <a:extLst>
-              <a:ext uri="{FF2B5EF4-FFF2-40B4-BE49-F238E27FC236}">
-                <a16:creationId xmlns:a16="http://schemas.microsoft.com/office/drawing/2014/main" id="{3A3EA626-5665-AB09-A59C-C86A0175DEDC}"/>
-              </a:ext>
-            </a:extLst>
-          </p:cNvPr>
-          <p:cNvSpPr>
-            <a:spLocks noGrp="1"/>
-          </p:cNvSpPr>
-          <p:nvPr>
-            <p:ph sz="quarter" idx="13"/>
-          </p:nvPr>
-        </p:nvSpPr>
-        <p:spPr/>
-        <p:txBody>
-          <a:bodyPr>
-            <a:normAutofit fontScale="92500" lnSpcReduction="20000"/>
-          </a:bodyPr>
-          <a:lstStyle/>
-          <a:p>
-            <a:r>
-              <a:rPr lang="nl-BE" sz="1800" b="1" dirty="0"/>
-              <a:t>March:</a:t>
-            </a:r>
-            <a:endParaRPr lang="nl-BE" sz="1800" dirty="0"/>
-          </a:p>
-          <a:p>
-            <a:pPr lvl="1">
-              <a:buFont typeface="Arial" panose="020B0604020202020204" pitchFamily="34" charset="0"/>
-              <a:buChar char="•"/>
-            </a:pPr>
-            <a:r>
-              <a:rPr lang="nl-BE" sz="1800" dirty="0"/>
-              <a:t>Create stream-lined algorithm and create interface to be able to more easily use it</a:t>
-            </a:r>
-          </a:p>
-          <a:p>
-            <a:pPr lvl="1">
-              <a:buFont typeface="Arial" panose="020B0604020202020204" pitchFamily="34" charset="0"/>
-              <a:buChar char="•"/>
-            </a:pPr>
-            <a:r>
-              <a:rPr lang="nl-BE" sz="1800" dirty="0"/>
-              <a:t>Finish any last experiments that still need to be done</a:t>
-            </a:r>
-          </a:p>
-          <a:p>
-            <a:pPr lvl="1">
-              <a:buFont typeface="Arial" panose="020B0604020202020204" pitchFamily="34" charset="0"/>
-              <a:buChar char="•"/>
-            </a:pPr>
-            <a:r>
-              <a:rPr lang="nl-BE" sz="1800" dirty="0"/>
-              <a:t>Finish and launch survey</a:t>
-            </a:r>
-          </a:p>
-          <a:p>
-            <a:pPr lvl="1">
-              <a:buFont typeface="Arial" panose="020B0604020202020204" pitchFamily="34" charset="0"/>
-              <a:buChar char="•"/>
-            </a:pPr>
-            <a:r>
-              <a:rPr lang="nl-BE" sz="1800" dirty="0"/>
-              <a:t>Prepare Third and final intermediate presentation</a:t>
-            </a:r>
-          </a:p>
-          <a:p>
-            <a:r>
-              <a:rPr lang="nl-BE" sz="1800" b="1" dirty="0"/>
-              <a:t>April:</a:t>
-            </a:r>
-            <a:endParaRPr lang="nl-BE" sz="1800" dirty="0"/>
-          </a:p>
-          <a:p>
-            <a:pPr lvl="1">
-              <a:buFont typeface="Arial" panose="020B0604020202020204" pitchFamily="34" charset="0"/>
-              <a:buChar char="•"/>
-            </a:pPr>
-            <a:r>
-              <a:rPr lang="nl-BE" sz="1800" dirty="0"/>
-              <a:t>Evaluate and process results from survey</a:t>
-            </a:r>
-          </a:p>
-          <a:p>
-            <a:pPr lvl="1">
-              <a:buFont typeface="Arial" panose="020B0604020202020204" pitchFamily="34" charset="0"/>
-              <a:buChar char="•"/>
-            </a:pPr>
-            <a:r>
-              <a:rPr lang="nl-BE" sz="1800" dirty="0"/>
-              <a:t>Finish last experiments</a:t>
-            </a:r>
-          </a:p>
-          <a:p>
-            <a:pPr lvl="1">
-              <a:buFont typeface="Arial" panose="020B0604020202020204" pitchFamily="34" charset="0"/>
-              <a:buChar char="•"/>
-            </a:pPr>
-            <a:r>
-              <a:rPr lang="nl-BE" sz="1800" dirty="0"/>
-              <a:t>Complete final algorithm and clean up code</a:t>
-            </a:r>
-          </a:p>
-          <a:p>
-            <a:pPr lvl="1">
-              <a:buFont typeface="Arial" panose="020B0604020202020204" pitchFamily="34" charset="0"/>
-              <a:buChar char="•"/>
-            </a:pPr>
-            <a:r>
-              <a:rPr lang="nl-BE" sz="1800" dirty="0"/>
-              <a:t>Start writing thesis</a:t>
-            </a:r>
-          </a:p>
-          <a:p>
-            <a:pPr lvl="1">
-              <a:buFont typeface="Arial" panose="020B0604020202020204" pitchFamily="34" charset="0"/>
-              <a:buChar char="•"/>
-            </a:pPr>
-            <a:r>
-              <a:rPr lang="nl-BE" sz="1800" dirty="0"/>
-              <a:t>Make poster about thesis</a:t>
-            </a:r>
-          </a:p>
-          <a:p>
-            <a:r>
-              <a:rPr lang="nl-BE" sz="1800" b="1" dirty="0"/>
-              <a:t>May:</a:t>
-            </a:r>
-            <a:endParaRPr lang="nl-BE" sz="1800" dirty="0"/>
-          </a:p>
-          <a:p>
-            <a:pPr lvl="1">
-              <a:buFont typeface="Arial" panose="020B0604020202020204" pitchFamily="34" charset="0"/>
-              <a:buChar char="•"/>
-            </a:pPr>
-            <a:r>
-              <a:rPr lang="nl-BE" sz="1800" dirty="0"/>
-              <a:t>Full focus on writing and finishing thesis</a:t>
-            </a:r>
-          </a:p>
-        </p:txBody>
-      </p:sp>
-      <p:sp>
-        <p:nvSpPr>
-          <p:cNvPr id="6" name="Titel 5">
-            <a:extLst>
-              <a:ext uri="{FF2B5EF4-FFF2-40B4-BE49-F238E27FC236}">
-                <a16:creationId xmlns:a16="http://schemas.microsoft.com/office/drawing/2014/main" id="{6C21229E-8101-C29D-AE9D-A0A36B5EAEF8}"/>
+                <a16:creationId xmlns:a16="http://schemas.microsoft.com/office/drawing/2014/main" id="{FAD92256-FD76-E108-320D-43A0CEC3B47F}"/>
               </a:ext>
             </a:extLst>
           </p:cNvPr>
@@ -7763,27 +7564,33 @@
             <p:ph type="title"/>
           </p:nvPr>
         </p:nvSpPr>
-        <p:spPr>
-          <a:xfrm>
-            <a:off x="576000" y="162000"/>
-            <a:ext cx="11041200" cy="1152000"/>
-          </a:xfrm>
-        </p:spPr>
+        <p:spPr/>
         <p:txBody>
-          <a:bodyPr/>
+          <a:bodyPr>
+            <a:normAutofit/>
+          </a:bodyPr>
           <a:lstStyle/>
           <a:p>
             <a:r>
+              <a:rPr lang="nl-NL" b="1" dirty="0"/>
+              <a:t>Verder onderzoek: </a:t>
+            </a:r>
+            <a:r>
               <a:rPr lang="nl-NL" dirty="0"/>
-              <a:t>Planning</a:t>
-            </a:r>
+              <a:t>Nieuwe </a:t>
+            </a:r>
+            <a:r>
+              <a:rPr lang="nl-NL" dirty="0" err="1"/>
+              <a:t>constraints</a:t>
+            </a:r>
+            <a:endParaRPr lang="en-US" dirty="0"/>
           </a:p>
         </p:txBody>
       </p:sp>
     </p:spTree>
     <p:extLst>
       <p:ext uri="{BB962C8B-B14F-4D97-AF65-F5344CB8AC3E}">
-        <p14:creationId xmlns:p14="http://schemas.microsoft.com/office/powerpoint/2010/main" val="1808906806"/>
+        <p14:creationId xmlns:p14="http://schemas.microsoft.com/office/powerpoint/2010/main" val="1066308646"/>
       </p:ext>
     </p:extLst>
   </p:cSld>
@@ -7815,7 +7622,7 @@
           <p:cNvPr id="2" name="Tijdelijke aanduiding voor voettekst 1">
             <a:extLst>
               <a:ext uri="{FF2B5EF4-FFF2-40B4-BE49-F238E27FC236}">
-                <a16:creationId xmlns:a16="http://schemas.microsoft.com/office/drawing/2014/main" id="{E3882297-51DD-E893-5831-DD0CB0B999AC}"/>
+                <a16:creationId xmlns:a16="http://schemas.microsoft.com/office/drawing/2014/main" id="{0FF7A986-C092-BFE7-596C-1051E75E8DC4}"/>
               </a:ext>
             </a:extLst>
           </p:cNvPr>
@@ -7835,7 +7642,6 @@
               <a:rPr lang="nl-NL"/>
               <a:t>Computerwetenschappen - DTAI</a:t>
             </a:r>
-            <a:endParaRPr lang="nl-NL" dirty="0"/>
           </a:p>
         </p:txBody>
       </p:sp>
@@ -7844,7 +7650,7 @@
           <p:cNvPr id="3" name="Tijdelijke aanduiding voor dianummer 2">
             <a:extLst>
               <a:ext uri="{FF2B5EF4-FFF2-40B4-BE49-F238E27FC236}">
-                <a16:creationId xmlns:a16="http://schemas.microsoft.com/office/drawing/2014/main" id="{B6FF5EA7-5345-6492-E327-6BE5C8326D2E}"/>
+                <a16:creationId xmlns:a16="http://schemas.microsoft.com/office/drawing/2014/main" id="{3AEAB7DB-BFCA-8E16-331A-DFF48B8F272A}"/>
               </a:ext>
             </a:extLst>
           </p:cNvPr>
@@ -7864,7 +7670,7 @@
               <a:rPr lang="nl-NL" smtClean="0"/>
               <a:t>16</a:t>
             </a:fld>
-            <a:endParaRPr lang="nl-NL" dirty="0"/>
+            <a:endParaRPr lang="nl-NL"/>
           </a:p>
         </p:txBody>
       </p:sp>
@@ -7873,7 +7679,7 @@
           <p:cNvPr id="4" name="Tijdelijke aanduiding voor inhoud 3">
             <a:extLst>
               <a:ext uri="{FF2B5EF4-FFF2-40B4-BE49-F238E27FC236}">
-                <a16:creationId xmlns:a16="http://schemas.microsoft.com/office/drawing/2014/main" id="{D20DB53E-F79E-AB2C-DB57-D315C716FFFD}"/>
+                <a16:creationId xmlns:a16="http://schemas.microsoft.com/office/drawing/2014/main" id="{261B1904-7BC3-9542-2E79-497F5C35544C}"/>
               </a:ext>
             </a:extLst>
           </p:cNvPr>
@@ -7884,147 +7690,268 @@
             <p:ph idx="1"/>
           </p:nvPr>
         </p:nvSpPr>
-        <p:spPr>
-          <a:xfrm>
-            <a:off x="576000" y="1656000"/>
-            <a:ext cx="11241626" cy="4464000"/>
-          </a:xfrm>
-        </p:spPr>
+        <p:spPr/>
         <p:txBody>
           <a:bodyPr>
-            <a:normAutofit/>
+            <a:normAutofit fontScale="92500"/>
           </a:bodyPr>
           <a:lstStyle/>
           <a:p>
-            <a:pPr marL="0" indent="0">
-              <a:buNone/>
+            <a:r>
+              <a:rPr lang="nl-BE" sz="1800" b="1" dirty="0"/>
+              <a:t>January:</a:t>
+            </a:r>
+            <a:endParaRPr lang="nl-BE" sz="1800" dirty="0"/>
+          </a:p>
+          <a:p>
+            <a:pPr lvl="1">
+              <a:buFont typeface="Arial" panose="020B0604020202020204" pitchFamily="34" charset="0"/>
+              <a:buChar char="•"/>
             </a:pPr>
             <a:r>
-              <a:rPr lang="en-US" sz="1600" dirty="0"/>
-              <a:t>[1] Oliveira, H.G. (2020) ‘</a:t>
-            </a:r>
-            <a:r>
-              <a:rPr lang="en-US" sz="1600" dirty="0" err="1"/>
-              <a:t>WeirdAnalogyMatic</a:t>
-            </a:r>
-            <a:r>
-              <a:rPr lang="en-US" sz="1600" dirty="0"/>
-              <a:t>: Experimenting with Analogy for Lyrics Transformation’, in. International Conference on Innovative Computing and Cloud Computing. Available at: https://</a:t>
-            </a:r>
-            <a:r>
-              <a:rPr lang="en-US" sz="1600" dirty="0" err="1"/>
-              <a:t>www.semanticscholar.org</a:t>
-            </a:r>
-            <a:r>
-              <a:rPr lang="en-US" sz="1600" dirty="0"/>
-              <a:t>/paper/WeirdAnalogyMatic%3A-Experimenting-with-Analogy-for-Oliveira/3564ece8bd2b7c57ce005cc91098ebfa766b7bc2 (Accessed: 3 October 2023).</a:t>
-            </a:r>
-          </a:p>
-          <a:p>
-            <a:pPr marL="0" indent="0">
-              <a:buNone/>
+              <a:rPr lang="nl-BE" sz="1800" dirty="0"/>
+              <a:t>Introduction + Literature Review written</a:t>
+            </a:r>
+          </a:p>
+          <a:p>
+            <a:pPr lvl="1">
+              <a:buFont typeface="Arial" panose="020B0604020202020204" pitchFamily="34" charset="0"/>
+              <a:buChar char="•"/>
             </a:pPr>
             <a:r>
-              <a:rPr lang="en-US" sz="1600" dirty="0"/>
-              <a:t>[2] </a:t>
-            </a:r>
-            <a:r>
-              <a:rPr lang="en-US" sz="1600" dirty="0" err="1"/>
-              <a:t>Gatti</a:t>
-            </a:r>
-            <a:r>
-              <a:rPr lang="en-US" sz="1600" dirty="0"/>
-              <a:t>, L. et al. (2017) ‘To Sing like a Mockingbird’, in Proceedings of the 15th Conference of the European Chapter of the           Association for Computational Linguistics: Volume 2, Short Papers. Proceedings of the 15th Conference of the European Chapter of the           Association for Computational Linguistics: Volume 2, Short Papers, Valencia, Spain: Association for Computational Linguistics, pp. 298–304. Available at: https://</a:t>
-            </a:r>
-            <a:r>
-              <a:rPr lang="en-US" sz="1600" dirty="0" err="1"/>
-              <a:t>doi.org</a:t>
-            </a:r>
-            <a:r>
-              <a:rPr lang="en-US" sz="1600" dirty="0"/>
-              <a:t>/10.18653/v1/E17-2048.</a:t>
-            </a:r>
-          </a:p>
-          <a:p>
-            <a:pPr marL="0" indent="0">
-              <a:buNone/>
+              <a:rPr lang="nl-BE" sz="1800" dirty="0"/>
+              <a:t>Test the different Open Source models (also chat vs non-chat verison)</a:t>
+            </a:r>
+          </a:p>
+          <a:p>
+            <a:pPr lvl="1">
+              <a:buFont typeface="Arial" panose="020B0604020202020204" pitchFamily="34" charset="0"/>
+              <a:buChar char="•"/>
             </a:pPr>
             <a:r>
-              <a:rPr lang="en-US" sz="1600" dirty="0"/>
-              <a:t>[3] </a:t>
-            </a:r>
-            <a:r>
-              <a:rPr lang="en-US" sz="1600" dirty="0" err="1"/>
-              <a:t>Riedl</a:t>
-            </a:r>
-            <a:r>
-              <a:rPr lang="en-US" sz="1600" dirty="0"/>
-              <a:t>, M. (2020) ‘Weird AI Yankovic: Generating Parody Lyrics’. </a:t>
-            </a:r>
-            <a:r>
-              <a:rPr lang="en-US" sz="1600" dirty="0" err="1"/>
-              <a:t>arXiv</a:t>
-            </a:r>
-            <a:r>
-              <a:rPr lang="en-US" sz="1600" dirty="0"/>
-              <a:t>. Available at: https://</a:t>
-            </a:r>
-            <a:r>
-              <a:rPr lang="en-US" sz="1600" dirty="0" err="1"/>
-              <a:t>doi.org</a:t>
-            </a:r>
-            <a:r>
-              <a:rPr lang="en-US" sz="1600" dirty="0"/>
-              <a:t>/10.48550/arXiv.2009.12240.</a:t>
-            </a:r>
-          </a:p>
-          <a:p>
-            <a:pPr marL="0" indent="0">
-              <a:buNone/>
+              <a:rPr lang="nl-BE" sz="1800" dirty="0"/>
+              <a:t>Look into mathematical sides of the constraints</a:t>
+            </a:r>
+          </a:p>
+          <a:p>
+            <a:pPr lvl="1">
+              <a:buFont typeface="Arial" panose="020B0604020202020204" pitchFamily="34" charset="0"/>
+              <a:buChar char="•"/>
             </a:pPr>
             <a:r>
-              <a:rPr lang="en-US" sz="1600" dirty="0"/>
-              <a:t>[4] Andersson, D. (2021) ‘AI generated parody lyrics’.</a:t>
-            </a:r>
-          </a:p>
-          <a:p>
-            <a:pPr marL="0" indent="0">
-              <a:buNone/>
+              <a:rPr lang="nl-BE" sz="1800" dirty="0"/>
+              <a:t>Improve syllable constraint</a:t>
+            </a:r>
+          </a:p>
+          <a:p>
+            <a:pPr lvl="1">
+              <a:buFont typeface="Arial" panose="020B0604020202020204" pitchFamily="34" charset="0"/>
+              <a:buChar char="•"/>
             </a:pPr>
             <a:r>
-              <a:rPr lang="en-US" sz="1600" dirty="0"/>
-              <a:t>[5] </a:t>
-            </a:r>
-            <a:r>
-              <a:rPr lang="en-US" sz="1600" dirty="0" err="1"/>
-              <a:t>Xue</a:t>
-            </a:r>
-            <a:r>
-              <a:rPr lang="en-US" sz="1600" dirty="0"/>
-              <a:t>, L. et al. (2021) ‘</a:t>
-            </a:r>
-            <a:r>
-              <a:rPr lang="en-US" sz="1600" dirty="0" err="1"/>
-              <a:t>DeepRapper</a:t>
-            </a:r>
-            <a:r>
-              <a:rPr lang="en-US" sz="1600" dirty="0"/>
-              <a:t>: Neural Rap Generation with Rhyme and Rhythm Modeling’, in Proceedings of the 59th Annual Meeting of the Association for Computational Linguistics and the 11th International Joint Conference on Natural Language Processing (Volume 1: Long Papers). ACL-IJCNLP 2021, Online: Association for Computational Linguistics, pp. 69–81. Available at: https://</a:t>
-            </a:r>
-            <a:r>
-              <a:rPr lang="en-US" sz="1600" dirty="0" err="1"/>
-              <a:t>doi.org</a:t>
-            </a:r>
-            <a:r>
-              <a:rPr lang="en-US" sz="1600" dirty="0"/>
-              <a:t>/10.18653/v1/2021.acl-long.6.</a:t>
-            </a:r>
-          </a:p>
-          <a:p>
-            <a:pPr marL="0" indent="0">
-              <a:buNone/>
+              <a:rPr lang="nl-BE" sz="1800" dirty="0"/>
+              <a:t>Look into Rhyming Constraint</a:t>
+            </a:r>
+          </a:p>
+          <a:p>
+            <a:r>
+              <a:rPr lang="nl-BE" sz="1800" b="1" dirty="0"/>
+              <a:t>February:</a:t>
+            </a:r>
+            <a:endParaRPr lang="nl-BE" sz="1800" dirty="0"/>
+          </a:p>
+          <a:p>
+            <a:pPr lvl="1">
+              <a:buFont typeface="Arial" panose="020B0604020202020204" pitchFamily="34" charset="0"/>
+              <a:buChar char="•"/>
             </a:pPr>
-            <a:endParaRPr lang="en-US" sz="1600" dirty="0"/>
+            <a:r>
+              <a:rPr lang="nl-BE" sz="1800" dirty="0"/>
+              <a:t>Finish Rhyming Constraint</a:t>
+            </a:r>
+          </a:p>
+          <a:p>
+            <a:pPr lvl="1">
+              <a:buFont typeface="Arial" panose="020B0604020202020204" pitchFamily="34" charset="0"/>
+              <a:buChar char="•"/>
+            </a:pPr>
+            <a:r>
+              <a:rPr lang="nl-BE" sz="1800" dirty="0"/>
+              <a:t>Enforce POS-tag</a:t>
+            </a:r>
+          </a:p>
+          <a:p>
+            <a:pPr lvl="1">
+              <a:buFont typeface="Arial" panose="020B0604020202020204" pitchFamily="34" charset="0"/>
+              <a:buChar char="•"/>
+            </a:pPr>
+            <a:r>
+              <a:rPr lang="nl-BE" sz="1800" dirty="0"/>
+              <a:t>Start preparing human survey to test the generated parodies from the different models</a:t>
+            </a:r>
+          </a:p>
+          <a:p>
+            <a:pPr lvl="1">
+              <a:buFont typeface="Arial" panose="020B0604020202020204" pitchFamily="34" charset="0"/>
+              <a:buChar char="•"/>
+            </a:pPr>
+            <a:r>
+              <a:rPr lang="nl-BE" sz="1800" dirty="0"/>
+              <a:t>Train some of the best models with lyrics, parodies and humor text</a:t>
+            </a:r>
+          </a:p>
+          <a:p>
+            <a:pPr lvl="1"/>
+            <a:endParaRPr lang="nl-NL" sz="1800" dirty="0"/>
+          </a:p>
+          <a:p>
+            <a:pPr lvl="1"/>
+            <a:endParaRPr lang="nl-NL" sz="1800" dirty="0"/>
+          </a:p>
+        </p:txBody>
+      </p:sp>
+      <p:sp>
+        <p:nvSpPr>
+          <p:cNvPr id="5" name="Tijdelijke aanduiding voor inhoud 4">
+            <a:extLst>
+              <a:ext uri="{FF2B5EF4-FFF2-40B4-BE49-F238E27FC236}">
+                <a16:creationId xmlns:a16="http://schemas.microsoft.com/office/drawing/2014/main" id="{3A3EA626-5665-AB09-A59C-C86A0175DEDC}"/>
+              </a:ext>
+            </a:extLst>
+          </p:cNvPr>
+          <p:cNvSpPr>
+            <a:spLocks noGrp="1"/>
+          </p:cNvSpPr>
+          <p:nvPr>
+            <p:ph sz="quarter" idx="13"/>
+          </p:nvPr>
+        </p:nvSpPr>
+        <p:spPr/>
+        <p:txBody>
+          <a:bodyPr>
+            <a:normAutofit fontScale="92500" lnSpcReduction="20000"/>
+          </a:bodyPr>
+          <a:lstStyle/>
+          <a:p>
+            <a:r>
+              <a:rPr lang="nl-BE" sz="1800" b="1" dirty="0"/>
+              <a:t>March:</a:t>
+            </a:r>
+            <a:endParaRPr lang="nl-BE" sz="1800" dirty="0"/>
+          </a:p>
+          <a:p>
+            <a:pPr lvl="1">
+              <a:buFont typeface="Arial" panose="020B0604020202020204" pitchFamily="34" charset="0"/>
+              <a:buChar char="•"/>
+            </a:pPr>
+            <a:r>
+              <a:rPr lang="nl-BE" sz="1800" dirty="0"/>
+              <a:t>Create stream-lined algorithm and create interface to be able to more easily use it</a:t>
+            </a:r>
+          </a:p>
+          <a:p>
+            <a:pPr lvl="1">
+              <a:buFont typeface="Arial" panose="020B0604020202020204" pitchFamily="34" charset="0"/>
+              <a:buChar char="•"/>
+            </a:pPr>
+            <a:r>
+              <a:rPr lang="nl-BE" sz="1800" dirty="0"/>
+              <a:t>Finish any last experiments that still need to be done</a:t>
+            </a:r>
+          </a:p>
+          <a:p>
+            <a:pPr lvl="1">
+              <a:buFont typeface="Arial" panose="020B0604020202020204" pitchFamily="34" charset="0"/>
+              <a:buChar char="•"/>
+            </a:pPr>
+            <a:r>
+              <a:rPr lang="nl-BE" sz="1800" dirty="0"/>
+              <a:t>Finish and launch survey</a:t>
+            </a:r>
+          </a:p>
+          <a:p>
+            <a:pPr lvl="1">
+              <a:buFont typeface="Arial" panose="020B0604020202020204" pitchFamily="34" charset="0"/>
+              <a:buChar char="•"/>
+            </a:pPr>
+            <a:r>
+              <a:rPr lang="nl-BE" sz="1800" dirty="0"/>
+              <a:t>Prepare Third and final intermediate presentation</a:t>
+            </a:r>
+          </a:p>
+          <a:p>
+            <a:r>
+              <a:rPr lang="nl-BE" sz="1800" b="1" dirty="0"/>
+              <a:t>April:</a:t>
+            </a:r>
+            <a:endParaRPr lang="nl-BE" sz="1800" dirty="0"/>
+          </a:p>
+          <a:p>
+            <a:pPr lvl="1">
+              <a:buFont typeface="Arial" panose="020B0604020202020204" pitchFamily="34" charset="0"/>
+              <a:buChar char="•"/>
+            </a:pPr>
+            <a:r>
+              <a:rPr lang="nl-BE" sz="1800" dirty="0"/>
+              <a:t>Evaluate and process results from survey</a:t>
+            </a:r>
+          </a:p>
+          <a:p>
+            <a:pPr lvl="1">
+              <a:buFont typeface="Arial" panose="020B0604020202020204" pitchFamily="34" charset="0"/>
+              <a:buChar char="•"/>
+            </a:pPr>
+            <a:r>
+              <a:rPr lang="nl-BE" sz="1800" dirty="0"/>
+              <a:t>Finish last experiments</a:t>
+            </a:r>
+          </a:p>
+          <a:p>
+            <a:pPr lvl="1">
+              <a:buFont typeface="Arial" panose="020B0604020202020204" pitchFamily="34" charset="0"/>
+              <a:buChar char="•"/>
+            </a:pPr>
+            <a:r>
+              <a:rPr lang="nl-BE" sz="1800" dirty="0"/>
+              <a:t>Complete final algorithm and clean up code</a:t>
+            </a:r>
+          </a:p>
+          <a:p>
+            <a:pPr lvl="1">
+              <a:buFont typeface="Arial" panose="020B0604020202020204" pitchFamily="34" charset="0"/>
+              <a:buChar char="•"/>
+            </a:pPr>
+            <a:r>
+              <a:rPr lang="nl-BE" sz="1800" dirty="0"/>
+              <a:t>Start writing thesis</a:t>
+            </a:r>
+          </a:p>
+          <a:p>
+            <a:pPr lvl="1">
+              <a:buFont typeface="Arial" panose="020B0604020202020204" pitchFamily="34" charset="0"/>
+              <a:buChar char="•"/>
+            </a:pPr>
+            <a:r>
+              <a:rPr lang="nl-BE" sz="1800" dirty="0"/>
+              <a:t>Make poster about thesis</a:t>
+            </a:r>
+          </a:p>
+          <a:p>
+            <a:r>
+              <a:rPr lang="nl-BE" sz="1800" b="1" dirty="0"/>
+              <a:t>May:</a:t>
+            </a:r>
+            <a:endParaRPr lang="nl-BE" sz="1800" dirty="0"/>
+          </a:p>
+          <a:p>
+            <a:pPr lvl="1">
+              <a:buFont typeface="Arial" panose="020B0604020202020204" pitchFamily="34" charset="0"/>
+              <a:buChar char="•"/>
+            </a:pPr>
+            <a:r>
+              <a:rPr lang="nl-BE" sz="1800" dirty="0"/>
+              <a:t>Full focus on writing and finishing thesis</a:t>
+            </a:r>
           </a:p>
         </p:txBody>
       </p:sp>
@@ -8033,7 +7960,7 @@
           <p:cNvPr id="6" name="Titel 5">
             <a:extLst>
               <a:ext uri="{FF2B5EF4-FFF2-40B4-BE49-F238E27FC236}">
-                <a16:creationId xmlns:a16="http://schemas.microsoft.com/office/drawing/2014/main" id="{A09BF5BB-4D0A-8193-1577-FCDB3B1CC90F}"/>
+                <a16:creationId xmlns:a16="http://schemas.microsoft.com/office/drawing/2014/main" id="{6C21229E-8101-C29D-AE9D-A0A36B5EAEF8}"/>
               </a:ext>
             </a:extLst>
           </p:cNvPr>
@@ -8055,17 +7982,16 @@
           <a:lstStyle/>
           <a:p>
             <a:r>
-              <a:rPr lang="en-US" dirty="0" err="1"/>
-              <a:t>Referenties</a:t>
-            </a:r>
-            <a:endParaRPr lang="en-US" dirty="0"/>
+              <a:rPr lang="nl-NL" dirty="0"/>
+              <a:t>Planning</a:t>
+            </a:r>
           </a:p>
         </p:txBody>
       </p:sp>
     </p:spTree>
     <p:extLst>
       <p:ext uri="{BB962C8B-B14F-4D97-AF65-F5344CB8AC3E}">
-        <p14:creationId xmlns:p14="http://schemas.microsoft.com/office/powerpoint/2010/main" val="1071946193"/>
+        <p14:creationId xmlns:p14="http://schemas.microsoft.com/office/powerpoint/2010/main" val="1808906806"/>
       </p:ext>
     </p:extLst>
   </p:cSld>
@@ -19327,6 +19253,36 @@
           <a:chExt cx="0" cy="0"/>
         </a:xfrm>
       </p:grpSpPr>
+      <p:pic>
+        <p:nvPicPr>
+          <p:cNvPr id="9" name="Afbeelding 8">
+            <a:extLst>
+              <a:ext uri="{FF2B5EF4-FFF2-40B4-BE49-F238E27FC236}">
+                <a16:creationId xmlns:a16="http://schemas.microsoft.com/office/drawing/2014/main" id="{DE55566C-9B0F-43E5-9A14-A8FAF0801149}"/>
+              </a:ext>
+            </a:extLst>
+          </p:cNvPr>
+          <p:cNvPicPr>
+            <a:picLocks noChangeAspect="1"/>
+          </p:cNvPicPr>
+          <p:nvPr/>
+        </p:nvPicPr>
+        <p:blipFill>
+          <a:blip r:embed="rId2"/>
+          <a:stretch>
+            <a:fillRect/>
+          </a:stretch>
+        </p:blipFill>
+        <p:spPr>
+          <a:xfrm>
+            <a:off x="4207563" y="3500658"/>
+            <a:ext cx="3625976" cy="2709342"/>
+          </a:xfrm>
+          <a:prstGeom prst="rect">
+            <a:avLst/>
+          </a:prstGeom>
+        </p:spPr>
+      </p:pic>
       <p:sp>
         <p:nvSpPr>
           <p:cNvPr id="2" name="Tijdelijke aanduiding voor inhoud 1">
@@ -19592,36 +19548,6 @@
           <p:nvPr/>
         </p:nvPicPr>
         <p:blipFill>
-          <a:blip r:embed="rId2"/>
-          <a:stretch>
-            <a:fillRect/>
-          </a:stretch>
-        </p:blipFill>
-        <p:spPr>
-          <a:xfrm>
-            <a:off x="9574695" y="1359036"/>
-            <a:ext cx="1818860" cy="1818860"/>
-          </a:xfrm>
-          <a:prstGeom prst="rect">
-            <a:avLst/>
-          </a:prstGeom>
-        </p:spPr>
-      </p:pic>
-      <p:pic>
-        <p:nvPicPr>
-          <p:cNvPr id="9" name="Afbeelding 8">
-            <a:extLst>
-              <a:ext uri="{FF2B5EF4-FFF2-40B4-BE49-F238E27FC236}">
-                <a16:creationId xmlns:a16="http://schemas.microsoft.com/office/drawing/2014/main" id="{DE55566C-9B0F-43E5-9A14-A8FAF0801149}"/>
-              </a:ext>
-            </a:extLst>
-          </p:cNvPr>
-          <p:cNvPicPr>
-            <a:picLocks noChangeAspect="1"/>
-          </p:cNvPicPr>
-          <p:nvPr/>
-        </p:nvPicPr>
-        <p:blipFill>
           <a:blip r:embed="rId3"/>
           <a:stretch>
             <a:fillRect/>
@@ -19629,8 +19555,8 @@
         </p:blipFill>
         <p:spPr>
           <a:xfrm>
-            <a:off x="6096000" y="3429000"/>
-            <a:ext cx="3309666" cy="2472994"/>
+            <a:off x="9702271" y="1566000"/>
+            <a:ext cx="1324529" cy="1324529"/>
           </a:xfrm>
           <a:prstGeom prst="rect">
             <a:avLst/>

--- a/Presentations/Second Intermediate Presentation/Presentation.pptx
+++ b/Presentations/Second Intermediate Presentation/Presentation.pptx
@@ -6,10 +6,10 @@
     <p:sldMasterId id="2147483694" r:id="rId2"/>
   </p:sldMasterIdLst>
   <p:notesMasterIdLst>
-    <p:notesMasterId r:id="rId19"/>
+    <p:notesMasterId r:id="rId20"/>
   </p:notesMasterIdLst>
   <p:handoutMasterIdLst>
-    <p:handoutMasterId r:id="rId20"/>
+    <p:handoutMasterId r:id="rId21"/>
   </p:handoutMasterIdLst>
   <p:sldIdLst>
     <p:sldId id="261" r:id="rId3"/>
@@ -28,6 +28,7 @@
     <p:sldId id="277" r:id="rId16"/>
     <p:sldId id="278" r:id="rId17"/>
     <p:sldId id="265" r:id="rId18"/>
+    <p:sldId id="279" r:id="rId19"/>
   </p:sldIdLst>
   <p:sldSz cx="12192000" cy="6858000"/>
   <p:notesSz cx="6858000" cy="9144000"/>
@@ -7992,6 +7993,203 @@
     <p:extLst>
       <p:ext uri="{BB962C8B-B14F-4D97-AF65-F5344CB8AC3E}">
         <p14:creationId xmlns:p14="http://schemas.microsoft.com/office/powerpoint/2010/main" val="1808906806"/>
+      </p:ext>
+    </p:extLst>
+  </p:cSld>
+  <p:clrMapOvr>
+    <a:masterClrMapping/>
+  </p:clrMapOvr>
+</p:sld>
+</file>
+
+<file path=ppt/slides/slide17.xml><?xml version="1.0" encoding="utf-8"?>
+<p:sld xmlns:a="http://schemas.openxmlformats.org/drawingml/2006/main" xmlns:r="http://schemas.openxmlformats.org/officeDocument/2006/relationships" xmlns:p="http://schemas.openxmlformats.org/presentationml/2006/main">
+  <p:cSld>
+    <p:spTree>
+      <p:nvGrpSpPr>
+        <p:cNvPr id="1" name=""/>
+        <p:cNvGrpSpPr/>
+        <p:nvPr/>
+      </p:nvGrpSpPr>
+      <p:grpSpPr>
+        <a:xfrm>
+          <a:off x="0" y="0"/>
+          <a:ext cx="0" cy="0"/>
+          <a:chOff x="0" y="0"/>
+          <a:chExt cx="0" cy="0"/>
+        </a:xfrm>
+      </p:grpSpPr>
+      <p:sp>
+        <p:nvSpPr>
+          <p:cNvPr id="2" name="Tijdelijke aanduiding voor inhoud 1">
+            <a:extLst>
+              <a:ext uri="{FF2B5EF4-FFF2-40B4-BE49-F238E27FC236}">
+                <a16:creationId xmlns:a16="http://schemas.microsoft.com/office/drawing/2014/main" id="{AAB3A07D-172A-E6AF-710E-95980CDBA191}"/>
+              </a:ext>
+            </a:extLst>
+          </p:cNvPr>
+          <p:cNvSpPr>
+            <a:spLocks noGrp="1"/>
+          </p:cNvSpPr>
+          <p:nvPr>
+            <p:ph idx="1"/>
+          </p:nvPr>
+        </p:nvSpPr>
+        <p:spPr/>
+        <p:txBody>
+          <a:bodyPr/>
+          <a:lstStyle/>
+          <a:p>
+            <a:r>
+              <a:rPr lang="nl-NL" dirty="0"/>
+              <a:t>Ongeveer 3 dagen per week met 8 uur per dag (13 weken)</a:t>
+            </a:r>
+          </a:p>
+          <a:p>
+            <a:pPr lvl="1"/>
+            <a:r>
+              <a:rPr lang="nl-NL" dirty="0">
+                <a:sym typeface="Wingdings" pitchFamily="2" charset="2"/>
+              </a:rPr>
+              <a:t>  ± 300 uur </a:t>
+            </a:r>
+          </a:p>
+          <a:p>
+            <a:pPr lvl="1"/>
+            <a:r>
+              <a:rPr lang="nl-NL" dirty="0">
+                <a:sym typeface="Wingdings" pitchFamily="2" charset="2"/>
+              </a:rPr>
+              <a:t>Veel opzoek werk gedaan, leren werken met NLP</a:t>
+            </a:r>
+          </a:p>
+          <a:p>
+            <a:pPr lvl="1"/>
+            <a:r>
+              <a:rPr lang="nl-NL" dirty="0">
+                <a:sym typeface="Wingdings" pitchFamily="2" charset="2"/>
+              </a:rPr>
+              <a:t>Niet altijd efficiënt  veel tijd verloren met grote modellen</a:t>
+            </a:r>
+          </a:p>
+          <a:p>
+            <a:pPr lvl="1"/>
+            <a:r>
+              <a:rPr lang="nl-NL" dirty="0">
+                <a:sym typeface="Wingdings" pitchFamily="2" charset="2"/>
+              </a:rPr>
+              <a:t>In januari nog veel tijd eraan werken</a:t>
+            </a:r>
+          </a:p>
+          <a:p>
+            <a:r>
+              <a:rPr lang="nl-NL" dirty="0">
+                <a:sym typeface="Wingdings" pitchFamily="2" charset="2"/>
+              </a:rPr>
+              <a:t>Ideaal punt: 17/20</a:t>
+            </a:r>
+          </a:p>
+          <a:p>
+            <a:pPr lvl="1"/>
+            <a:r>
+              <a:rPr lang="nl-NL" dirty="0">
+                <a:sym typeface="Wingdings" pitchFamily="2" charset="2"/>
+              </a:rPr>
+              <a:t>Extra inzet voor nodig</a:t>
+            </a:r>
+          </a:p>
+        </p:txBody>
+      </p:sp>
+      <p:sp>
+        <p:nvSpPr>
+          <p:cNvPr id="3" name="Tijdelijke aanduiding voor voettekst 2">
+            <a:extLst>
+              <a:ext uri="{FF2B5EF4-FFF2-40B4-BE49-F238E27FC236}">
+                <a16:creationId xmlns:a16="http://schemas.microsoft.com/office/drawing/2014/main" id="{9169F040-64D5-36D2-3ECE-EB8BF23F177C}"/>
+              </a:ext>
+            </a:extLst>
+          </p:cNvPr>
+          <p:cNvSpPr>
+            <a:spLocks noGrp="1"/>
+          </p:cNvSpPr>
+          <p:nvPr>
+            <p:ph type="ftr" sz="quarter" idx="11"/>
+          </p:nvPr>
+        </p:nvSpPr>
+        <p:spPr/>
+        <p:txBody>
+          <a:bodyPr/>
+          <a:lstStyle/>
+          <a:p>
+            <a:r>
+              <a:rPr lang="nl-NL"/>
+              <a:t>Computerwetenschappen - DTAI</a:t>
+            </a:r>
+            <a:endParaRPr lang="nl-NL" dirty="0"/>
+          </a:p>
+        </p:txBody>
+      </p:sp>
+      <p:sp>
+        <p:nvSpPr>
+          <p:cNvPr id="4" name="Tijdelijke aanduiding voor dianummer 3">
+            <a:extLst>
+              <a:ext uri="{FF2B5EF4-FFF2-40B4-BE49-F238E27FC236}">
+                <a16:creationId xmlns:a16="http://schemas.microsoft.com/office/drawing/2014/main" id="{5A6C9FB7-D0ED-901B-04FA-F1A7EAB705FF}"/>
+              </a:ext>
+            </a:extLst>
+          </p:cNvPr>
+          <p:cNvSpPr>
+            <a:spLocks noGrp="1"/>
+          </p:cNvSpPr>
+          <p:nvPr>
+            <p:ph type="sldNum" sz="quarter" idx="12"/>
+          </p:nvPr>
+        </p:nvSpPr>
+        <p:spPr/>
+        <p:txBody>
+          <a:bodyPr/>
+          <a:lstStyle/>
+          <a:p>
+            <a:fld id="{0A297500-7527-634B-90F4-69D0994C32B4}" type="slidenum">
+              <a:rPr lang="nl-NL" smtClean="0"/>
+              <a:t>17</a:t>
+            </a:fld>
+            <a:endParaRPr lang="nl-NL" dirty="0"/>
+          </a:p>
+        </p:txBody>
+      </p:sp>
+      <p:sp>
+        <p:nvSpPr>
+          <p:cNvPr id="5" name="Titel 4">
+            <a:extLst>
+              <a:ext uri="{FF2B5EF4-FFF2-40B4-BE49-F238E27FC236}">
+                <a16:creationId xmlns:a16="http://schemas.microsoft.com/office/drawing/2014/main" id="{881803BF-9888-55CB-A696-406A4E778E62}"/>
+              </a:ext>
+            </a:extLst>
+          </p:cNvPr>
+          <p:cNvSpPr>
+            <a:spLocks noGrp="1"/>
+          </p:cNvSpPr>
+          <p:nvPr>
+            <p:ph type="title"/>
+          </p:nvPr>
+        </p:nvSpPr>
+        <p:spPr/>
+        <p:txBody>
+          <a:bodyPr/>
+          <a:lstStyle/>
+          <a:p>
+            <a:r>
+              <a:rPr lang="nl-NL" dirty="0"/>
+              <a:t>Uren gewerkt &amp; verwacht punt</a:t>
+            </a:r>
+          </a:p>
+        </p:txBody>
+      </p:sp>
+    </p:spTree>
+    <p:extLst>
+      <p:ext uri="{BB962C8B-B14F-4D97-AF65-F5344CB8AC3E}">
+        <p14:creationId xmlns:p14="http://schemas.microsoft.com/office/powerpoint/2010/main" val="2292468818"/>
       </p:ext>
     </p:extLst>
   </p:cSld>

--- a/Presentations/Second Intermediate Presentation/Presentation.pptx
+++ b/Presentations/Second Intermediate Presentation/Presentation.pptx
@@ -5197,8 +5197,20 @@
           <a:p>
             <a:pPr lvl="1"/>
             <a:r>
+              <a:rPr lang="nl-NL" dirty="0" err="1"/>
+              <a:t>Beam’s</a:t>
+            </a:r>
+            <a:r>
               <a:rPr lang="nl-NL" dirty="0"/>
-              <a:t>Beam score aangepast:</a:t>
+              <a:t> log </a:t>
+            </a:r>
+            <a:r>
+              <a:rPr lang="nl-NL" dirty="0" err="1"/>
+              <a:t>prob</a:t>
+            </a:r>
+            <a:r>
+              <a:rPr lang="nl-NL" dirty="0"/>
+              <a:t> som aangepast:</a:t>
             </a:r>
           </a:p>
           <a:p>
@@ -5219,7 +5231,7 @@
               <a:rPr lang="nl-NL" dirty="0">
                 <a:sym typeface="Wingdings" pitchFamily="2" charset="2"/>
               </a:rPr>
-              <a:t> score/10</a:t>
+              <a:t> som/10</a:t>
             </a:r>
           </a:p>
           <a:p>
@@ -5240,7 +5252,7 @@
               <a:rPr lang="nl-NL" dirty="0">
                 <a:sym typeface="Wingdings" pitchFamily="2" charset="2"/>
               </a:rPr>
-              <a:t> &gt; het gevraagde  score*10</a:t>
+              <a:t> &gt; het gevraagde  som*10</a:t>
             </a:r>
           </a:p>
           <a:p>
@@ -6257,7 +6269,7 @@
               <a:rPr lang="nl-NL" dirty="0">
                 <a:sym typeface="Wingdings" pitchFamily="2" charset="2"/>
               </a:rPr>
-              <a:t> &gt; het gevraagde  score + score*0.1</a:t>
+              <a:t> &gt; het gevraagde  som*1.1</a:t>
             </a:r>
           </a:p>
           <a:p>
@@ -7433,7 +7445,7 @@
           <a:p>
             <a:r>
               <a:rPr lang="nl-NL" dirty="0"/>
-              <a:t>Half(Rijmen)</a:t>
+              <a:t>(Half)Rijmen</a:t>
             </a:r>
           </a:p>
           <a:p>
@@ -7694,7 +7706,7 @@
         <p:spPr/>
         <p:txBody>
           <a:bodyPr>
-            <a:normAutofit fontScale="92500"/>
+            <a:normAutofit fontScale="92500" lnSpcReduction="10000"/>
           </a:bodyPr>
           <a:lstStyle/>
           <a:p>
@@ -7721,7 +7733,15 @@
             </a:pPr>
             <a:r>
               <a:rPr lang="nl-BE" sz="1800" dirty="0"/>
-              <a:t>Test the different Open Source models (also chat vs non-chat verison)</a:t>
+              <a:t>Test the </a:t>
+            </a:r>
+            <a:r>
+              <a:rPr lang="nl-BE" sz="1800" b="1" dirty="0"/>
+              <a:t>different Open Source models</a:t>
+            </a:r>
+            <a:r>
+              <a:rPr lang="nl-BE" sz="1800" dirty="0"/>
+              <a:t> (also chat vs non-chat verison)</a:t>
             </a:r>
           </a:p>
           <a:p>
@@ -7731,7 +7751,15 @@
             </a:pPr>
             <a:r>
               <a:rPr lang="nl-BE" sz="1800" dirty="0"/>
-              <a:t>Look into mathematical sides of the constraints</a:t>
+              <a:t>Look into </a:t>
+            </a:r>
+            <a:r>
+              <a:rPr lang="nl-BE" sz="1800" b="1" dirty="0"/>
+              <a:t>mathematical sides </a:t>
+            </a:r>
+            <a:r>
+              <a:rPr lang="nl-BE" sz="1800" dirty="0"/>
+              <a:t>of the constraints</a:t>
             </a:r>
           </a:p>
           <a:p>
@@ -7741,7 +7769,11 @@
             </a:pPr>
             <a:r>
               <a:rPr lang="nl-BE" sz="1800" dirty="0"/>
-              <a:t>Improve syllable constraint</a:t>
+              <a:t>Improve </a:t>
+            </a:r>
+            <a:r>
+              <a:rPr lang="nl-BE" sz="1800" b="1" dirty="0"/>
+              <a:t>syllable constraint</a:t>
             </a:r>
           </a:p>
           <a:p>
@@ -7751,7 +7783,11 @@
             </a:pPr>
             <a:r>
               <a:rPr lang="nl-BE" sz="1800" dirty="0"/>
-              <a:t>Look into Rhyming Constraint</a:t>
+              <a:t>Look into </a:t>
+            </a:r>
+            <a:r>
+              <a:rPr lang="nl-BE" sz="1800" b="1" dirty="0"/>
+              <a:t>Rhyming Constraint</a:t>
             </a:r>
           </a:p>
           <a:p>
@@ -7778,7 +7814,11 @@
             </a:pPr>
             <a:r>
               <a:rPr lang="nl-BE" sz="1800" dirty="0"/>
-              <a:t>Enforce POS-tag</a:t>
+              <a:t>Enforce </a:t>
+            </a:r>
+            <a:r>
+              <a:rPr lang="nl-BE" sz="1800" b="1" dirty="0"/>
+              <a:t>POS-tag</a:t>
             </a:r>
           </a:p>
           <a:p>
@@ -7788,7 +7828,15 @@
             </a:pPr>
             <a:r>
               <a:rPr lang="nl-BE" sz="1800" dirty="0"/>
-              <a:t>Start preparing human survey to test the generated parodies from the different models</a:t>
+              <a:t>Start preparing </a:t>
+            </a:r>
+            <a:r>
+              <a:rPr lang="nl-BE" sz="1800" b="1" dirty="0"/>
+              <a:t>human survey </a:t>
+            </a:r>
+            <a:r>
+              <a:rPr lang="nl-BE" sz="1800" dirty="0"/>
+              <a:t>to test the generated parodies from the different models</a:t>
             </a:r>
           </a:p>
           <a:p>
@@ -7797,8 +7845,12 @@
               <a:buChar char="•"/>
             </a:pPr>
             <a:r>
+              <a:rPr lang="nl-BE" sz="1800" b="1" dirty="0"/>
+              <a:t>Train</a:t>
+            </a:r>
+            <a:r>
               <a:rPr lang="nl-BE" sz="1800" dirty="0"/>
-              <a:t>Train some of the best models with lyrics, parodies and humor text</a:t>
+              <a:t> some of the best models with lyrics, parodies and humor text</a:t>
             </a:r>
           </a:p>
           <a:p>
@@ -7847,7 +7899,15 @@
             </a:pPr>
             <a:r>
               <a:rPr lang="nl-BE" sz="1800" dirty="0"/>
-              <a:t>Create stream-lined algorithm and create interface to be able to more easily use it</a:t>
+              <a:t>Create </a:t>
+            </a:r>
+            <a:r>
+              <a:rPr lang="nl-BE" sz="1800" b="1" dirty="0"/>
+              <a:t>stream-lined algorithm </a:t>
+            </a:r>
+            <a:r>
+              <a:rPr lang="nl-BE" sz="1800" dirty="0"/>
+              <a:t>and create interface to be able to more easily use it</a:t>
             </a:r>
           </a:p>
           <a:p>
@@ -7924,7 +7984,11 @@
             </a:pPr>
             <a:r>
               <a:rPr lang="nl-BE" sz="1800" dirty="0"/>
-              <a:t>Start writing thesis</a:t>
+              <a:t>Start </a:t>
+            </a:r>
+            <a:r>
+              <a:rPr lang="nl-BE" sz="1800" b="1" dirty="0"/>
+              <a:t>writing thesis</a:t>
             </a:r>
           </a:p>
           <a:p>
@@ -8255,10 +8319,19 @@
                 <a:solidFill>
                   <a:srgbClr val="EB5757"/>
                 </a:solidFill>
+                <a:latin typeface="SFMono-Regular"/>
+              </a:rPr>
+              <a:t>Prompt</a:t>
+            </a:r>
+            <a:r>
+              <a:rPr lang="nl-BE" dirty="0">
+                <a:solidFill>
+                  <a:srgbClr val="EB5757"/>
+                </a:solidFill>
                 <a:effectLst/>
                 <a:latin typeface="SFMono-Regular"/>
               </a:rPr>
-              <a:t>Q: Write a haiku about how crazy pineapple on a pizza</a:t>
+              <a:t>: Write a haiku about how crazy pineapple on a pizza</a:t>
             </a:r>
             <a:br>
               <a:rPr lang="nl-BE" b="1" dirty="0">
@@ -8347,10 +8420,19 @@
                 <a:solidFill>
                   <a:srgbClr val="EB5757"/>
                 </a:solidFill>
+                <a:latin typeface="SFMono-Regular"/>
+              </a:rPr>
+              <a:t>Prompt</a:t>
+            </a:r>
+            <a:r>
+              <a:rPr lang="nl-BE" dirty="0">
+                <a:solidFill>
+                  <a:srgbClr val="EB5757"/>
+                </a:solidFill>
                 <a:effectLst/>
                 <a:latin typeface="SFMono-Regular"/>
               </a:rPr>
-              <a:t>Q: Write a haiku about how crazy pineapple on a pizza</a:t>
+              <a:t>: Write a haiku about how crazy pineapple on a pizza</a:t>
             </a:r>
             <a:br>
               <a:rPr lang="nl-BE" dirty="0">
@@ -8538,7 +8620,7 @@
         </p:blipFill>
         <p:spPr>
           <a:xfrm>
-            <a:off x="8530200" y="2937726"/>
+            <a:off x="9351726" y="2649492"/>
             <a:ext cx="2264274" cy="2264274"/>
           </a:xfrm>
           <a:prstGeom prst="rect">
@@ -8609,10 +8691,19 @@
                 <a:solidFill>
                   <a:srgbClr val="EB5757"/>
                 </a:solidFill>
+                <a:latin typeface="SFMono-Regular"/>
+              </a:rPr>
+              <a:t>Prompt</a:t>
+            </a:r>
+            <a:r>
+              <a:rPr lang="nl-BE" dirty="0">
+                <a:solidFill>
+                  <a:srgbClr val="EB5757"/>
+                </a:solidFill>
                 <a:effectLst/>
                 <a:latin typeface="SFMono-Regular"/>
               </a:rPr>
-              <a:t>Q: Write a haiku about how crazy pineapple on a pizza</a:t>
+              <a:t>: Write a haiku about how crazy pineapple on a pizza</a:t>
             </a:r>
             <a:br>
               <a:rPr lang="nl-BE" b="1" dirty="0">
@@ -9190,14 +9281,14 @@
             <p:ph idx="1"/>
             <p:extLst>
               <p:ext uri="{D42A27DB-BD31-4B8C-83A1-F6EECF244321}">
-                <p14:modId xmlns:p14="http://schemas.microsoft.com/office/powerpoint/2010/main" val="1777014596"/>
+                <p14:modId xmlns:p14="http://schemas.microsoft.com/office/powerpoint/2010/main" val="1861234666"/>
               </p:ext>
             </p:extLst>
           </p:nvPr>
         </p:nvGraphicFramePr>
         <p:xfrm>
-          <a:off x="643467" y="1228019"/>
-          <a:ext cx="10905073" cy="4512112"/>
+          <a:off x="344967" y="1237958"/>
+          <a:ext cx="11502066" cy="4815374"/>
         </p:xfrm>
         <a:graphic>
           <a:graphicData uri="http://schemas.openxmlformats.org/drawingml/2006/table">
@@ -9211,94 +9302,101 @@
                 </a:solidFill>
               </a:tblPr>
               <a:tblGrid>
-                <a:gridCol w="2395873">
+                <a:gridCol w="2357299">
                   <a:extLst>
                     <a:ext uri="{9D8B030D-6E8A-4147-A177-3AD203B41FA5}">
                       <a16:colId xmlns:a16="http://schemas.microsoft.com/office/drawing/2014/main" val="2622925843"/>
                     </a:ext>
                   </a:extLst>
                 </a:gridCol>
-                <a:gridCol w="742714">
+                <a:gridCol w="730756">
                   <a:extLst>
                     <a:ext uri="{9D8B030D-6E8A-4147-A177-3AD203B41FA5}">
                       <a16:colId xmlns:a16="http://schemas.microsoft.com/office/drawing/2014/main" val="2839354106"/>
                     </a:ext>
                   </a:extLst>
                 </a:gridCol>
-                <a:gridCol w="776153">
+                <a:gridCol w="763657">
                   <a:extLst>
                     <a:ext uri="{9D8B030D-6E8A-4147-A177-3AD203B41FA5}">
                       <a16:colId xmlns:a16="http://schemas.microsoft.com/office/drawing/2014/main" val="3509908558"/>
                     </a:ext>
                   </a:extLst>
                 </a:gridCol>
-                <a:gridCol w="742714">
+                <a:gridCol w="730756">
                   <a:extLst>
                     <a:ext uri="{9D8B030D-6E8A-4147-A177-3AD203B41FA5}">
                       <a16:colId xmlns:a16="http://schemas.microsoft.com/office/drawing/2014/main" val="3481310987"/>
                     </a:ext>
                   </a:extLst>
                 </a:gridCol>
-                <a:gridCol w="697779">
+                <a:gridCol w="686544">
                   <a:extLst>
                     <a:ext uri="{9D8B030D-6E8A-4147-A177-3AD203B41FA5}">
                       <a16:colId xmlns:a16="http://schemas.microsoft.com/office/drawing/2014/main" val="747086526"/>
                     </a:ext>
                   </a:extLst>
                 </a:gridCol>
-                <a:gridCol w="697779">
+                <a:gridCol w="686544">
                   <a:extLst>
                     <a:ext uri="{9D8B030D-6E8A-4147-A177-3AD203B41FA5}">
                       <a16:colId xmlns:a16="http://schemas.microsoft.com/office/drawing/2014/main" val="856468281"/>
                     </a:ext>
                   </a:extLst>
                 </a:gridCol>
-                <a:gridCol w="742714">
+                <a:gridCol w="730756">
                   <a:extLst>
                     <a:ext uri="{9D8B030D-6E8A-4147-A177-3AD203B41FA5}">
                       <a16:colId xmlns:a16="http://schemas.microsoft.com/office/drawing/2014/main" val="2914805114"/>
                     </a:ext>
                   </a:extLst>
                 </a:gridCol>
-                <a:gridCol w="944395">
+                <a:gridCol w="1019832">
                   <a:extLst>
                     <a:ext uri="{9D8B030D-6E8A-4147-A177-3AD203B41FA5}">
                       <a16:colId xmlns:a16="http://schemas.microsoft.com/office/drawing/2014/main" val="2725807150"/>
                     </a:ext>
                   </a:extLst>
                 </a:gridCol>
-                <a:gridCol w="478333">
+                <a:gridCol w="442808">
                   <a:extLst>
                     <a:ext uri="{9D8B030D-6E8A-4147-A177-3AD203B41FA5}">
                       <a16:colId xmlns:a16="http://schemas.microsoft.com/office/drawing/2014/main" val="3738434139"/>
                     </a:ext>
                   </a:extLst>
                 </a:gridCol>
-                <a:gridCol w="477288">
+                <a:gridCol w="462066">
                   <a:extLst>
                     <a:ext uri="{9D8B030D-6E8A-4147-A177-3AD203B41FA5}">
                       <a16:colId xmlns:a16="http://schemas.microsoft.com/office/drawing/2014/main" val="2312464603"/>
                     </a:ext>
                   </a:extLst>
                 </a:gridCol>
-                <a:gridCol w="814817">
+                <a:gridCol w="803593">
                   <a:extLst>
                     <a:ext uri="{9D8B030D-6E8A-4147-A177-3AD203B41FA5}">
                       <a16:colId xmlns:a16="http://schemas.microsoft.com/office/drawing/2014/main" val="3249098314"/>
                     </a:ext>
                   </a:extLst>
                 </a:gridCol>
-                <a:gridCol w="710319">
+                <a:gridCol w="703144">
                   <a:extLst>
                     <a:ext uri="{9D8B030D-6E8A-4147-A177-3AD203B41FA5}">
                       <a16:colId xmlns:a16="http://schemas.microsoft.com/office/drawing/2014/main" val="2864430658"/>
                     </a:ext>
                   </a:extLst>
                 </a:gridCol>
-                <a:gridCol w="684195">
+                <a:gridCol w="652921">
                   <a:extLst>
                     <a:ext uri="{9D8B030D-6E8A-4147-A177-3AD203B41FA5}">
                       <a16:colId xmlns:a16="http://schemas.microsoft.com/office/drawing/2014/main" val="3171427851"/>
+                    </a:ext>
+                  </a:extLst>
+                </a:gridCol>
+                <a:gridCol w="731390">
+                  <a:extLst>
+                    <a:ext uri="{9D8B030D-6E8A-4147-A177-3AD203B41FA5}">
+                      <a16:colId xmlns:a16="http://schemas.microsoft.com/office/drawing/2014/main" val="633544157"/>
                     </a:ext>
                   </a:extLst>
                 </a:gridCol>
@@ -9990,9 +10088,17 @@
                       </a:solidFill>
                       <a:prstDash val="solid"/>
                     </a:lnL>
-                    <a:lnR w="38100" cap="flat" cmpd="sng" algn="ctr">
-                      <a:noFill/>
-                      <a:prstDash val="solid"/>
+                    <a:lnR w="6350" cap="flat" cmpd="sng" algn="ctr">
+                      <a:solidFill>
+                        <a:schemeClr val="tx1">
+                          <a:lumMod val="50000"/>
+                          <a:lumOff val="50000"/>
+                        </a:schemeClr>
+                      </a:solidFill>
+                      <a:prstDash val="solid"/>
+                      <a:round/>
+                      <a:headEnd type="none" w="med" len="med"/>
+                      <a:tailEnd type="none" w="med" len="med"/>
                     </a:lnR>
                     <a:lnT w="38100" cap="flat" cmpd="sng" algn="ctr">
                       <a:noFill/>
@@ -10006,6 +10112,59 @@
                         </a:schemeClr>
                       </a:solidFill>
                       <a:prstDash val="solid"/>
+                    </a:lnB>
+                    <a:solidFill>
+                      <a:schemeClr val="tx1">
+                        <a:lumMod val="75000"/>
+                        <a:lumOff val="25000"/>
+                      </a:schemeClr>
+                    </a:solidFill>
+                  </a:tcPr>
+                </a:tc>
+                <a:tc>
+                  <a:txBody>
+                    <a:bodyPr/>
+                    <a:lstStyle/>
+                    <a:p>
+                      <a:r>
+                        <a:rPr lang="nl-BE" sz="900" b="1" cap="none" spc="0" dirty="0">
+                          <a:solidFill>
+                            <a:schemeClr val="bg1"/>
+                          </a:solidFill>
+                        </a:rPr>
+                        <a:t>Generieke aanpak</a:t>
+                      </a:r>
+                    </a:p>
+                  </a:txBody>
+                  <a:tcPr marL="78248" marR="10098" marT="60191" marB="60191" anchor="ctr">
+                    <a:lnL w="6350" cap="flat" cmpd="sng" algn="ctr">
+                      <a:solidFill>
+                        <a:schemeClr val="tx1">
+                          <a:lumMod val="50000"/>
+                          <a:lumOff val="50000"/>
+                        </a:schemeClr>
+                      </a:solidFill>
+                      <a:prstDash val="solid"/>
+                    </a:lnL>
+                    <a:lnR w="38100" cap="flat" cmpd="sng" algn="ctr">
+                      <a:noFill/>
+                      <a:prstDash val="solid"/>
+                    </a:lnR>
+                    <a:lnT w="38100" cap="flat" cmpd="sng" algn="ctr">
+                      <a:noFill/>
+                      <a:prstDash val="solid"/>
+                    </a:lnT>
+                    <a:lnB w="6350" cap="flat" cmpd="sng" algn="ctr">
+                      <a:solidFill>
+                        <a:schemeClr val="tx1">
+                          <a:lumMod val="50000"/>
+                          <a:lumOff val="50000"/>
+                        </a:schemeClr>
+                      </a:solidFill>
+                      <a:prstDash val="solid"/>
+                      <a:round/>
+                      <a:headEnd type="none" w="med" len="med"/>
+                      <a:tailEnd type="none" w="med" len="med"/>
                     </a:lnB>
                     <a:solidFill>
                       <a:schemeClr val="tx1">
@@ -10785,6 +10944,66 @@
                       </a:solidFill>
                       <a:prstDash val="solid"/>
                     </a:lnL>
+                    <a:lnR w="6350" cap="flat" cmpd="sng" algn="ctr">
+                      <a:solidFill>
+                        <a:schemeClr val="tx1">
+                          <a:lumMod val="50000"/>
+                          <a:lumOff val="50000"/>
+                        </a:schemeClr>
+                      </a:solidFill>
+                      <a:prstDash val="solid"/>
+                      <a:round/>
+                      <a:headEnd type="none" w="med" len="med"/>
+                      <a:tailEnd type="none" w="med" len="med"/>
+                    </a:lnR>
+                    <a:lnT w="6350" cap="flat" cmpd="sng" algn="ctr">
+                      <a:solidFill>
+                        <a:schemeClr val="tx1">
+                          <a:lumMod val="50000"/>
+                          <a:lumOff val="50000"/>
+                        </a:schemeClr>
+                      </a:solidFill>
+                      <a:prstDash val="solid"/>
+                    </a:lnT>
+                    <a:lnB w="6350" cap="flat" cmpd="sng" algn="ctr">
+                      <a:solidFill>
+                        <a:schemeClr val="tx1">
+                          <a:lumMod val="50000"/>
+                          <a:lumOff val="50000"/>
+                        </a:schemeClr>
+                      </a:solidFill>
+                      <a:prstDash val="solid"/>
+                    </a:lnB>
+                    <a:solidFill>
+                      <a:schemeClr val="tx1">
+                        <a:lumMod val="75000"/>
+                        <a:lumOff val="25000"/>
+                      </a:schemeClr>
+                    </a:solidFill>
+                  </a:tcPr>
+                </a:tc>
+                <a:tc>
+                  <a:txBody>
+                    <a:bodyPr/>
+                    <a:lstStyle/>
+                    <a:p>
+                      <a:endParaRPr lang="nl-BE" sz="1200" cap="none" spc="0" dirty="0">
+                        <a:solidFill>
+                          <a:schemeClr val="bg1"/>
+                        </a:solidFill>
+                      </a:endParaRPr>
+                    </a:p>
+                  </a:txBody>
+                  <a:tcPr marL="78248" marR="10098" marT="60191" marB="60191" anchor="ctr">
+                    <a:lnL w="6350" cap="flat" cmpd="sng" algn="ctr">
+                      <a:solidFill>
+                        <a:schemeClr val="tx1">
+                          <a:lumMod val="50000"/>
+                          <a:lumOff val="50000"/>
+                        </a:schemeClr>
+                      </a:solidFill>
+                      <a:prstDash val="solid"/>
+                    </a:lnL>
                     <a:lnR w="38100" cap="flat" cmpd="sng" algn="ctr">
                       <a:noFill/>
                       <a:prstDash val="solid"/>
@@ -10797,6 +11016,9 @@
                         </a:schemeClr>
                       </a:solidFill>
                       <a:prstDash val="solid"/>
+                      <a:round/>
+                      <a:headEnd type="none" w="med" len="med"/>
+                      <a:tailEnd type="none" w="med" len="med"/>
                     </a:lnT>
                     <a:lnB w="6350" cap="flat" cmpd="sng" algn="ctr">
                       <a:solidFill>
@@ -10806,6 +11028,9 @@
                         </a:schemeClr>
                       </a:solidFill>
                       <a:prstDash val="solid"/>
+                      <a:round/>
+                      <a:headEnd type="none" w="med" len="med"/>
+                      <a:tailEnd type="none" w="med" len="med"/>
                     </a:lnB>
                     <a:solidFill>
                       <a:schemeClr val="tx1">
@@ -11568,6 +11793,66 @@
                       </a:solidFill>
                       <a:prstDash val="solid"/>
                     </a:lnL>
+                    <a:lnR w="6350" cap="flat" cmpd="sng" algn="ctr">
+                      <a:solidFill>
+                        <a:schemeClr val="tx1">
+                          <a:lumMod val="50000"/>
+                          <a:lumOff val="50000"/>
+                        </a:schemeClr>
+                      </a:solidFill>
+                      <a:prstDash val="solid"/>
+                      <a:round/>
+                      <a:headEnd type="none" w="med" len="med"/>
+                      <a:tailEnd type="none" w="med" len="med"/>
+                    </a:lnR>
+                    <a:lnT w="6350" cap="flat" cmpd="sng" algn="ctr">
+                      <a:solidFill>
+                        <a:schemeClr val="tx1">
+                          <a:lumMod val="50000"/>
+                          <a:lumOff val="50000"/>
+                        </a:schemeClr>
+                      </a:solidFill>
+                      <a:prstDash val="solid"/>
+                    </a:lnT>
+                    <a:lnB w="6350" cap="flat" cmpd="sng" algn="ctr">
+                      <a:solidFill>
+                        <a:schemeClr val="tx1">
+                          <a:lumMod val="50000"/>
+                          <a:lumOff val="50000"/>
+                        </a:schemeClr>
+                      </a:solidFill>
+                      <a:prstDash val="solid"/>
+                    </a:lnB>
+                    <a:solidFill>
+                      <a:schemeClr val="tx1">
+                        <a:lumMod val="75000"/>
+                        <a:lumOff val="25000"/>
+                      </a:schemeClr>
+                    </a:solidFill>
+                  </a:tcPr>
+                </a:tc>
+                <a:tc>
+                  <a:txBody>
+                    <a:bodyPr/>
+                    <a:lstStyle/>
+                    <a:p>
+                      <a:endParaRPr lang="nl-BE" sz="1200" cap="none" spc="0" dirty="0">
+                        <a:solidFill>
+                          <a:schemeClr val="bg1"/>
+                        </a:solidFill>
+                      </a:endParaRPr>
+                    </a:p>
+                  </a:txBody>
+                  <a:tcPr marL="78248" marR="10098" marT="60191" marB="60191" anchor="ctr">
+                    <a:lnL w="6350" cap="flat" cmpd="sng" algn="ctr">
+                      <a:solidFill>
+                        <a:schemeClr val="tx1">
+                          <a:lumMod val="50000"/>
+                          <a:lumOff val="50000"/>
+                        </a:schemeClr>
+                      </a:solidFill>
+                      <a:prstDash val="solid"/>
+                    </a:lnL>
                     <a:lnR w="38100" cap="flat" cmpd="sng" algn="ctr">
                       <a:noFill/>
                       <a:prstDash val="solid"/>
@@ -11580,6 +11865,9 @@
                         </a:schemeClr>
                       </a:solidFill>
                       <a:prstDash val="solid"/>
+                      <a:round/>
+                      <a:headEnd type="none" w="med" len="med"/>
+                      <a:tailEnd type="none" w="med" len="med"/>
                     </a:lnT>
                     <a:lnB w="6350" cap="flat" cmpd="sng" algn="ctr">
                       <a:solidFill>
@@ -11589,6 +11877,9 @@
                         </a:schemeClr>
                       </a:solidFill>
                       <a:prstDash val="solid"/>
+                      <a:round/>
+                      <a:headEnd type="none" w="med" len="med"/>
+                      <a:tailEnd type="none" w="med" len="med"/>
                     </a:lnB>
                     <a:solidFill>
                       <a:schemeClr val="tx1">
@@ -12342,6 +12633,66 @@
                       </a:solidFill>
                       <a:prstDash val="solid"/>
                     </a:lnL>
+                    <a:lnR w="6350" cap="flat" cmpd="sng" algn="ctr">
+                      <a:solidFill>
+                        <a:schemeClr val="tx1">
+                          <a:lumMod val="50000"/>
+                          <a:lumOff val="50000"/>
+                        </a:schemeClr>
+                      </a:solidFill>
+                      <a:prstDash val="solid"/>
+                      <a:round/>
+                      <a:headEnd type="none" w="med" len="med"/>
+                      <a:tailEnd type="none" w="med" len="med"/>
+                    </a:lnR>
+                    <a:lnT w="6350" cap="flat" cmpd="sng" algn="ctr">
+                      <a:solidFill>
+                        <a:schemeClr val="tx1">
+                          <a:lumMod val="50000"/>
+                          <a:lumOff val="50000"/>
+                        </a:schemeClr>
+                      </a:solidFill>
+                      <a:prstDash val="solid"/>
+                    </a:lnT>
+                    <a:lnB w="6350" cap="flat" cmpd="sng" algn="ctr">
+                      <a:solidFill>
+                        <a:schemeClr val="tx1">
+                          <a:lumMod val="50000"/>
+                          <a:lumOff val="50000"/>
+                        </a:schemeClr>
+                      </a:solidFill>
+                      <a:prstDash val="solid"/>
+                    </a:lnB>
+                    <a:solidFill>
+                      <a:schemeClr val="tx1">
+                        <a:lumMod val="75000"/>
+                        <a:lumOff val="25000"/>
+                      </a:schemeClr>
+                    </a:solidFill>
+                  </a:tcPr>
+                </a:tc>
+                <a:tc>
+                  <a:txBody>
+                    <a:bodyPr/>
+                    <a:lstStyle/>
+                    <a:p>
+                      <a:endParaRPr lang="nl-BE" sz="1200" cap="none" spc="0" dirty="0">
+                        <a:solidFill>
+                          <a:schemeClr val="bg1"/>
+                        </a:solidFill>
+                      </a:endParaRPr>
+                    </a:p>
+                  </a:txBody>
+                  <a:tcPr marL="78248" marR="10098" marT="60191" marB="60191" anchor="ctr">
+                    <a:lnL w="6350" cap="flat" cmpd="sng" algn="ctr">
+                      <a:solidFill>
+                        <a:schemeClr val="tx1">
+                          <a:lumMod val="50000"/>
+                          <a:lumOff val="50000"/>
+                        </a:schemeClr>
+                      </a:solidFill>
+                      <a:prstDash val="solid"/>
+                    </a:lnL>
                     <a:lnR w="38100" cap="flat" cmpd="sng" algn="ctr">
                       <a:noFill/>
                       <a:prstDash val="solid"/>
@@ -12354,6 +12705,9 @@
                         </a:schemeClr>
                       </a:solidFill>
                       <a:prstDash val="solid"/>
+                      <a:round/>
+                      <a:headEnd type="none" w="med" len="med"/>
+                      <a:tailEnd type="none" w="med" len="med"/>
                     </a:lnT>
                     <a:lnB w="6350" cap="flat" cmpd="sng" algn="ctr">
                       <a:solidFill>
@@ -12363,6 +12717,9 @@
                         </a:schemeClr>
                       </a:solidFill>
                       <a:prstDash val="solid"/>
+                      <a:round/>
+                      <a:headEnd type="none" w="med" len="med"/>
+                      <a:tailEnd type="none" w="med" len="med"/>
                     </a:lnB>
                     <a:solidFill>
                       <a:schemeClr val="tx1">
@@ -13119,6 +13476,66 @@
                       </a:solidFill>
                       <a:prstDash val="solid"/>
                     </a:lnL>
+                    <a:lnR w="6350" cap="flat" cmpd="sng" algn="ctr">
+                      <a:solidFill>
+                        <a:schemeClr val="tx1">
+                          <a:lumMod val="50000"/>
+                          <a:lumOff val="50000"/>
+                        </a:schemeClr>
+                      </a:solidFill>
+                      <a:prstDash val="solid"/>
+                      <a:round/>
+                      <a:headEnd type="none" w="med" len="med"/>
+                      <a:tailEnd type="none" w="med" len="med"/>
+                    </a:lnR>
+                    <a:lnT w="6350" cap="flat" cmpd="sng" algn="ctr">
+                      <a:solidFill>
+                        <a:schemeClr val="tx1">
+                          <a:lumMod val="50000"/>
+                          <a:lumOff val="50000"/>
+                        </a:schemeClr>
+                      </a:solidFill>
+                      <a:prstDash val="solid"/>
+                    </a:lnT>
+                    <a:lnB w="6350" cap="flat" cmpd="sng" algn="ctr">
+                      <a:solidFill>
+                        <a:schemeClr val="tx1">
+                          <a:lumMod val="50000"/>
+                          <a:lumOff val="50000"/>
+                        </a:schemeClr>
+                      </a:solidFill>
+                      <a:prstDash val="solid"/>
+                    </a:lnB>
+                    <a:solidFill>
+                      <a:schemeClr val="tx1">
+                        <a:lumMod val="75000"/>
+                        <a:lumOff val="25000"/>
+                      </a:schemeClr>
+                    </a:solidFill>
+                  </a:tcPr>
+                </a:tc>
+                <a:tc>
+                  <a:txBody>
+                    <a:bodyPr/>
+                    <a:lstStyle/>
+                    <a:p>
+                      <a:endParaRPr lang="nl-BE" sz="1200" cap="none" spc="0" dirty="0">
+                        <a:solidFill>
+                          <a:schemeClr val="bg1"/>
+                        </a:solidFill>
+                      </a:endParaRPr>
+                    </a:p>
+                  </a:txBody>
+                  <a:tcPr marL="78248" marR="10098" marT="60191" marB="60191" anchor="ctr">
+                    <a:lnL w="6350" cap="flat" cmpd="sng" algn="ctr">
+                      <a:solidFill>
+                        <a:schemeClr val="tx1">
+                          <a:lumMod val="50000"/>
+                          <a:lumOff val="50000"/>
+                        </a:schemeClr>
+                      </a:solidFill>
+                      <a:prstDash val="solid"/>
+                    </a:lnL>
                     <a:lnR w="38100" cap="flat" cmpd="sng" algn="ctr">
                       <a:noFill/>
                       <a:prstDash val="solid"/>
@@ -13131,6 +13548,9 @@
                         </a:schemeClr>
                       </a:solidFill>
                       <a:prstDash val="solid"/>
+                      <a:round/>
+                      <a:headEnd type="none" w="med" len="med"/>
+                      <a:tailEnd type="none" w="med" len="med"/>
                     </a:lnT>
                     <a:lnB w="6350" cap="flat" cmpd="sng" algn="ctr">
                       <a:solidFill>
@@ -13140,6 +13560,9 @@
                         </a:schemeClr>
                       </a:solidFill>
                       <a:prstDash val="solid"/>
+                      <a:round/>
+                      <a:headEnd type="none" w="med" len="med"/>
+                      <a:tailEnd type="none" w="med" len="med"/>
                     </a:lnB>
                     <a:solidFill>
                       <a:schemeClr val="tx1">
@@ -13893,6 +14316,66 @@
                       </a:solidFill>
                       <a:prstDash val="solid"/>
                     </a:lnL>
+                    <a:lnR w="6350" cap="flat" cmpd="sng" algn="ctr">
+                      <a:solidFill>
+                        <a:schemeClr val="tx1">
+                          <a:lumMod val="50000"/>
+                          <a:lumOff val="50000"/>
+                        </a:schemeClr>
+                      </a:solidFill>
+                      <a:prstDash val="solid"/>
+                      <a:round/>
+                      <a:headEnd type="none" w="med" len="med"/>
+                      <a:tailEnd type="none" w="med" len="med"/>
+                    </a:lnR>
+                    <a:lnT w="6350" cap="flat" cmpd="sng" algn="ctr">
+                      <a:solidFill>
+                        <a:schemeClr val="tx1">
+                          <a:lumMod val="50000"/>
+                          <a:lumOff val="50000"/>
+                        </a:schemeClr>
+                      </a:solidFill>
+                      <a:prstDash val="solid"/>
+                    </a:lnT>
+                    <a:lnB w="6350" cap="flat" cmpd="sng" algn="ctr">
+                      <a:solidFill>
+                        <a:schemeClr val="tx1">
+                          <a:lumMod val="50000"/>
+                          <a:lumOff val="50000"/>
+                        </a:schemeClr>
+                      </a:solidFill>
+                      <a:prstDash val="solid"/>
+                    </a:lnB>
+                    <a:solidFill>
+                      <a:schemeClr val="tx1">
+                        <a:lumMod val="75000"/>
+                        <a:lumOff val="25000"/>
+                      </a:schemeClr>
+                    </a:solidFill>
+                  </a:tcPr>
+                </a:tc>
+                <a:tc>
+                  <a:txBody>
+                    <a:bodyPr/>
+                    <a:lstStyle/>
+                    <a:p>
+                      <a:endParaRPr lang="nl-BE" sz="1200" cap="none" spc="0" dirty="0">
+                        <a:solidFill>
+                          <a:schemeClr val="bg1"/>
+                        </a:solidFill>
+                      </a:endParaRPr>
+                    </a:p>
+                  </a:txBody>
+                  <a:tcPr marL="78248" marR="10098" marT="60191" marB="60191" anchor="ctr">
+                    <a:lnL w="6350" cap="flat" cmpd="sng" algn="ctr">
+                      <a:solidFill>
+                        <a:schemeClr val="tx1">
+                          <a:lumMod val="50000"/>
+                          <a:lumOff val="50000"/>
+                        </a:schemeClr>
+                      </a:solidFill>
+                      <a:prstDash val="solid"/>
+                    </a:lnL>
                     <a:lnR w="38100" cap="flat" cmpd="sng" algn="ctr">
                       <a:noFill/>
                       <a:prstDash val="solid"/>
@@ -13905,6 +14388,9 @@
                         </a:schemeClr>
                       </a:solidFill>
                       <a:prstDash val="solid"/>
+                      <a:round/>
+                      <a:headEnd type="none" w="med" len="med"/>
+                      <a:tailEnd type="none" w="med" len="med"/>
                     </a:lnT>
                     <a:lnB w="6350" cap="flat" cmpd="sng" algn="ctr">
                       <a:solidFill>
@@ -13914,6 +14400,9 @@
                         </a:schemeClr>
                       </a:solidFill>
                       <a:prstDash val="solid"/>
+                      <a:round/>
+                      <a:headEnd type="none" w="med" len="med"/>
+                      <a:tailEnd type="none" w="med" len="med"/>
                     </a:lnB>
                     <a:solidFill>
                       <a:schemeClr val="tx1">
@@ -14670,6 +15159,66 @@
                       </a:solidFill>
                       <a:prstDash val="solid"/>
                     </a:lnL>
+                    <a:lnR w="6350" cap="flat" cmpd="sng" algn="ctr">
+                      <a:solidFill>
+                        <a:schemeClr val="tx1">
+                          <a:lumMod val="50000"/>
+                          <a:lumOff val="50000"/>
+                        </a:schemeClr>
+                      </a:solidFill>
+                      <a:prstDash val="solid"/>
+                      <a:round/>
+                      <a:headEnd type="none" w="med" len="med"/>
+                      <a:tailEnd type="none" w="med" len="med"/>
+                    </a:lnR>
+                    <a:lnT w="6350" cap="flat" cmpd="sng" algn="ctr">
+                      <a:solidFill>
+                        <a:schemeClr val="tx1">
+                          <a:lumMod val="50000"/>
+                          <a:lumOff val="50000"/>
+                        </a:schemeClr>
+                      </a:solidFill>
+                      <a:prstDash val="solid"/>
+                    </a:lnT>
+                    <a:lnB w="6350" cap="flat" cmpd="sng" algn="ctr">
+                      <a:solidFill>
+                        <a:schemeClr val="tx1">
+                          <a:lumMod val="50000"/>
+                          <a:lumOff val="50000"/>
+                        </a:schemeClr>
+                      </a:solidFill>
+                      <a:prstDash val="solid"/>
+                    </a:lnB>
+                    <a:solidFill>
+                      <a:schemeClr val="tx1">
+                        <a:lumMod val="75000"/>
+                        <a:lumOff val="25000"/>
+                      </a:schemeClr>
+                    </a:solidFill>
+                  </a:tcPr>
+                </a:tc>
+                <a:tc>
+                  <a:txBody>
+                    <a:bodyPr/>
+                    <a:lstStyle/>
+                    <a:p>
+                      <a:endParaRPr lang="nl-BE" sz="1200" cap="none" spc="0" dirty="0">
+                        <a:solidFill>
+                          <a:schemeClr val="bg1"/>
+                        </a:solidFill>
+                      </a:endParaRPr>
+                    </a:p>
+                  </a:txBody>
+                  <a:tcPr marL="78248" marR="10098" marT="60191" marB="60191" anchor="ctr">
+                    <a:lnL w="6350" cap="flat" cmpd="sng" algn="ctr">
+                      <a:solidFill>
+                        <a:schemeClr val="tx1">
+                          <a:lumMod val="50000"/>
+                          <a:lumOff val="50000"/>
+                        </a:schemeClr>
+                      </a:solidFill>
+                      <a:prstDash val="solid"/>
+                    </a:lnL>
                     <a:lnR w="38100" cap="flat" cmpd="sng" algn="ctr">
                       <a:noFill/>
                       <a:prstDash val="solid"/>
@@ -14682,6 +15231,9 @@
                         </a:schemeClr>
                       </a:solidFill>
                       <a:prstDash val="solid"/>
+                      <a:round/>
+                      <a:headEnd type="none" w="med" len="med"/>
+                      <a:tailEnd type="none" w="med" len="med"/>
                     </a:lnT>
                     <a:lnB w="6350" cap="flat" cmpd="sng" algn="ctr">
                       <a:solidFill>
@@ -14691,6 +15243,9 @@
                         </a:schemeClr>
                       </a:solidFill>
                       <a:prstDash val="solid"/>
+                      <a:round/>
+                      <a:headEnd type="none" w="med" len="med"/>
+                      <a:tailEnd type="none" w="med" len="med"/>
                     </a:lnB>
                     <a:solidFill>
                       <a:schemeClr val="tx1">
@@ -15447,6 +16002,66 @@
                       </a:solidFill>
                       <a:prstDash val="solid"/>
                     </a:lnL>
+                    <a:lnR w="6350" cap="flat" cmpd="sng" algn="ctr">
+                      <a:solidFill>
+                        <a:schemeClr val="tx1">
+                          <a:lumMod val="50000"/>
+                          <a:lumOff val="50000"/>
+                        </a:schemeClr>
+                      </a:solidFill>
+                      <a:prstDash val="solid"/>
+                      <a:round/>
+                      <a:headEnd type="none" w="med" len="med"/>
+                      <a:tailEnd type="none" w="med" len="med"/>
+                    </a:lnR>
+                    <a:lnT w="6350" cap="flat" cmpd="sng" algn="ctr">
+                      <a:solidFill>
+                        <a:schemeClr val="tx1">
+                          <a:lumMod val="50000"/>
+                          <a:lumOff val="50000"/>
+                        </a:schemeClr>
+                      </a:solidFill>
+                      <a:prstDash val="solid"/>
+                    </a:lnT>
+                    <a:lnB w="6350" cap="flat" cmpd="sng" algn="ctr">
+                      <a:solidFill>
+                        <a:schemeClr val="tx1">
+                          <a:lumMod val="50000"/>
+                          <a:lumOff val="50000"/>
+                        </a:schemeClr>
+                      </a:solidFill>
+                      <a:prstDash val="solid"/>
+                    </a:lnB>
+                    <a:solidFill>
+                      <a:schemeClr val="tx1">
+                        <a:lumMod val="75000"/>
+                        <a:lumOff val="25000"/>
+                      </a:schemeClr>
+                    </a:solidFill>
+                  </a:tcPr>
+                </a:tc>
+                <a:tc>
+                  <a:txBody>
+                    <a:bodyPr/>
+                    <a:lstStyle/>
+                    <a:p>
+                      <a:endParaRPr lang="nl-BE" sz="1200" cap="none" spc="0" dirty="0">
+                        <a:solidFill>
+                          <a:schemeClr val="bg1"/>
+                        </a:solidFill>
+                      </a:endParaRPr>
+                    </a:p>
+                  </a:txBody>
+                  <a:tcPr marL="78248" marR="10098" marT="60191" marB="60191" anchor="ctr">
+                    <a:lnL w="6350" cap="flat" cmpd="sng" algn="ctr">
+                      <a:solidFill>
+                        <a:schemeClr val="tx1">
+                          <a:lumMod val="50000"/>
+                          <a:lumOff val="50000"/>
+                        </a:schemeClr>
+                      </a:solidFill>
+                      <a:prstDash val="solid"/>
+                    </a:lnL>
                     <a:lnR w="38100" cap="flat" cmpd="sng" algn="ctr">
                       <a:noFill/>
                       <a:prstDash val="solid"/>
@@ -15459,6 +16074,9 @@
                         </a:schemeClr>
                       </a:solidFill>
                       <a:prstDash val="solid"/>
+                      <a:round/>
+                      <a:headEnd type="none" w="med" len="med"/>
+                      <a:tailEnd type="none" w="med" len="med"/>
                     </a:lnT>
                     <a:lnB w="6350" cap="flat" cmpd="sng" algn="ctr">
                       <a:solidFill>
@@ -15468,6 +16086,9 @@
                         </a:schemeClr>
                       </a:solidFill>
                       <a:prstDash val="solid"/>
+                      <a:round/>
+                      <a:headEnd type="none" w="med" len="med"/>
+                      <a:tailEnd type="none" w="med" len="med"/>
                     </a:lnB>
                     <a:solidFill>
                       <a:schemeClr val="tx1">
@@ -16224,6 +16845,66 @@
                       </a:solidFill>
                       <a:prstDash val="solid"/>
                     </a:lnL>
+                    <a:lnR w="6350" cap="flat" cmpd="sng" algn="ctr">
+                      <a:solidFill>
+                        <a:schemeClr val="tx1">
+                          <a:lumMod val="50000"/>
+                          <a:lumOff val="50000"/>
+                        </a:schemeClr>
+                      </a:solidFill>
+                      <a:prstDash val="solid"/>
+                      <a:round/>
+                      <a:headEnd type="none" w="med" len="med"/>
+                      <a:tailEnd type="none" w="med" len="med"/>
+                    </a:lnR>
+                    <a:lnT w="6350" cap="flat" cmpd="sng" algn="ctr">
+                      <a:solidFill>
+                        <a:schemeClr val="tx1">
+                          <a:lumMod val="50000"/>
+                          <a:lumOff val="50000"/>
+                        </a:schemeClr>
+                      </a:solidFill>
+                      <a:prstDash val="solid"/>
+                    </a:lnT>
+                    <a:lnB w="6350" cap="flat" cmpd="sng" algn="ctr">
+                      <a:solidFill>
+                        <a:schemeClr val="tx1">
+                          <a:lumMod val="50000"/>
+                          <a:lumOff val="50000"/>
+                        </a:schemeClr>
+                      </a:solidFill>
+                      <a:prstDash val="solid"/>
+                    </a:lnB>
+                    <a:solidFill>
+                      <a:schemeClr val="tx1">
+                        <a:lumMod val="75000"/>
+                        <a:lumOff val="25000"/>
+                      </a:schemeClr>
+                    </a:solidFill>
+                  </a:tcPr>
+                </a:tc>
+                <a:tc>
+                  <a:txBody>
+                    <a:bodyPr/>
+                    <a:lstStyle/>
+                    <a:p>
+                      <a:endParaRPr lang="nl-BE" sz="1200" cap="none" spc="0" dirty="0">
+                        <a:solidFill>
+                          <a:schemeClr val="bg1"/>
+                        </a:solidFill>
+                      </a:endParaRPr>
+                    </a:p>
+                  </a:txBody>
+                  <a:tcPr marL="78248" marR="10098" marT="60191" marB="60191" anchor="ctr">
+                    <a:lnL w="6350" cap="flat" cmpd="sng" algn="ctr">
+                      <a:solidFill>
+                        <a:schemeClr val="tx1">
+                          <a:lumMod val="50000"/>
+                          <a:lumOff val="50000"/>
+                        </a:schemeClr>
+                      </a:solidFill>
+                      <a:prstDash val="solid"/>
+                    </a:lnL>
                     <a:lnR w="38100" cap="flat" cmpd="sng" algn="ctr">
                       <a:noFill/>
                       <a:prstDash val="solid"/>
@@ -16236,6 +16917,9 @@
                         </a:schemeClr>
                       </a:solidFill>
                       <a:prstDash val="solid"/>
+                      <a:round/>
+                      <a:headEnd type="none" w="med" len="med"/>
+                      <a:tailEnd type="none" w="med" len="med"/>
                     </a:lnT>
                     <a:lnB w="6350" cap="flat" cmpd="sng" algn="ctr">
                       <a:solidFill>
@@ -16245,6 +16929,9 @@
                         </a:schemeClr>
                       </a:solidFill>
                       <a:prstDash val="solid"/>
+                      <a:round/>
+                      <a:headEnd type="none" w="med" len="med"/>
+                      <a:tailEnd type="none" w="med" len="med"/>
                     </a:lnB>
                     <a:solidFill>
                       <a:schemeClr val="tx1">
@@ -17001,6 +17688,66 @@
                       </a:solidFill>
                       <a:prstDash val="solid"/>
                     </a:lnL>
+                    <a:lnR w="6350" cap="flat" cmpd="sng" algn="ctr">
+                      <a:solidFill>
+                        <a:schemeClr val="tx1">
+                          <a:lumMod val="50000"/>
+                          <a:lumOff val="50000"/>
+                        </a:schemeClr>
+                      </a:solidFill>
+                      <a:prstDash val="solid"/>
+                      <a:round/>
+                      <a:headEnd type="none" w="med" len="med"/>
+                      <a:tailEnd type="none" w="med" len="med"/>
+                    </a:lnR>
+                    <a:lnT w="6350" cap="flat" cmpd="sng" algn="ctr">
+                      <a:solidFill>
+                        <a:schemeClr val="tx1">
+                          <a:lumMod val="50000"/>
+                          <a:lumOff val="50000"/>
+                        </a:schemeClr>
+                      </a:solidFill>
+                      <a:prstDash val="solid"/>
+                    </a:lnT>
+                    <a:lnB w="6350" cap="flat" cmpd="sng" algn="ctr">
+                      <a:solidFill>
+                        <a:schemeClr val="tx1">
+                          <a:lumMod val="50000"/>
+                          <a:lumOff val="50000"/>
+                        </a:schemeClr>
+                      </a:solidFill>
+                      <a:prstDash val="solid"/>
+                    </a:lnB>
+                    <a:solidFill>
+                      <a:schemeClr val="tx1">
+                        <a:lumMod val="75000"/>
+                        <a:lumOff val="25000"/>
+                      </a:schemeClr>
+                    </a:solidFill>
+                  </a:tcPr>
+                </a:tc>
+                <a:tc>
+                  <a:txBody>
+                    <a:bodyPr/>
+                    <a:lstStyle/>
+                    <a:p>
+                      <a:endParaRPr lang="nl-BE" sz="1200" cap="none" spc="0" dirty="0">
+                        <a:solidFill>
+                          <a:schemeClr val="bg1"/>
+                        </a:solidFill>
+                      </a:endParaRPr>
+                    </a:p>
+                  </a:txBody>
+                  <a:tcPr marL="78248" marR="10098" marT="60191" marB="60191" anchor="ctr">
+                    <a:lnL w="6350" cap="flat" cmpd="sng" algn="ctr">
+                      <a:solidFill>
+                        <a:schemeClr val="tx1">
+                          <a:lumMod val="50000"/>
+                          <a:lumOff val="50000"/>
+                        </a:schemeClr>
+                      </a:solidFill>
+                      <a:prstDash val="solid"/>
+                    </a:lnL>
                     <a:lnR w="38100" cap="flat" cmpd="sng" algn="ctr">
                       <a:noFill/>
                       <a:prstDash val="solid"/>
@@ -17013,6 +17760,9 @@
                         </a:schemeClr>
                       </a:solidFill>
                       <a:prstDash val="solid"/>
+                      <a:round/>
+                      <a:headEnd type="none" w="med" len="med"/>
+                      <a:tailEnd type="none" w="med" len="med"/>
                     </a:lnT>
                     <a:lnB w="6350" cap="flat" cmpd="sng" algn="ctr">
                       <a:solidFill>
@@ -17022,6 +17772,9 @@
                         </a:schemeClr>
                       </a:solidFill>
                       <a:prstDash val="solid"/>
+                      <a:round/>
+                      <a:headEnd type="none" w="med" len="med"/>
+                      <a:tailEnd type="none" w="med" len="med"/>
                     </a:lnB>
                     <a:solidFill>
                       <a:schemeClr val="tx1">
@@ -17778,6 +18531,66 @@
                       </a:solidFill>
                       <a:prstDash val="solid"/>
                     </a:lnL>
+                    <a:lnR w="6350" cap="flat" cmpd="sng" algn="ctr">
+                      <a:solidFill>
+                        <a:schemeClr val="tx1">
+                          <a:lumMod val="50000"/>
+                          <a:lumOff val="50000"/>
+                        </a:schemeClr>
+                      </a:solidFill>
+                      <a:prstDash val="solid"/>
+                      <a:round/>
+                      <a:headEnd type="none" w="med" len="med"/>
+                      <a:tailEnd type="none" w="med" len="med"/>
+                    </a:lnR>
+                    <a:lnT w="6350" cap="flat" cmpd="sng" algn="ctr">
+                      <a:solidFill>
+                        <a:schemeClr val="tx1">
+                          <a:lumMod val="50000"/>
+                          <a:lumOff val="50000"/>
+                        </a:schemeClr>
+                      </a:solidFill>
+                      <a:prstDash val="solid"/>
+                    </a:lnT>
+                    <a:lnB w="6350" cap="flat" cmpd="sng" algn="ctr">
+                      <a:solidFill>
+                        <a:schemeClr val="tx1">
+                          <a:lumMod val="50000"/>
+                          <a:lumOff val="50000"/>
+                        </a:schemeClr>
+                      </a:solidFill>
+                      <a:prstDash val="solid"/>
+                    </a:lnB>
+                    <a:solidFill>
+                      <a:schemeClr val="tx1">
+                        <a:lumMod val="75000"/>
+                        <a:lumOff val="25000"/>
+                      </a:schemeClr>
+                    </a:solidFill>
+                  </a:tcPr>
+                </a:tc>
+                <a:tc>
+                  <a:txBody>
+                    <a:bodyPr/>
+                    <a:lstStyle/>
+                    <a:p>
+                      <a:endParaRPr lang="nl-BE" sz="1200" cap="none" spc="0" dirty="0">
+                        <a:solidFill>
+                          <a:schemeClr val="bg1"/>
+                        </a:solidFill>
+                      </a:endParaRPr>
+                    </a:p>
+                  </a:txBody>
+                  <a:tcPr marL="78248" marR="10098" marT="60191" marB="60191" anchor="ctr">
+                    <a:lnL w="6350" cap="flat" cmpd="sng" algn="ctr">
+                      <a:solidFill>
+                        <a:schemeClr val="tx1">
+                          <a:lumMod val="50000"/>
+                          <a:lumOff val="50000"/>
+                        </a:schemeClr>
+                      </a:solidFill>
+                      <a:prstDash val="solid"/>
+                    </a:lnL>
                     <a:lnR w="38100" cap="flat" cmpd="sng" algn="ctr">
                       <a:noFill/>
                       <a:prstDash val="solid"/>
@@ -17790,6 +18603,9 @@
                         </a:schemeClr>
                       </a:solidFill>
                       <a:prstDash val="solid"/>
+                      <a:round/>
+                      <a:headEnd type="none" w="med" len="med"/>
+                      <a:tailEnd type="none" w="med" len="med"/>
                     </a:lnT>
                     <a:lnB w="6350" cap="flat" cmpd="sng" algn="ctr">
                       <a:solidFill>
@@ -17799,6 +18615,9 @@
                         </a:schemeClr>
                       </a:solidFill>
                       <a:prstDash val="solid"/>
+                      <a:round/>
+                      <a:headEnd type="none" w="med" len="med"/>
+                      <a:tailEnd type="none" w="med" len="med"/>
                     </a:lnB>
                     <a:solidFill>
                       <a:schemeClr val="tx1">
@@ -17853,9 +18672,17 @@
                       </a:solidFill>
                       <a:prstDash val="solid"/>
                     </a:lnT>
-                    <a:lnB w="38100" cap="flat" cmpd="sng" algn="ctr">
-                      <a:noFill/>
-                      <a:prstDash val="solid"/>
+                    <a:lnB w="6350" cap="flat" cmpd="sng" algn="ctr">
+                      <a:solidFill>
+                        <a:schemeClr val="tx1">
+                          <a:lumMod val="50000"/>
+                          <a:lumOff val="50000"/>
+                        </a:schemeClr>
+                      </a:solidFill>
+                      <a:prstDash val="solid"/>
+                      <a:round/>
+                      <a:headEnd type="none" w="med" len="med"/>
+                      <a:tailEnd type="none" w="med" len="med"/>
                     </a:lnB>
                     <a:solidFill>
                       <a:schemeClr val="tx1">
@@ -17908,9 +18735,17 @@
                       </a:solidFill>
                       <a:prstDash val="solid"/>
                     </a:lnT>
-                    <a:lnB w="38100" cap="flat" cmpd="sng" algn="ctr">
-                      <a:noFill/>
-                      <a:prstDash val="solid"/>
+                    <a:lnB w="6350" cap="flat" cmpd="sng" algn="ctr">
+                      <a:solidFill>
+                        <a:schemeClr val="tx1">
+                          <a:lumMod val="50000"/>
+                          <a:lumOff val="50000"/>
+                        </a:schemeClr>
+                      </a:solidFill>
+                      <a:prstDash val="solid"/>
+                      <a:round/>
+                      <a:headEnd type="none" w="med" len="med"/>
+                      <a:tailEnd type="none" w="med" len="med"/>
                     </a:lnB>
                     <a:solidFill>
                       <a:schemeClr val="tx1">
@@ -17963,9 +18798,17 @@
                       </a:solidFill>
                       <a:prstDash val="solid"/>
                     </a:lnT>
-                    <a:lnB w="38100" cap="flat" cmpd="sng" algn="ctr">
-                      <a:noFill/>
-                      <a:prstDash val="solid"/>
+                    <a:lnB w="6350" cap="flat" cmpd="sng" algn="ctr">
+                      <a:solidFill>
+                        <a:schemeClr val="tx1">
+                          <a:lumMod val="50000"/>
+                          <a:lumOff val="50000"/>
+                        </a:schemeClr>
+                      </a:solidFill>
+                      <a:prstDash val="solid"/>
+                      <a:round/>
+                      <a:headEnd type="none" w="med" len="med"/>
+                      <a:tailEnd type="none" w="med" len="med"/>
                     </a:lnB>
                     <a:solidFill>
                       <a:schemeClr val="tx1">
@@ -18018,9 +18861,17 @@
                       </a:solidFill>
                       <a:prstDash val="solid"/>
                     </a:lnT>
-                    <a:lnB w="38100" cap="flat" cmpd="sng" algn="ctr">
-                      <a:noFill/>
-                      <a:prstDash val="solid"/>
+                    <a:lnB w="6350" cap="flat" cmpd="sng" algn="ctr">
+                      <a:solidFill>
+                        <a:schemeClr val="tx1">
+                          <a:lumMod val="50000"/>
+                          <a:lumOff val="50000"/>
+                        </a:schemeClr>
+                      </a:solidFill>
+                      <a:prstDash val="solid"/>
+                      <a:round/>
+                      <a:headEnd type="none" w="med" len="med"/>
+                      <a:tailEnd type="none" w="med" len="med"/>
                     </a:lnB>
                     <a:solidFill>
                       <a:schemeClr val="tx1">
@@ -18073,9 +18924,17 @@
                       </a:solidFill>
                       <a:prstDash val="solid"/>
                     </a:lnT>
-                    <a:lnB w="38100" cap="flat" cmpd="sng" algn="ctr">
-                      <a:noFill/>
-                      <a:prstDash val="solid"/>
+                    <a:lnB w="6350" cap="flat" cmpd="sng" algn="ctr">
+                      <a:solidFill>
+                        <a:schemeClr val="tx1">
+                          <a:lumMod val="50000"/>
+                          <a:lumOff val="50000"/>
+                        </a:schemeClr>
+                      </a:solidFill>
+                      <a:prstDash val="solid"/>
+                      <a:round/>
+                      <a:headEnd type="none" w="med" len="med"/>
+                      <a:tailEnd type="none" w="med" len="med"/>
                     </a:lnB>
                     <a:solidFill>
                       <a:schemeClr val="tx1">
@@ -18128,9 +18987,17 @@
                       </a:solidFill>
                       <a:prstDash val="solid"/>
                     </a:lnT>
-                    <a:lnB w="38100" cap="flat" cmpd="sng" algn="ctr">
-                      <a:noFill/>
-                      <a:prstDash val="solid"/>
+                    <a:lnB w="6350" cap="flat" cmpd="sng" algn="ctr">
+                      <a:solidFill>
+                        <a:schemeClr val="tx1">
+                          <a:lumMod val="50000"/>
+                          <a:lumOff val="50000"/>
+                        </a:schemeClr>
+                      </a:solidFill>
+                      <a:prstDash val="solid"/>
+                      <a:round/>
+                      <a:headEnd type="none" w="med" len="med"/>
+                      <a:tailEnd type="none" w="med" len="med"/>
                     </a:lnB>
                     <a:solidFill>
                       <a:schemeClr val="tx1">
@@ -18183,9 +19050,17 @@
                       </a:solidFill>
                       <a:prstDash val="solid"/>
                     </a:lnT>
-                    <a:lnB w="38100" cap="flat" cmpd="sng" algn="ctr">
-                      <a:noFill/>
-                      <a:prstDash val="solid"/>
+                    <a:lnB w="6350" cap="flat" cmpd="sng" algn="ctr">
+                      <a:solidFill>
+                        <a:schemeClr val="tx1">
+                          <a:lumMod val="50000"/>
+                          <a:lumOff val="50000"/>
+                        </a:schemeClr>
+                      </a:solidFill>
+                      <a:prstDash val="solid"/>
+                      <a:round/>
+                      <a:headEnd type="none" w="med" len="med"/>
+                      <a:tailEnd type="none" w="med" len="med"/>
                     </a:lnB>
                     <a:solidFill>
                       <a:schemeClr val="tx1">
@@ -18238,9 +19113,17 @@
                       </a:solidFill>
                       <a:prstDash val="solid"/>
                     </a:lnT>
-                    <a:lnB w="38100" cap="flat" cmpd="sng" algn="ctr">
-                      <a:noFill/>
-                      <a:prstDash val="solid"/>
+                    <a:lnB w="6350" cap="flat" cmpd="sng" algn="ctr">
+                      <a:solidFill>
+                        <a:schemeClr val="tx1">
+                          <a:lumMod val="50000"/>
+                          <a:lumOff val="50000"/>
+                        </a:schemeClr>
+                      </a:solidFill>
+                      <a:prstDash val="solid"/>
+                      <a:round/>
+                      <a:headEnd type="none" w="med" len="med"/>
+                      <a:tailEnd type="none" w="med" len="med"/>
                     </a:lnB>
                     <a:solidFill>
                       <a:schemeClr val="tx1">
@@ -18293,9 +19176,17 @@
                       </a:solidFill>
                       <a:prstDash val="solid"/>
                     </a:lnT>
-                    <a:lnB w="38100" cap="flat" cmpd="sng" algn="ctr">
-                      <a:noFill/>
-                      <a:prstDash val="solid"/>
+                    <a:lnB w="6350" cap="flat" cmpd="sng" algn="ctr">
+                      <a:solidFill>
+                        <a:schemeClr val="tx1">
+                          <a:lumMod val="50000"/>
+                          <a:lumOff val="50000"/>
+                        </a:schemeClr>
+                      </a:solidFill>
+                      <a:prstDash val="solid"/>
+                      <a:round/>
+                      <a:headEnd type="none" w="med" len="med"/>
+                      <a:tailEnd type="none" w="med" len="med"/>
                     </a:lnB>
                     <a:solidFill>
                       <a:schemeClr val="tx1">
@@ -18348,9 +19239,17 @@
                       </a:solidFill>
                       <a:prstDash val="solid"/>
                     </a:lnT>
-                    <a:lnB w="38100" cap="flat" cmpd="sng" algn="ctr">
-                      <a:noFill/>
-                      <a:prstDash val="solid"/>
+                    <a:lnB w="6350" cap="flat" cmpd="sng" algn="ctr">
+                      <a:solidFill>
+                        <a:schemeClr val="tx1">
+                          <a:lumMod val="50000"/>
+                          <a:lumOff val="50000"/>
+                        </a:schemeClr>
+                      </a:solidFill>
+                      <a:prstDash val="solid"/>
+                      <a:round/>
+                      <a:headEnd type="none" w="med" len="med"/>
+                      <a:tailEnd type="none" w="med" len="med"/>
                     </a:lnB>
                     <a:solidFill>
                       <a:schemeClr val="tx1">
@@ -18403,9 +19302,17 @@
                       </a:solidFill>
                       <a:prstDash val="solid"/>
                     </a:lnT>
-                    <a:lnB w="38100" cap="flat" cmpd="sng" algn="ctr">
-                      <a:noFill/>
-                      <a:prstDash val="solid"/>
+                    <a:lnB w="6350" cap="flat" cmpd="sng" algn="ctr">
+                      <a:solidFill>
+                        <a:schemeClr val="tx1">
+                          <a:lumMod val="50000"/>
+                          <a:lumOff val="50000"/>
+                        </a:schemeClr>
+                      </a:solidFill>
+                      <a:prstDash val="solid"/>
+                      <a:round/>
+                      <a:headEnd type="none" w="med" len="med"/>
+                      <a:tailEnd type="none" w="med" len="med"/>
                     </a:lnB>
                     <a:solidFill>
                       <a:schemeClr val="tx1">
@@ -18458,9 +19365,17 @@
                       </a:solidFill>
                       <a:prstDash val="solid"/>
                     </a:lnT>
-                    <a:lnB w="38100" cap="flat" cmpd="sng" algn="ctr">
-                      <a:noFill/>
-                      <a:prstDash val="solid"/>
+                    <a:lnB w="6350" cap="flat" cmpd="sng" algn="ctr">
+                      <a:solidFill>
+                        <a:schemeClr val="tx1">
+                          <a:lumMod val="50000"/>
+                          <a:lumOff val="50000"/>
+                        </a:schemeClr>
+                      </a:solidFill>
+                      <a:prstDash val="solid"/>
+                      <a:round/>
+                      <a:headEnd type="none" w="med" len="med"/>
+                      <a:tailEnd type="none" w="med" len="med"/>
                     </a:lnB>
                     <a:solidFill>
                       <a:schemeClr val="tx1">
@@ -18495,6 +19410,69 @@
                       </a:solidFill>
                       <a:prstDash val="solid"/>
                     </a:lnL>
+                    <a:lnR w="6350" cap="flat" cmpd="sng" algn="ctr">
+                      <a:solidFill>
+                        <a:schemeClr val="tx1">
+                          <a:lumMod val="50000"/>
+                          <a:lumOff val="50000"/>
+                        </a:schemeClr>
+                      </a:solidFill>
+                      <a:prstDash val="solid"/>
+                      <a:round/>
+                      <a:headEnd type="none" w="med" len="med"/>
+                      <a:tailEnd type="none" w="med" len="med"/>
+                    </a:lnR>
+                    <a:lnT w="6350" cap="flat" cmpd="sng" algn="ctr">
+                      <a:solidFill>
+                        <a:schemeClr val="tx1">
+                          <a:lumMod val="50000"/>
+                          <a:lumOff val="50000"/>
+                        </a:schemeClr>
+                      </a:solidFill>
+                      <a:prstDash val="solid"/>
+                    </a:lnT>
+                    <a:lnB w="6350" cap="flat" cmpd="sng" algn="ctr">
+                      <a:solidFill>
+                        <a:schemeClr val="tx1">
+                          <a:lumMod val="50000"/>
+                          <a:lumOff val="50000"/>
+                        </a:schemeClr>
+                      </a:solidFill>
+                      <a:prstDash val="solid"/>
+                      <a:round/>
+                      <a:headEnd type="none" w="med" len="med"/>
+                      <a:tailEnd type="none" w="med" len="med"/>
+                    </a:lnB>
+                    <a:solidFill>
+                      <a:schemeClr val="tx1">
+                        <a:lumMod val="75000"/>
+                        <a:lumOff val="25000"/>
+                      </a:schemeClr>
+                    </a:solidFill>
+                  </a:tcPr>
+                </a:tc>
+                <a:tc>
+                  <a:txBody>
+                    <a:bodyPr/>
+                    <a:lstStyle/>
+                    <a:p>
+                      <a:endParaRPr lang="nl-BE" sz="1200" cap="none" spc="0" dirty="0">
+                        <a:solidFill>
+                          <a:schemeClr val="bg1"/>
+                        </a:solidFill>
+                      </a:endParaRPr>
+                    </a:p>
+                  </a:txBody>
+                  <a:tcPr marL="78248" marR="10098" marT="60191" marB="60191" anchor="ctr">
+                    <a:lnL w="6350" cap="flat" cmpd="sng" algn="ctr">
+                      <a:solidFill>
+                        <a:schemeClr val="tx1">
+                          <a:lumMod val="50000"/>
+                          <a:lumOff val="50000"/>
+                        </a:schemeClr>
+                      </a:solidFill>
+                      <a:prstDash val="solid"/>
+                    </a:lnL>
                     <a:lnR w="38100" cap="flat" cmpd="sng" algn="ctr">
                       <a:noFill/>
                       <a:prstDash val="solid"/>
@@ -18507,10 +19485,21 @@
                         </a:schemeClr>
                       </a:solidFill>
                       <a:prstDash val="solid"/>
+                      <a:round/>
+                      <a:headEnd type="none" w="med" len="med"/>
+                      <a:tailEnd type="none" w="med" len="med"/>
                     </a:lnT>
-                    <a:lnB w="38100" cap="flat" cmpd="sng" algn="ctr">
-                      <a:noFill/>
-                      <a:prstDash val="solid"/>
+                    <a:lnB w="6350" cap="flat" cmpd="sng" algn="ctr">
+                      <a:solidFill>
+                        <a:schemeClr val="tx1">
+                          <a:lumMod val="50000"/>
+                          <a:lumOff val="50000"/>
+                        </a:schemeClr>
+                      </a:solidFill>
+                      <a:prstDash val="solid"/>
+                      <a:round/>
+                      <a:headEnd type="none" w="med" len="med"/>
+                      <a:tailEnd type="none" w="med" len="med"/>
                     </a:lnB>
                     <a:solidFill>
                       <a:schemeClr val="tx1">
@@ -18523,6 +19512,915 @@
                 <a:extLst>
                   <a:ext uri="{0D108BD9-81ED-4DB2-BD59-A6C34878D82A}">
                     <a16:rowId xmlns:a16="http://schemas.microsoft.com/office/drawing/2014/main" val="2931386204"/>
+                  </a:ext>
+                </a:extLst>
+              </a:tr>
+              <a:tr h="284904">
+                <a:tc>
+                  <a:txBody>
+                    <a:bodyPr/>
+                    <a:lstStyle/>
+                    <a:p>
+                      <a:r>
+                        <a:rPr lang="nl-BE" sz="900" b="1" cap="none" spc="0" dirty="0">
+                          <a:solidFill>
+                            <a:schemeClr val="bg1"/>
+                          </a:solidFill>
+                        </a:rPr>
+                        <a:t>Mijn Thesis</a:t>
+                      </a:r>
+                    </a:p>
+                  </a:txBody>
+                  <a:tcPr marL="78248" marR="10098" marT="60191" marB="60191" anchor="ctr">
+                    <a:lnL w="38100" cap="flat" cmpd="sng" algn="ctr">
+                      <a:noFill/>
+                      <a:prstDash val="solid"/>
+                    </a:lnL>
+                    <a:lnR w="6350" cap="flat" cmpd="sng" algn="ctr">
+                      <a:solidFill>
+                        <a:schemeClr val="tx1">
+                          <a:lumMod val="50000"/>
+                          <a:lumOff val="50000"/>
+                        </a:schemeClr>
+                      </a:solidFill>
+                      <a:prstDash val="solid"/>
+                      <a:round/>
+                      <a:headEnd type="none" w="med" len="med"/>
+                      <a:tailEnd type="none" w="med" len="med"/>
+                    </a:lnR>
+                    <a:lnT w="6350" cap="flat" cmpd="sng" algn="ctr">
+                      <a:solidFill>
+                        <a:schemeClr val="tx1">
+                          <a:lumMod val="50000"/>
+                          <a:lumOff val="50000"/>
+                        </a:schemeClr>
+                      </a:solidFill>
+                      <a:prstDash val="solid"/>
+                    </a:lnT>
+                    <a:lnB w="38100" cap="flat" cmpd="sng" algn="ctr">
+                      <a:noFill/>
+                      <a:prstDash val="solid"/>
+                    </a:lnB>
+                    <a:solidFill>
+                      <a:schemeClr val="tx1">
+                        <a:lumMod val="75000"/>
+                        <a:lumOff val="25000"/>
+                      </a:schemeClr>
+                    </a:solidFill>
+                  </a:tcPr>
+                </a:tc>
+                <a:tc>
+                  <a:txBody>
+                    <a:bodyPr/>
+                    <a:lstStyle/>
+                    <a:p>
+                      <a:pPr marL="0" marR="0" lvl="0" indent="0" algn="l" defTabSz="914400" rtl="0" eaLnBrk="1" fontAlgn="auto" latinLnBrk="0" hangingPunct="1">
+                        <a:lnSpc>
+                          <a:spcPct val="100000"/>
+                        </a:lnSpc>
+                        <a:spcBef>
+                          <a:spcPts val="0"/>
+                        </a:spcBef>
+                        <a:spcAft>
+                          <a:spcPts val="0"/>
+                        </a:spcAft>
+                        <a:buClrTx/>
+                        <a:buSzTx/>
+                        <a:buFontTx/>
+                        <a:buNone/>
+                        <a:tabLst/>
+                        <a:defRPr/>
+                      </a:pPr>
+                      <a:r>
+                        <a:rPr lang="nl-BE" sz="1200" cap="none" spc="0" dirty="0">
+                          <a:solidFill>
+                            <a:schemeClr val="bg1"/>
+                          </a:solidFill>
+                        </a:rPr>
+                        <a:t>✓</a:t>
+                      </a:r>
+                    </a:p>
+                  </a:txBody>
+                  <a:tcPr marL="78248" marR="10098" marT="60191" marB="60191" anchor="ctr">
+                    <a:lnL w="6350" cap="flat" cmpd="sng" algn="ctr">
+                      <a:solidFill>
+                        <a:schemeClr val="tx1">
+                          <a:lumMod val="50000"/>
+                          <a:lumOff val="50000"/>
+                        </a:schemeClr>
+                      </a:solidFill>
+                      <a:prstDash val="solid"/>
+                      <a:round/>
+                      <a:headEnd type="none" w="med" len="med"/>
+                      <a:tailEnd type="none" w="med" len="med"/>
+                    </a:lnL>
+                    <a:lnR w="6350" cap="flat" cmpd="sng" algn="ctr">
+                      <a:solidFill>
+                        <a:schemeClr val="tx1">
+                          <a:lumMod val="50000"/>
+                          <a:lumOff val="50000"/>
+                        </a:schemeClr>
+                      </a:solidFill>
+                      <a:prstDash val="solid"/>
+                      <a:round/>
+                      <a:headEnd type="none" w="med" len="med"/>
+                      <a:tailEnd type="none" w="med" len="med"/>
+                    </a:lnR>
+                    <a:lnT w="6350" cap="flat" cmpd="sng" algn="ctr">
+                      <a:solidFill>
+                        <a:schemeClr val="tx1">
+                          <a:lumMod val="50000"/>
+                          <a:lumOff val="50000"/>
+                        </a:schemeClr>
+                      </a:solidFill>
+                      <a:prstDash val="solid"/>
+                    </a:lnT>
+                    <a:lnB w="38100" cap="flat" cmpd="sng" algn="ctr">
+                      <a:noFill/>
+                      <a:prstDash val="solid"/>
+                    </a:lnB>
+                    <a:solidFill>
+                      <a:schemeClr val="tx1">
+                        <a:lumMod val="75000"/>
+                        <a:lumOff val="25000"/>
+                      </a:schemeClr>
+                    </a:solidFill>
+                  </a:tcPr>
+                </a:tc>
+                <a:tc>
+                  <a:txBody>
+                    <a:bodyPr/>
+                    <a:lstStyle/>
+                    <a:p>
+                      <a:endParaRPr lang="nl-BE" sz="1200" cap="none" spc="0" dirty="0">
+                        <a:solidFill>
+                          <a:schemeClr val="bg1"/>
+                        </a:solidFill>
+                      </a:endParaRPr>
+                    </a:p>
+                  </a:txBody>
+                  <a:tcPr marL="78248" marR="10098" marT="60191" marB="60191" anchor="ctr">
+                    <a:lnL w="6350" cap="flat" cmpd="sng" algn="ctr">
+                      <a:solidFill>
+                        <a:schemeClr val="tx1">
+                          <a:lumMod val="50000"/>
+                          <a:lumOff val="50000"/>
+                        </a:schemeClr>
+                      </a:solidFill>
+                      <a:prstDash val="solid"/>
+                      <a:round/>
+                      <a:headEnd type="none" w="med" len="med"/>
+                      <a:tailEnd type="none" w="med" len="med"/>
+                    </a:lnL>
+                    <a:lnR w="6350" cap="flat" cmpd="sng" algn="ctr">
+                      <a:solidFill>
+                        <a:schemeClr val="tx1">
+                          <a:lumMod val="50000"/>
+                          <a:lumOff val="50000"/>
+                        </a:schemeClr>
+                      </a:solidFill>
+                      <a:prstDash val="solid"/>
+                      <a:round/>
+                      <a:headEnd type="none" w="med" len="med"/>
+                      <a:tailEnd type="none" w="med" len="med"/>
+                    </a:lnR>
+                    <a:lnT w="6350" cap="flat" cmpd="sng" algn="ctr">
+                      <a:solidFill>
+                        <a:schemeClr val="tx1">
+                          <a:lumMod val="50000"/>
+                          <a:lumOff val="50000"/>
+                        </a:schemeClr>
+                      </a:solidFill>
+                      <a:prstDash val="solid"/>
+                    </a:lnT>
+                    <a:lnB w="38100" cap="flat" cmpd="sng" algn="ctr">
+                      <a:noFill/>
+                      <a:prstDash val="solid"/>
+                    </a:lnB>
+                    <a:solidFill>
+                      <a:schemeClr val="tx1">
+                        <a:lumMod val="75000"/>
+                        <a:lumOff val="25000"/>
+                      </a:schemeClr>
+                    </a:solidFill>
+                  </a:tcPr>
+                </a:tc>
+                <a:tc>
+                  <a:txBody>
+                    <a:bodyPr/>
+                    <a:lstStyle/>
+                    <a:p>
+                      <a:endParaRPr lang="nl-BE" sz="1200" cap="none" spc="0" dirty="0">
+                        <a:solidFill>
+                          <a:schemeClr val="bg1"/>
+                        </a:solidFill>
+                      </a:endParaRPr>
+                    </a:p>
+                  </a:txBody>
+                  <a:tcPr marL="78248" marR="10098" marT="60191" marB="60191" anchor="ctr">
+                    <a:lnL w="6350" cap="flat" cmpd="sng" algn="ctr">
+                      <a:solidFill>
+                        <a:schemeClr val="tx1">
+                          <a:lumMod val="50000"/>
+                          <a:lumOff val="50000"/>
+                        </a:schemeClr>
+                      </a:solidFill>
+                      <a:prstDash val="solid"/>
+                      <a:round/>
+                      <a:headEnd type="none" w="med" len="med"/>
+                      <a:tailEnd type="none" w="med" len="med"/>
+                    </a:lnL>
+                    <a:lnR w="6350" cap="flat" cmpd="sng" algn="ctr">
+                      <a:solidFill>
+                        <a:schemeClr val="tx1">
+                          <a:lumMod val="50000"/>
+                          <a:lumOff val="50000"/>
+                        </a:schemeClr>
+                      </a:solidFill>
+                      <a:prstDash val="solid"/>
+                      <a:round/>
+                      <a:headEnd type="none" w="med" len="med"/>
+                      <a:tailEnd type="none" w="med" len="med"/>
+                    </a:lnR>
+                    <a:lnT w="6350" cap="flat" cmpd="sng" algn="ctr">
+                      <a:solidFill>
+                        <a:schemeClr val="tx1">
+                          <a:lumMod val="50000"/>
+                          <a:lumOff val="50000"/>
+                        </a:schemeClr>
+                      </a:solidFill>
+                      <a:prstDash val="solid"/>
+                    </a:lnT>
+                    <a:lnB w="38100" cap="flat" cmpd="sng" algn="ctr">
+                      <a:noFill/>
+                      <a:prstDash val="solid"/>
+                    </a:lnB>
+                    <a:solidFill>
+                      <a:schemeClr val="tx1">
+                        <a:lumMod val="75000"/>
+                        <a:lumOff val="25000"/>
+                      </a:schemeClr>
+                    </a:solidFill>
+                  </a:tcPr>
+                </a:tc>
+                <a:tc>
+                  <a:txBody>
+                    <a:bodyPr/>
+                    <a:lstStyle/>
+                    <a:p>
+                      <a:pPr marL="0" marR="0" lvl="0" indent="0" algn="l" defTabSz="914400" rtl="0" eaLnBrk="1" fontAlgn="auto" latinLnBrk="0" hangingPunct="1">
+                        <a:lnSpc>
+                          <a:spcPct val="100000"/>
+                        </a:lnSpc>
+                        <a:spcBef>
+                          <a:spcPts val="0"/>
+                        </a:spcBef>
+                        <a:spcAft>
+                          <a:spcPts val="0"/>
+                        </a:spcAft>
+                        <a:buClrTx/>
+                        <a:buSzTx/>
+                        <a:buFontTx/>
+                        <a:buNone/>
+                        <a:tabLst/>
+                        <a:defRPr/>
+                      </a:pPr>
+                      <a:r>
+                        <a:rPr lang="nl-BE" sz="1200" cap="none" spc="0" dirty="0">
+                          <a:solidFill>
+                            <a:schemeClr val="bg1"/>
+                          </a:solidFill>
+                        </a:rPr>
+                        <a:t>✓</a:t>
+                      </a:r>
+                    </a:p>
+                  </a:txBody>
+                  <a:tcPr marL="78248" marR="10098" marT="60191" marB="60191" anchor="ctr">
+                    <a:lnL w="6350" cap="flat" cmpd="sng" algn="ctr">
+                      <a:solidFill>
+                        <a:schemeClr val="tx1">
+                          <a:lumMod val="50000"/>
+                          <a:lumOff val="50000"/>
+                        </a:schemeClr>
+                      </a:solidFill>
+                      <a:prstDash val="solid"/>
+                      <a:round/>
+                      <a:headEnd type="none" w="med" len="med"/>
+                      <a:tailEnd type="none" w="med" len="med"/>
+                    </a:lnL>
+                    <a:lnR w="6350" cap="flat" cmpd="sng" algn="ctr">
+                      <a:solidFill>
+                        <a:schemeClr val="tx1">
+                          <a:lumMod val="50000"/>
+                          <a:lumOff val="50000"/>
+                        </a:schemeClr>
+                      </a:solidFill>
+                      <a:prstDash val="solid"/>
+                      <a:round/>
+                      <a:headEnd type="none" w="med" len="med"/>
+                      <a:tailEnd type="none" w="med" len="med"/>
+                    </a:lnR>
+                    <a:lnT w="6350" cap="flat" cmpd="sng" algn="ctr">
+                      <a:solidFill>
+                        <a:schemeClr val="tx1">
+                          <a:lumMod val="50000"/>
+                          <a:lumOff val="50000"/>
+                        </a:schemeClr>
+                      </a:solidFill>
+                      <a:prstDash val="solid"/>
+                    </a:lnT>
+                    <a:lnB w="38100" cap="flat" cmpd="sng" algn="ctr">
+                      <a:noFill/>
+                      <a:prstDash val="solid"/>
+                    </a:lnB>
+                    <a:solidFill>
+                      <a:schemeClr val="tx1">
+                        <a:lumMod val="75000"/>
+                        <a:lumOff val="25000"/>
+                      </a:schemeClr>
+                    </a:solidFill>
+                  </a:tcPr>
+                </a:tc>
+                <a:tc>
+                  <a:txBody>
+                    <a:bodyPr/>
+                    <a:lstStyle/>
+                    <a:p>
+                      <a:pPr marL="0" marR="0" lvl="0" indent="0" algn="l" defTabSz="914400" rtl="0" eaLnBrk="1" fontAlgn="auto" latinLnBrk="0" hangingPunct="1">
+                        <a:lnSpc>
+                          <a:spcPct val="100000"/>
+                        </a:lnSpc>
+                        <a:spcBef>
+                          <a:spcPts val="0"/>
+                        </a:spcBef>
+                        <a:spcAft>
+                          <a:spcPts val="0"/>
+                        </a:spcAft>
+                        <a:buClrTx/>
+                        <a:buSzTx/>
+                        <a:buFontTx/>
+                        <a:buNone/>
+                        <a:tabLst/>
+                        <a:defRPr/>
+                      </a:pPr>
+                      <a:r>
+                        <a:rPr lang="nl-BE" sz="1200" cap="none" spc="0" dirty="0">
+                          <a:solidFill>
+                            <a:schemeClr val="bg1"/>
+                          </a:solidFill>
+                        </a:rPr>
+                        <a:t>✓</a:t>
+                      </a:r>
+                    </a:p>
+                  </a:txBody>
+                  <a:tcPr marL="78248" marR="10098" marT="60191" marB="60191" anchor="ctr">
+                    <a:lnL w="6350" cap="flat" cmpd="sng" algn="ctr">
+                      <a:solidFill>
+                        <a:schemeClr val="tx1">
+                          <a:lumMod val="50000"/>
+                          <a:lumOff val="50000"/>
+                        </a:schemeClr>
+                      </a:solidFill>
+                      <a:prstDash val="solid"/>
+                      <a:round/>
+                      <a:headEnd type="none" w="med" len="med"/>
+                      <a:tailEnd type="none" w="med" len="med"/>
+                    </a:lnL>
+                    <a:lnR w="6350" cap="flat" cmpd="sng" algn="ctr">
+                      <a:solidFill>
+                        <a:schemeClr val="tx1">
+                          <a:lumMod val="50000"/>
+                          <a:lumOff val="50000"/>
+                        </a:schemeClr>
+                      </a:solidFill>
+                      <a:prstDash val="solid"/>
+                      <a:round/>
+                      <a:headEnd type="none" w="med" len="med"/>
+                      <a:tailEnd type="none" w="med" len="med"/>
+                    </a:lnR>
+                    <a:lnT w="6350" cap="flat" cmpd="sng" algn="ctr">
+                      <a:solidFill>
+                        <a:schemeClr val="tx1">
+                          <a:lumMod val="50000"/>
+                          <a:lumOff val="50000"/>
+                        </a:schemeClr>
+                      </a:solidFill>
+                      <a:prstDash val="solid"/>
+                    </a:lnT>
+                    <a:lnB w="38100" cap="flat" cmpd="sng" algn="ctr">
+                      <a:noFill/>
+                      <a:prstDash val="solid"/>
+                    </a:lnB>
+                    <a:solidFill>
+                      <a:schemeClr val="tx1">
+                        <a:lumMod val="75000"/>
+                        <a:lumOff val="25000"/>
+                      </a:schemeClr>
+                    </a:solidFill>
+                  </a:tcPr>
+                </a:tc>
+                <a:tc>
+                  <a:txBody>
+                    <a:bodyPr/>
+                    <a:lstStyle/>
+                    <a:p>
+                      <a:endParaRPr lang="nl-BE" sz="1200" cap="none" spc="0" dirty="0">
+                        <a:solidFill>
+                          <a:schemeClr val="bg1"/>
+                        </a:solidFill>
+                      </a:endParaRPr>
+                    </a:p>
+                  </a:txBody>
+                  <a:tcPr marL="78248" marR="10098" marT="60191" marB="60191" anchor="ctr">
+                    <a:lnL w="6350" cap="flat" cmpd="sng" algn="ctr">
+                      <a:solidFill>
+                        <a:schemeClr val="tx1">
+                          <a:lumMod val="50000"/>
+                          <a:lumOff val="50000"/>
+                        </a:schemeClr>
+                      </a:solidFill>
+                      <a:prstDash val="solid"/>
+                      <a:round/>
+                      <a:headEnd type="none" w="med" len="med"/>
+                      <a:tailEnd type="none" w="med" len="med"/>
+                    </a:lnL>
+                    <a:lnR w="6350" cap="flat" cmpd="sng" algn="ctr">
+                      <a:solidFill>
+                        <a:schemeClr val="tx1">
+                          <a:lumMod val="50000"/>
+                          <a:lumOff val="50000"/>
+                        </a:schemeClr>
+                      </a:solidFill>
+                      <a:prstDash val="solid"/>
+                      <a:round/>
+                      <a:headEnd type="none" w="med" len="med"/>
+                      <a:tailEnd type="none" w="med" len="med"/>
+                    </a:lnR>
+                    <a:lnT w="6350" cap="flat" cmpd="sng" algn="ctr">
+                      <a:solidFill>
+                        <a:schemeClr val="tx1">
+                          <a:lumMod val="50000"/>
+                          <a:lumOff val="50000"/>
+                        </a:schemeClr>
+                      </a:solidFill>
+                      <a:prstDash val="solid"/>
+                    </a:lnT>
+                    <a:lnB w="38100" cap="flat" cmpd="sng" algn="ctr">
+                      <a:noFill/>
+                      <a:prstDash val="solid"/>
+                    </a:lnB>
+                    <a:solidFill>
+                      <a:schemeClr val="tx1">
+                        <a:lumMod val="75000"/>
+                        <a:lumOff val="25000"/>
+                      </a:schemeClr>
+                    </a:solidFill>
+                  </a:tcPr>
+                </a:tc>
+                <a:tc>
+                  <a:txBody>
+                    <a:bodyPr/>
+                    <a:lstStyle/>
+                    <a:p>
+                      <a:pPr marL="0" marR="0" lvl="0" indent="0" algn="l" defTabSz="914400" rtl="0" eaLnBrk="1" fontAlgn="auto" latinLnBrk="0" hangingPunct="1">
+                        <a:lnSpc>
+                          <a:spcPct val="100000"/>
+                        </a:lnSpc>
+                        <a:spcBef>
+                          <a:spcPts val="0"/>
+                        </a:spcBef>
+                        <a:spcAft>
+                          <a:spcPts val="0"/>
+                        </a:spcAft>
+                        <a:buClrTx/>
+                        <a:buSzTx/>
+                        <a:buFontTx/>
+                        <a:buNone/>
+                        <a:tabLst/>
+                        <a:defRPr/>
+                      </a:pPr>
+                      <a:r>
+                        <a:rPr lang="nl-BE" sz="1200" cap="none" spc="0" dirty="0">
+                          <a:solidFill>
+                            <a:schemeClr val="bg1"/>
+                          </a:solidFill>
+                        </a:rPr>
+                        <a:t>✓ (any)</a:t>
+                      </a:r>
+                    </a:p>
+                  </a:txBody>
+                  <a:tcPr marL="78248" marR="10098" marT="60191" marB="60191" anchor="ctr">
+                    <a:lnL w="6350" cap="flat" cmpd="sng" algn="ctr">
+                      <a:solidFill>
+                        <a:schemeClr val="tx1">
+                          <a:lumMod val="50000"/>
+                          <a:lumOff val="50000"/>
+                        </a:schemeClr>
+                      </a:solidFill>
+                      <a:prstDash val="solid"/>
+                      <a:round/>
+                      <a:headEnd type="none" w="med" len="med"/>
+                      <a:tailEnd type="none" w="med" len="med"/>
+                    </a:lnL>
+                    <a:lnR w="6350" cap="flat" cmpd="sng" algn="ctr">
+                      <a:solidFill>
+                        <a:schemeClr val="tx1">
+                          <a:lumMod val="50000"/>
+                          <a:lumOff val="50000"/>
+                        </a:schemeClr>
+                      </a:solidFill>
+                      <a:prstDash val="solid"/>
+                      <a:round/>
+                      <a:headEnd type="none" w="med" len="med"/>
+                      <a:tailEnd type="none" w="med" len="med"/>
+                    </a:lnR>
+                    <a:lnT w="6350" cap="flat" cmpd="sng" algn="ctr">
+                      <a:solidFill>
+                        <a:schemeClr val="tx1">
+                          <a:lumMod val="50000"/>
+                          <a:lumOff val="50000"/>
+                        </a:schemeClr>
+                      </a:solidFill>
+                      <a:prstDash val="solid"/>
+                    </a:lnT>
+                    <a:lnB w="38100" cap="flat" cmpd="sng" algn="ctr">
+                      <a:noFill/>
+                      <a:prstDash val="solid"/>
+                    </a:lnB>
+                    <a:solidFill>
+                      <a:schemeClr val="tx1">
+                        <a:lumMod val="75000"/>
+                        <a:lumOff val="25000"/>
+                      </a:schemeClr>
+                    </a:solidFill>
+                  </a:tcPr>
+                </a:tc>
+                <a:tc>
+                  <a:txBody>
+                    <a:bodyPr/>
+                    <a:lstStyle/>
+                    <a:p>
+                      <a:endParaRPr lang="nl-BE" sz="1200" cap="none" spc="0" dirty="0">
+                        <a:solidFill>
+                          <a:schemeClr val="bg1"/>
+                        </a:solidFill>
+                      </a:endParaRPr>
+                    </a:p>
+                  </a:txBody>
+                  <a:tcPr marL="78248" marR="10098" marT="60191" marB="60191" anchor="ctr">
+                    <a:lnL w="6350" cap="flat" cmpd="sng" algn="ctr">
+                      <a:solidFill>
+                        <a:schemeClr val="tx1">
+                          <a:lumMod val="50000"/>
+                          <a:lumOff val="50000"/>
+                        </a:schemeClr>
+                      </a:solidFill>
+                      <a:prstDash val="solid"/>
+                      <a:round/>
+                      <a:headEnd type="none" w="med" len="med"/>
+                      <a:tailEnd type="none" w="med" len="med"/>
+                    </a:lnL>
+                    <a:lnR w="6350" cap="flat" cmpd="sng" algn="ctr">
+                      <a:solidFill>
+                        <a:schemeClr val="tx1">
+                          <a:lumMod val="50000"/>
+                          <a:lumOff val="50000"/>
+                        </a:schemeClr>
+                      </a:solidFill>
+                      <a:prstDash val="solid"/>
+                      <a:round/>
+                      <a:headEnd type="none" w="med" len="med"/>
+                      <a:tailEnd type="none" w="med" len="med"/>
+                    </a:lnR>
+                    <a:lnT w="6350" cap="flat" cmpd="sng" algn="ctr">
+                      <a:solidFill>
+                        <a:schemeClr val="tx1">
+                          <a:lumMod val="50000"/>
+                          <a:lumOff val="50000"/>
+                        </a:schemeClr>
+                      </a:solidFill>
+                      <a:prstDash val="solid"/>
+                    </a:lnT>
+                    <a:lnB w="38100" cap="flat" cmpd="sng" algn="ctr">
+                      <a:noFill/>
+                      <a:prstDash val="solid"/>
+                    </a:lnB>
+                    <a:solidFill>
+                      <a:schemeClr val="tx1">
+                        <a:lumMod val="75000"/>
+                        <a:lumOff val="25000"/>
+                      </a:schemeClr>
+                    </a:solidFill>
+                  </a:tcPr>
+                </a:tc>
+                <a:tc>
+                  <a:txBody>
+                    <a:bodyPr/>
+                    <a:lstStyle/>
+                    <a:p>
+                      <a:endParaRPr lang="nl-BE" sz="1200" cap="none" spc="0" dirty="0">
+                        <a:solidFill>
+                          <a:schemeClr val="bg1"/>
+                        </a:solidFill>
+                      </a:endParaRPr>
+                    </a:p>
+                  </a:txBody>
+                  <a:tcPr marL="78248" marR="10098" marT="60191" marB="60191" anchor="ctr">
+                    <a:lnL w="6350" cap="flat" cmpd="sng" algn="ctr">
+                      <a:solidFill>
+                        <a:schemeClr val="tx1">
+                          <a:lumMod val="50000"/>
+                          <a:lumOff val="50000"/>
+                        </a:schemeClr>
+                      </a:solidFill>
+                      <a:prstDash val="solid"/>
+                      <a:round/>
+                      <a:headEnd type="none" w="med" len="med"/>
+                      <a:tailEnd type="none" w="med" len="med"/>
+                    </a:lnL>
+                    <a:lnR w="6350" cap="flat" cmpd="sng" algn="ctr">
+                      <a:solidFill>
+                        <a:schemeClr val="tx1">
+                          <a:lumMod val="50000"/>
+                          <a:lumOff val="50000"/>
+                        </a:schemeClr>
+                      </a:solidFill>
+                      <a:prstDash val="solid"/>
+                      <a:round/>
+                      <a:headEnd type="none" w="med" len="med"/>
+                      <a:tailEnd type="none" w="med" len="med"/>
+                    </a:lnR>
+                    <a:lnT w="6350" cap="flat" cmpd="sng" algn="ctr">
+                      <a:solidFill>
+                        <a:schemeClr val="tx1">
+                          <a:lumMod val="50000"/>
+                          <a:lumOff val="50000"/>
+                        </a:schemeClr>
+                      </a:solidFill>
+                      <a:prstDash val="solid"/>
+                    </a:lnT>
+                    <a:lnB w="38100" cap="flat" cmpd="sng" algn="ctr">
+                      <a:noFill/>
+                      <a:prstDash val="solid"/>
+                    </a:lnB>
+                    <a:solidFill>
+                      <a:schemeClr val="tx1">
+                        <a:lumMod val="75000"/>
+                        <a:lumOff val="25000"/>
+                      </a:schemeClr>
+                    </a:solidFill>
+                  </a:tcPr>
+                </a:tc>
+                <a:tc>
+                  <a:txBody>
+                    <a:bodyPr/>
+                    <a:lstStyle/>
+                    <a:p>
+                      <a:endParaRPr lang="nl-BE" sz="1200" cap="none" spc="0" dirty="0">
+                        <a:solidFill>
+                          <a:schemeClr val="bg1"/>
+                        </a:solidFill>
+                      </a:endParaRPr>
+                    </a:p>
+                  </a:txBody>
+                  <a:tcPr marL="78248" marR="10098" marT="60191" marB="60191" anchor="ctr">
+                    <a:lnL w="6350" cap="flat" cmpd="sng" algn="ctr">
+                      <a:solidFill>
+                        <a:schemeClr val="tx1">
+                          <a:lumMod val="50000"/>
+                          <a:lumOff val="50000"/>
+                        </a:schemeClr>
+                      </a:solidFill>
+                      <a:prstDash val="solid"/>
+                      <a:round/>
+                      <a:headEnd type="none" w="med" len="med"/>
+                      <a:tailEnd type="none" w="med" len="med"/>
+                    </a:lnL>
+                    <a:lnR w="6350" cap="flat" cmpd="sng" algn="ctr">
+                      <a:solidFill>
+                        <a:schemeClr val="tx1">
+                          <a:lumMod val="50000"/>
+                          <a:lumOff val="50000"/>
+                        </a:schemeClr>
+                      </a:solidFill>
+                      <a:prstDash val="solid"/>
+                      <a:round/>
+                      <a:headEnd type="none" w="med" len="med"/>
+                      <a:tailEnd type="none" w="med" len="med"/>
+                    </a:lnR>
+                    <a:lnT w="6350" cap="flat" cmpd="sng" algn="ctr">
+                      <a:solidFill>
+                        <a:schemeClr val="tx1">
+                          <a:lumMod val="50000"/>
+                          <a:lumOff val="50000"/>
+                        </a:schemeClr>
+                      </a:solidFill>
+                      <a:prstDash val="solid"/>
+                    </a:lnT>
+                    <a:lnB w="38100" cap="flat" cmpd="sng" algn="ctr">
+                      <a:noFill/>
+                      <a:prstDash val="solid"/>
+                    </a:lnB>
+                    <a:solidFill>
+                      <a:schemeClr val="tx1">
+                        <a:lumMod val="75000"/>
+                        <a:lumOff val="25000"/>
+                      </a:schemeClr>
+                    </a:solidFill>
+                  </a:tcPr>
+                </a:tc>
+                <a:tc>
+                  <a:txBody>
+                    <a:bodyPr/>
+                    <a:lstStyle/>
+                    <a:p>
+                      <a:endParaRPr lang="nl-BE" sz="1200" cap="none" spc="0" dirty="0">
+                        <a:solidFill>
+                          <a:schemeClr val="bg1"/>
+                        </a:solidFill>
+                      </a:endParaRPr>
+                    </a:p>
+                  </a:txBody>
+                  <a:tcPr marL="78248" marR="10098" marT="60191" marB="60191" anchor="ctr">
+                    <a:lnL w="6350" cap="flat" cmpd="sng" algn="ctr">
+                      <a:solidFill>
+                        <a:schemeClr val="tx1">
+                          <a:lumMod val="50000"/>
+                          <a:lumOff val="50000"/>
+                        </a:schemeClr>
+                      </a:solidFill>
+                      <a:prstDash val="solid"/>
+                      <a:round/>
+                      <a:headEnd type="none" w="med" len="med"/>
+                      <a:tailEnd type="none" w="med" len="med"/>
+                    </a:lnL>
+                    <a:lnR w="6350" cap="flat" cmpd="sng" algn="ctr">
+                      <a:solidFill>
+                        <a:schemeClr val="tx1">
+                          <a:lumMod val="50000"/>
+                          <a:lumOff val="50000"/>
+                        </a:schemeClr>
+                      </a:solidFill>
+                      <a:prstDash val="solid"/>
+                      <a:round/>
+                      <a:headEnd type="none" w="med" len="med"/>
+                      <a:tailEnd type="none" w="med" len="med"/>
+                    </a:lnR>
+                    <a:lnT w="6350" cap="flat" cmpd="sng" algn="ctr">
+                      <a:solidFill>
+                        <a:schemeClr val="tx1">
+                          <a:lumMod val="50000"/>
+                          <a:lumOff val="50000"/>
+                        </a:schemeClr>
+                      </a:solidFill>
+                      <a:prstDash val="solid"/>
+                    </a:lnT>
+                    <a:lnB w="38100" cap="flat" cmpd="sng" algn="ctr">
+                      <a:noFill/>
+                      <a:prstDash val="solid"/>
+                    </a:lnB>
+                    <a:solidFill>
+                      <a:schemeClr val="tx1">
+                        <a:lumMod val="75000"/>
+                        <a:lumOff val="25000"/>
+                      </a:schemeClr>
+                    </a:solidFill>
+                  </a:tcPr>
+                </a:tc>
+                <a:tc>
+                  <a:txBody>
+                    <a:bodyPr/>
+                    <a:lstStyle/>
+                    <a:p>
+                      <a:endParaRPr lang="nl-BE" sz="1200" cap="none" spc="0" dirty="0">
+                        <a:solidFill>
+                          <a:schemeClr val="bg1"/>
+                        </a:solidFill>
+                      </a:endParaRPr>
+                    </a:p>
+                  </a:txBody>
+                  <a:tcPr marL="78248" marR="10098" marT="60191" marB="60191" anchor="ctr">
+                    <a:lnL w="6350" cap="flat" cmpd="sng" algn="ctr">
+                      <a:solidFill>
+                        <a:schemeClr val="tx1">
+                          <a:lumMod val="50000"/>
+                          <a:lumOff val="50000"/>
+                        </a:schemeClr>
+                      </a:solidFill>
+                      <a:prstDash val="solid"/>
+                      <a:round/>
+                      <a:headEnd type="none" w="med" len="med"/>
+                      <a:tailEnd type="none" w="med" len="med"/>
+                    </a:lnL>
+                    <a:lnR w="6350" cap="flat" cmpd="sng" algn="ctr">
+                      <a:solidFill>
+                        <a:schemeClr val="tx1">
+                          <a:lumMod val="50000"/>
+                          <a:lumOff val="50000"/>
+                        </a:schemeClr>
+                      </a:solidFill>
+                      <a:prstDash val="solid"/>
+                      <a:round/>
+                      <a:headEnd type="none" w="med" len="med"/>
+                      <a:tailEnd type="none" w="med" len="med"/>
+                    </a:lnR>
+                    <a:lnT w="6350" cap="flat" cmpd="sng" algn="ctr">
+                      <a:solidFill>
+                        <a:schemeClr val="tx1">
+                          <a:lumMod val="50000"/>
+                          <a:lumOff val="50000"/>
+                        </a:schemeClr>
+                      </a:solidFill>
+                      <a:prstDash val="solid"/>
+                    </a:lnT>
+                    <a:lnB w="38100" cap="flat" cmpd="sng" algn="ctr">
+                      <a:noFill/>
+                      <a:prstDash val="solid"/>
+                    </a:lnB>
+                    <a:solidFill>
+                      <a:schemeClr val="tx1">
+                        <a:lumMod val="75000"/>
+                        <a:lumOff val="25000"/>
+                      </a:schemeClr>
+                    </a:solidFill>
+                  </a:tcPr>
+                </a:tc>
+                <a:tc>
+                  <a:txBody>
+                    <a:bodyPr/>
+                    <a:lstStyle/>
+                    <a:p>
+                      <a:pPr marL="0" marR="0" lvl="0" indent="0" algn="l" defTabSz="914400" rtl="0" eaLnBrk="1" fontAlgn="auto" latinLnBrk="0" hangingPunct="1">
+                        <a:lnSpc>
+                          <a:spcPct val="100000"/>
+                        </a:lnSpc>
+                        <a:spcBef>
+                          <a:spcPts val="0"/>
+                        </a:spcBef>
+                        <a:spcAft>
+                          <a:spcPts val="0"/>
+                        </a:spcAft>
+                        <a:buClrTx/>
+                        <a:buSzTx/>
+                        <a:buFontTx/>
+                        <a:buNone/>
+                        <a:tabLst/>
+                        <a:defRPr/>
+                      </a:pPr>
+                      <a:r>
+                        <a:rPr lang="nl-BE" sz="1200" cap="none" spc="0" dirty="0">
+                          <a:solidFill>
+                            <a:schemeClr val="bg1"/>
+                          </a:solidFill>
+                        </a:rPr>
+                        <a:t>✓</a:t>
+                      </a:r>
+                    </a:p>
+                  </a:txBody>
+                  <a:tcPr marL="78248" marR="10098" marT="60191" marB="60191" anchor="ctr">
+                    <a:lnL w="6350" cap="flat" cmpd="sng" algn="ctr">
+                      <a:solidFill>
+                        <a:schemeClr val="tx1">
+                          <a:lumMod val="50000"/>
+                          <a:lumOff val="50000"/>
+                        </a:schemeClr>
+                      </a:solidFill>
+                      <a:prstDash val="solid"/>
+                      <a:round/>
+                      <a:headEnd type="none" w="med" len="med"/>
+                      <a:tailEnd type="none" w="med" len="med"/>
+                    </a:lnL>
+                    <a:lnR w="38100" cap="flat" cmpd="sng" algn="ctr">
+                      <a:noFill/>
+                      <a:prstDash val="solid"/>
+                    </a:lnR>
+                    <a:lnT w="6350" cap="flat" cmpd="sng" algn="ctr">
+                      <a:solidFill>
+                        <a:schemeClr val="tx1">
+                          <a:lumMod val="50000"/>
+                          <a:lumOff val="50000"/>
+                        </a:schemeClr>
+                      </a:solidFill>
+                      <a:prstDash val="solid"/>
+                      <a:round/>
+                      <a:headEnd type="none" w="med" len="med"/>
+                      <a:tailEnd type="none" w="med" len="med"/>
+                    </a:lnT>
+                    <a:lnB w="38100" cap="flat" cmpd="sng" algn="ctr">
+                      <a:noFill/>
+                      <a:prstDash val="solid"/>
+                    </a:lnB>
+                    <a:solidFill>
+                      <a:schemeClr val="tx1">
+                        <a:lumMod val="75000"/>
+                        <a:lumOff val="25000"/>
+                      </a:schemeClr>
+                    </a:solidFill>
+                  </a:tcPr>
+                </a:tc>
+                <a:extLst>
+                  <a:ext uri="{0D108BD9-81ED-4DB2-BD59-A6C34878D82A}">
+                    <a16:rowId xmlns:a16="http://schemas.microsoft.com/office/drawing/2014/main" val="2214211774"/>
                   </a:ext>
                 </a:extLst>
               </a:tr>
@@ -19125,7 +21023,7 @@
             <a:pPr lvl="1"/>
             <a:r>
               <a:rPr lang="nl-NL" u="sng" dirty="0"/>
-              <a:t>Zonder PE</a:t>
+              <a:t>Zonder EX</a:t>
             </a:r>
             <a:r>
               <a:rPr lang="nl-NL" dirty="0"/>
@@ -19168,7 +21066,7 @@
               <a:rPr lang="nl-NL" u="sng" dirty="0">
                 <a:sym typeface="Wingdings" pitchFamily="2" charset="2"/>
               </a:rPr>
-              <a:t>Met PE</a:t>
+              <a:t>Met EX</a:t>
             </a:r>
             <a:r>
               <a:rPr lang="nl-NL" dirty="0">
@@ -19228,7 +21126,7 @@
             <a:pPr lvl="1"/>
             <a:r>
               <a:rPr lang="nl-NL" u="sng" dirty="0"/>
-              <a:t>Zonder PE</a:t>
+              <a:t>Zonder EX</a:t>
             </a:r>
             <a:r>
               <a:rPr lang="nl-NL" dirty="0"/>
@@ -19271,7 +21169,7 @@
               <a:rPr lang="nl-NL" u="sng" dirty="0">
                 <a:sym typeface="Wingdings" pitchFamily="2" charset="2"/>
               </a:rPr>
-              <a:t>Met PE</a:t>
+              <a:t>Met EX</a:t>
             </a:r>
             <a:r>
               <a:rPr lang="nl-NL" dirty="0">
@@ -19611,7 +21509,15 @@
             </a:pPr>
             <a:r>
               <a:rPr lang="nl-NL" dirty="0"/>
-              <a:t>Beam score aanpassen </a:t>
+              <a:t>Log </a:t>
+            </a:r>
+            <a:r>
+              <a:rPr lang="nl-NL" dirty="0" err="1"/>
+              <a:t>prob</a:t>
+            </a:r>
+            <a:r>
+              <a:rPr lang="nl-NL" dirty="0"/>
+              <a:t> som aanpassen </a:t>
             </a:r>
           </a:p>
           <a:p>
